--- a/GFM Autotuning.pptx
+++ b/GFM Autotuning.pptx
@@ -7,10 +7,11 @@
   <p:sldIdLst>
     <p:sldId id="256" r:id="rId2"/>
     <p:sldId id="257" r:id="rId3"/>
-    <p:sldId id="258" r:id="rId4"/>
-    <p:sldId id="259" r:id="rId5"/>
-    <p:sldId id="260" r:id="rId6"/>
-    <p:sldId id="261" r:id="rId7"/>
+    <p:sldId id="262" r:id="rId4"/>
+    <p:sldId id="258" r:id="rId5"/>
+    <p:sldId id="259" r:id="rId6"/>
+    <p:sldId id="260" r:id="rId7"/>
+    <p:sldId id="261" r:id="rId8"/>
   </p:sldIdLst>
   <p:sldSz cx="12192000" cy="6858000"/>
   <p:notesSz cx="6858000" cy="9144000"/>
@@ -109,6 +110,11 @@
       </a:defRPr>
     </a:lvl9pPr>
   </p:defaultTextStyle>
+  <p:extLst>
+    <p:ext uri="{EFAFB233-063F-42B5-8137-9DF3F51BA10A}">
+      <p15:sldGuideLst xmlns:p15="http://schemas.microsoft.com/office/powerpoint/2012/main"/>
+    </p:ext>
+  </p:extLst>
 </p:presentation>
 </file>
 
@@ -9691,7 +9697,7 @@
           <a:p>
             <a:fld id="{5945A480-68D4-403B-B3E5-F2161E4F62AC}" type="datetimeFigureOut">
               <a:rPr lang="en-US" smtClean="0"/>
-              <a:t>2/8/2021</a:t>
+              <a:t>2/10/2021</a:t>
             </a:fld>
             <a:endParaRPr lang="en-US"/>
           </a:p>
@@ -9889,7 +9895,7 @@
           <a:p>
             <a:fld id="{5945A480-68D4-403B-B3E5-F2161E4F62AC}" type="datetimeFigureOut">
               <a:rPr lang="en-US" smtClean="0"/>
-              <a:t>2/8/2021</a:t>
+              <a:t>2/10/2021</a:t>
             </a:fld>
             <a:endParaRPr lang="en-US"/>
           </a:p>
@@ -10097,7 +10103,7 @@
           <a:p>
             <a:fld id="{5945A480-68D4-403B-B3E5-F2161E4F62AC}" type="datetimeFigureOut">
               <a:rPr lang="en-US" smtClean="0"/>
-              <a:t>2/8/2021</a:t>
+              <a:t>2/10/2021</a:t>
             </a:fld>
             <a:endParaRPr lang="en-US"/>
           </a:p>
@@ -10295,7 +10301,7 @@
           <a:p>
             <a:fld id="{5945A480-68D4-403B-B3E5-F2161E4F62AC}" type="datetimeFigureOut">
               <a:rPr lang="en-US" smtClean="0"/>
-              <a:t>2/8/2021</a:t>
+              <a:t>2/10/2021</a:t>
             </a:fld>
             <a:endParaRPr lang="en-US"/>
           </a:p>
@@ -10570,7 +10576,7 @@
           <a:p>
             <a:fld id="{5945A480-68D4-403B-B3E5-F2161E4F62AC}" type="datetimeFigureOut">
               <a:rPr lang="en-US" smtClean="0"/>
-              <a:t>2/8/2021</a:t>
+              <a:t>2/10/2021</a:t>
             </a:fld>
             <a:endParaRPr lang="en-US"/>
           </a:p>
@@ -10835,7 +10841,7 @@
           <a:p>
             <a:fld id="{5945A480-68D4-403B-B3E5-F2161E4F62AC}" type="datetimeFigureOut">
               <a:rPr lang="en-US" smtClean="0"/>
-              <a:t>2/8/2021</a:t>
+              <a:t>2/10/2021</a:t>
             </a:fld>
             <a:endParaRPr lang="en-US"/>
           </a:p>
@@ -11247,7 +11253,7 @@
           <a:p>
             <a:fld id="{5945A480-68D4-403B-B3E5-F2161E4F62AC}" type="datetimeFigureOut">
               <a:rPr lang="en-US" smtClean="0"/>
-              <a:t>2/8/2021</a:t>
+              <a:t>2/10/2021</a:t>
             </a:fld>
             <a:endParaRPr lang="en-US"/>
           </a:p>
@@ -11388,7 +11394,7 @@
           <a:p>
             <a:fld id="{5945A480-68D4-403B-B3E5-F2161E4F62AC}" type="datetimeFigureOut">
               <a:rPr lang="en-US" smtClean="0"/>
-              <a:t>2/8/2021</a:t>
+              <a:t>2/10/2021</a:t>
             </a:fld>
             <a:endParaRPr lang="en-US"/>
           </a:p>
@@ -11501,7 +11507,7 @@
           <a:p>
             <a:fld id="{5945A480-68D4-403B-B3E5-F2161E4F62AC}" type="datetimeFigureOut">
               <a:rPr lang="en-US" smtClean="0"/>
-              <a:t>2/8/2021</a:t>
+              <a:t>2/10/2021</a:t>
             </a:fld>
             <a:endParaRPr lang="en-US"/>
           </a:p>
@@ -11812,7 +11818,7 @@
           <a:p>
             <a:fld id="{5945A480-68D4-403B-B3E5-F2161E4F62AC}" type="datetimeFigureOut">
               <a:rPr lang="en-US" smtClean="0"/>
-              <a:t>2/8/2021</a:t>
+              <a:t>2/10/2021</a:t>
             </a:fld>
             <a:endParaRPr lang="en-US"/>
           </a:p>
@@ -12100,7 +12106,7 @@
           <a:p>
             <a:fld id="{5945A480-68D4-403B-B3E5-F2161E4F62AC}" type="datetimeFigureOut">
               <a:rPr lang="en-US" smtClean="0"/>
-              <a:t>2/8/2021</a:t>
+              <a:t>2/10/2021</a:t>
             </a:fld>
             <a:endParaRPr lang="en-US"/>
           </a:p>
@@ -12341,7 +12347,7 @@
           <a:p>
             <a:fld id="{5945A480-68D4-403B-B3E5-F2161E4F62AC}" type="datetimeFigureOut">
               <a:rPr lang="en-US" smtClean="0"/>
-              <a:t>2/8/2021</a:t>
+              <a:t>2/10/2021</a:t>
             </a:fld>
             <a:endParaRPr lang="en-US"/>
           </a:p>
@@ -12875,8 +12881,8 @@
           </a:p>
         </p:txBody>
       </p:sp>
-      <mc:AlternateContent xmlns:mc="http://schemas.openxmlformats.org/markup-compatibility/2006">
-        <mc:Choice xmlns:p14="http://schemas.microsoft.com/office/powerpoint/2010/main" xmlns:aink="http://schemas.microsoft.com/office/drawing/2016/ink" Requires="p14 aink">
+      <mc:AlternateContent xmlns:mc="http://schemas.openxmlformats.org/markup-compatibility/2006" xmlns:p14="http://schemas.microsoft.com/office/powerpoint/2010/main" xmlns:aink="http://schemas.microsoft.com/office/drawing/2016/ink">
+        <mc:Choice Requires="p14 aink">
           <p:contentPart p14:bwMode="auto" r:id="rId2">
             <p14:nvContentPartPr>
               <p14:cNvPr id="4" name="Ink 3">
@@ -12895,7 +12901,7 @@
             </p14:xfrm>
           </p:contentPart>
         </mc:Choice>
-        <mc:Fallback>
+        <mc:Fallback xmlns="">
           <p:pic>
             <p:nvPicPr>
               <p:cNvPr id="4" name="Ink 3">
@@ -12926,8 +12932,8 @@
           </p:pic>
         </mc:Fallback>
       </mc:AlternateContent>
-      <mc:AlternateContent xmlns:mc="http://schemas.openxmlformats.org/markup-compatibility/2006">
-        <mc:Choice xmlns:p14="http://schemas.microsoft.com/office/powerpoint/2010/main" xmlns:aink="http://schemas.microsoft.com/office/drawing/2016/ink" Requires="p14 aink">
+      <mc:AlternateContent xmlns:mc="http://schemas.openxmlformats.org/markup-compatibility/2006" xmlns:p14="http://schemas.microsoft.com/office/powerpoint/2010/main" xmlns:aink="http://schemas.microsoft.com/office/drawing/2016/ink">
+        <mc:Choice Requires="p14 aink">
           <p:contentPart p14:bwMode="auto" r:id="rId4">
             <p14:nvContentPartPr>
               <p14:cNvPr id="5" name="Ink 4">
@@ -12946,7 +12952,7 @@
             </p14:xfrm>
           </p:contentPart>
         </mc:Choice>
-        <mc:Fallback>
+        <mc:Fallback xmlns="">
           <p:pic>
             <p:nvPicPr>
               <p:cNvPr id="5" name="Ink 4">
@@ -12977,8 +12983,8 @@
           </p:pic>
         </mc:Fallback>
       </mc:AlternateContent>
-      <mc:AlternateContent xmlns:mc="http://schemas.openxmlformats.org/markup-compatibility/2006">
-        <mc:Choice xmlns:p14="http://schemas.microsoft.com/office/powerpoint/2010/main" xmlns:aink="http://schemas.microsoft.com/office/drawing/2016/ink" Requires="p14 aink">
+      <mc:AlternateContent xmlns:mc="http://schemas.openxmlformats.org/markup-compatibility/2006" xmlns:p14="http://schemas.microsoft.com/office/powerpoint/2010/main" xmlns:aink="http://schemas.microsoft.com/office/drawing/2016/ink">
+        <mc:Choice Requires="p14 aink">
           <p:contentPart p14:bwMode="auto" r:id="rId6">
             <p14:nvContentPartPr>
               <p14:cNvPr id="9" name="Ink 8">
@@ -12997,7 +13003,7 @@
             </p14:xfrm>
           </p:contentPart>
         </mc:Choice>
-        <mc:Fallback>
+        <mc:Fallback xmlns="">
           <p:pic>
             <p:nvPicPr>
               <p:cNvPr id="9" name="Ink 8">
@@ -13028,8 +13034,8 @@
           </p:pic>
         </mc:Fallback>
       </mc:AlternateContent>
-      <mc:AlternateContent xmlns:mc="http://schemas.openxmlformats.org/markup-compatibility/2006">
-        <mc:Choice xmlns:p14="http://schemas.microsoft.com/office/powerpoint/2010/main" xmlns:aink="http://schemas.microsoft.com/office/drawing/2016/ink" Requires="p14 aink">
+      <mc:AlternateContent xmlns:mc="http://schemas.openxmlformats.org/markup-compatibility/2006" xmlns:p14="http://schemas.microsoft.com/office/powerpoint/2010/main" xmlns:aink="http://schemas.microsoft.com/office/drawing/2016/ink">
+        <mc:Choice Requires="p14 aink">
           <p:contentPart p14:bwMode="auto" r:id="rId8">
             <p14:nvContentPartPr>
               <p14:cNvPr id="10" name="Ink 9">
@@ -13048,7 +13054,7 @@
             </p14:xfrm>
           </p:contentPart>
         </mc:Choice>
-        <mc:Fallback>
+        <mc:Fallback xmlns="">
           <p:pic>
             <p:nvPicPr>
               <p:cNvPr id="10" name="Ink 9">
@@ -13079,8 +13085,8 @@
           </p:pic>
         </mc:Fallback>
       </mc:AlternateContent>
-      <mc:AlternateContent xmlns:mc="http://schemas.openxmlformats.org/markup-compatibility/2006">
-        <mc:Choice xmlns:p14="http://schemas.microsoft.com/office/powerpoint/2010/main" xmlns:aink="http://schemas.microsoft.com/office/drawing/2016/ink" Requires="p14 aink">
+      <mc:AlternateContent xmlns:mc="http://schemas.openxmlformats.org/markup-compatibility/2006" xmlns:p14="http://schemas.microsoft.com/office/powerpoint/2010/main" xmlns:aink="http://schemas.microsoft.com/office/drawing/2016/ink">
+        <mc:Choice Requires="p14 aink">
           <p:contentPart p14:bwMode="auto" r:id="rId10">
             <p14:nvContentPartPr>
               <p14:cNvPr id="6" name="Ink 5">
@@ -13099,7 +13105,7 @@
             </p14:xfrm>
           </p:contentPart>
         </mc:Choice>
-        <mc:Fallback>
+        <mc:Fallback xmlns="">
           <p:pic>
             <p:nvPicPr>
               <p:cNvPr id="6" name="Ink 5">
@@ -13130,8 +13136,8 @@
           </p:pic>
         </mc:Fallback>
       </mc:AlternateContent>
-      <mc:AlternateContent xmlns:mc="http://schemas.openxmlformats.org/markup-compatibility/2006">
-        <mc:Choice xmlns:p14="http://schemas.microsoft.com/office/powerpoint/2010/main" xmlns:aink="http://schemas.microsoft.com/office/drawing/2016/ink" Requires="p14 aink">
+      <mc:AlternateContent xmlns:mc="http://schemas.openxmlformats.org/markup-compatibility/2006" xmlns:p14="http://schemas.microsoft.com/office/powerpoint/2010/main" xmlns:aink="http://schemas.microsoft.com/office/drawing/2016/ink">
+        <mc:Choice Requires="p14 aink">
           <p:contentPart p14:bwMode="auto" r:id="rId12">
             <p14:nvContentPartPr>
               <p14:cNvPr id="26" name="Ink 25">
@@ -13150,7 +13156,7 @@
             </p14:xfrm>
           </p:contentPart>
         </mc:Choice>
-        <mc:Fallback>
+        <mc:Fallback xmlns="">
           <p:pic>
             <p:nvPicPr>
               <p:cNvPr id="26" name="Ink 25">
@@ -13333,8 +13339,8 @@
           </a:p>
         </p:txBody>
       </p:sp>
-      <mc:AlternateContent xmlns:mc="http://schemas.openxmlformats.org/markup-compatibility/2006">
-        <mc:Choice xmlns:p14="http://schemas.microsoft.com/office/powerpoint/2010/main" Requires="p14">
+      <mc:AlternateContent xmlns:mc="http://schemas.openxmlformats.org/markup-compatibility/2006" xmlns:p14="http://schemas.microsoft.com/office/powerpoint/2010/main">
+        <mc:Choice Requires="p14">
           <p:contentPart p14:bwMode="auto" r:id="rId14">
             <p14:nvContentPartPr>
               <p14:cNvPr id="59" name="Ink 58">
@@ -13353,7 +13359,7 @@
             </p14:xfrm>
           </p:contentPart>
         </mc:Choice>
-        <mc:Fallback>
+        <mc:Fallback xmlns="">
           <p:pic>
             <p:nvPicPr>
               <p:cNvPr id="59" name="Ink 58">
@@ -13404,8 +13410,8 @@
             <a:chExt cx="10709640" cy="2949840"/>
           </a:xfrm>
         </p:grpSpPr>
-        <mc:AlternateContent xmlns:mc="http://schemas.openxmlformats.org/markup-compatibility/2006">
-          <mc:Choice xmlns:p14="http://schemas.microsoft.com/office/powerpoint/2010/main" Requires="p14">
+        <mc:AlternateContent xmlns:mc="http://schemas.openxmlformats.org/markup-compatibility/2006" xmlns:p14="http://schemas.microsoft.com/office/powerpoint/2010/main">
+          <mc:Choice Requires="p14">
             <p:contentPart p14:bwMode="auto" r:id="rId16">
               <p14:nvContentPartPr>
                 <p14:cNvPr id="29" name="Ink 28">
@@ -13424,7 +13430,7 @@
               </p14:xfrm>
             </p:contentPart>
           </mc:Choice>
-          <mc:Fallback>
+          <mc:Fallback xmlns="">
             <p:pic>
               <p:nvPicPr>
                 <p:cNvPr id="29" name="Ink 28">
@@ -13455,8 +13461,8 @@
             </p:pic>
           </mc:Fallback>
         </mc:AlternateContent>
-        <mc:AlternateContent xmlns:mc="http://schemas.openxmlformats.org/markup-compatibility/2006">
-          <mc:Choice xmlns:p14="http://schemas.microsoft.com/office/powerpoint/2010/main" Requires="p14">
+        <mc:AlternateContent xmlns:mc="http://schemas.openxmlformats.org/markup-compatibility/2006" xmlns:p14="http://schemas.microsoft.com/office/powerpoint/2010/main">
+          <mc:Choice Requires="p14">
             <p:contentPart p14:bwMode="auto" r:id="rId18">
               <p14:nvContentPartPr>
                 <p14:cNvPr id="30" name="Ink 29">
@@ -13475,7 +13481,7 @@
               </p14:xfrm>
             </p:contentPart>
           </mc:Choice>
-          <mc:Fallback>
+          <mc:Fallback xmlns="">
             <p:pic>
               <p:nvPicPr>
                 <p:cNvPr id="30" name="Ink 29">
@@ -13506,8 +13512,8 @@
             </p:pic>
           </mc:Fallback>
         </mc:AlternateContent>
-        <mc:AlternateContent xmlns:mc="http://schemas.openxmlformats.org/markup-compatibility/2006">
-          <mc:Choice xmlns:p14="http://schemas.microsoft.com/office/powerpoint/2010/main" Requires="p14">
+        <mc:AlternateContent xmlns:mc="http://schemas.openxmlformats.org/markup-compatibility/2006" xmlns:p14="http://schemas.microsoft.com/office/powerpoint/2010/main">
+          <mc:Choice Requires="p14">
             <p:contentPart p14:bwMode="auto" r:id="rId20">
               <p14:nvContentPartPr>
                 <p14:cNvPr id="32" name="Ink 31">
@@ -13526,7 +13532,7 @@
               </p14:xfrm>
             </p:contentPart>
           </mc:Choice>
-          <mc:Fallback>
+          <mc:Fallback xmlns="">
             <p:pic>
               <p:nvPicPr>
                 <p:cNvPr id="32" name="Ink 31">
@@ -13557,8 +13563,8 @@
             </p:pic>
           </mc:Fallback>
         </mc:AlternateContent>
-        <mc:AlternateContent xmlns:mc="http://schemas.openxmlformats.org/markup-compatibility/2006">
-          <mc:Choice xmlns:p14="http://schemas.microsoft.com/office/powerpoint/2010/main" Requires="p14">
+        <mc:AlternateContent xmlns:mc="http://schemas.openxmlformats.org/markup-compatibility/2006" xmlns:p14="http://schemas.microsoft.com/office/powerpoint/2010/main">
+          <mc:Choice Requires="p14">
             <p:contentPart p14:bwMode="auto" r:id="rId22">
               <p14:nvContentPartPr>
                 <p14:cNvPr id="33" name="Ink 32">
@@ -13577,7 +13583,7 @@
               </p14:xfrm>
             </p:contentPart>
           </mc:Choice>
-          <mc:Fallback>
+          <mc:Fallback xmlns="">
             <p:pic>
               <p:nvPicPr>
                 <p:cNvPr id="33" name="Ink 32">
@@ -13608,8 +13614,8 @@
             </p:pic>
           </mc:Fallback>
         </mc:AlternateContent>
-        <mc:AlternateContent xmlns:mc="http://schemas.openxmlformats.org/markup-compatibility/2006">
-          <mc:Choice xmlns:p14="http://schemas.microsoft.com/office/powerpoint/2010/main" Requires="p14">
+        <mc:AlternateContent xmlns:mc="http://schemas.openxmlformats.org/markup-compatibility/2006" xmlns:p14="http://schemas.microsoft.com/office/powerpoint/2010/main">
+          <mc:Choice Requires="p14">
             <p:contentPart p14:bwMode="auto" r:id="rId24">
               <p14:nvContentPartPr>
                 <p14:cNvPr id="34" name="Ink 33">
@@ -13628,7 +13634,7 @@
               </p14:xfrm>
             </p:contentPart>
           </mc:Choice>
-          <mc:Fallback>
+          <mc:Fallback xmlns="">
             <p:pic>
               <p:nvPicPr>
                 <p:cNvPr id="34" name="Ink 33">
@@ -13659,8 +13665,8 @@
             </p:pic>
           </mc:Fallback>
         </mc:AlternateContent>
-        <mc:AlternateContent xmlns:mc="http://schemas.openxmlformats.org/markup-compatibility/2006">
-          <mc:Choice xmlns:p14="http://schemas.microsoft.com/office/powerpoint/2010/main" Requires="p14">
+        <mc:AlternateContent xmlns:mc="http://schemas.openxmlformats.org/markup-compatibility/2006" xmlns:p14="http://schemas.microsoft.com/office/powerpoint/2010/main">
+          <mc:Choice Requires="p14">
             <p:contentPart p14:bwMode="auto" r:id="rId26">
               <p14:nvContentPartPr>
                 <p14:cNvPr id="36" name="Ink 35">
@@ -13679,7 +13685,7 @@
               </p14:xfrm>
             </p:contentPart>
           </mc:Choice>
-          <mc:Fallback>
+          <mc:Fallback xmlns="">
             <p:pic>
               <p:nvPicPr>
                 <p:cNvPr id="36" name="Ink 35">
@@ -13710,8 +13716,8 @@
             </p:pic>
           </mc:Fallback>
         </mc:AlternateContent>
-        <mc:AlternateContent xmlns:mc="http://schemas.openxmlformats.org/markup-compatibility/2006">
-          <mc:Choice xmlns:p14="http://schemas.microsoft.com/office/powerpoint/2010/main" Requires="p14">
+        <mc:AlternateContent xmlns:mc="http://schemas.openxmlformats.org/markup-compatibility/2006" xmlns:p14="http://schemas.microsoft.com/office/powerpoint/2010/main">
+          <mc:Choice Requires="p14">
             <p:contentPart p14:bwMode="auto" r:id="rId28">
               <p14:nvContentPartPr>
                 <p14:cNvPr id="37" name="Ink 36">
@@ -13730,7 +13736,7 @@
               </p14:xfrm>
             </p:contentPart>
           </mc:Choice>
-          <mc:Fallback>
+          <mc:Fallback xmlns="">
             <p:pic>
               <p:nvPicPr>
                 <p:cNvPr id="37" name="Ink 36">
@@ -13761,8 +13767,8 @@
             </p:pic>
           </mc:Fallback>
         </mc:AlternateContent>
-        <mc:AlternateContent xmlns:mc="http://schemas.openxmlformats.org/markup-compatibility/2006">
-          <mc:Choice xmlns:p14="http://schemas.microsoft.com/office/powerpoint/2010/main" Requires="p14">
+        <mc:AlternateContent xmlns:mc="http://schemas.openxmlformats.org/markup-compatibility/2006" xmlns:p14="http://schemas.microsoft.com/office/powerpoint/2010/main">
+          <mc:Choice Requires="p14">
             <p:contentPart p14:bwMode="auto" r:id="rId30">
               <p14:nvContentPartPr>
                 <p14:cNvPr id="38" name="Ink 37">
@@ -13781,7 +13787,7 @@
               </p14:xfrm>
             </p:contentPart>
           </mc:Choice>
-          <mc:Fallback>
+          <mc:Fallback xmlns="">
             <p:pic>
               <p:nvPicPr>
                 <p:cNvPr id="38" name="Ink 37">
@@ -13812,8 +13818,8 @@
             </p:pic>
           </mc:Fallback>
         </mc:AlternateContent>
-        <mc:AlternateContent xmlns:mc="http://schemas.openxmlformats.org/markup-compatibility/2006">
-          <mc:Choice xmlns:p14="http://schemas.microsoft.com/office/powerpoint/2010/main" Requires="p14">
+        <mc:AlternateContent xmlns:mc="http://schemas.openxmlformats.org/markup-compatibility/2006" xmlns:p14="http://schemas.microsoft.com/office/powerpoint/2010/main">
+          <mc:Choice Requires="p14">
             <p:contentPart p14:bwMode="auto" r:id="rId32">
               <p14:nvContentPartPr>
                 <p14:cNvPr id="39" name="Ink 38">
@@ -13832,7 +13838,7 @@
               </p14:xfrm>
             </p:contentPart>
           </mc:Choice>
-          <mc:Fallback>
+          <mc:Fallback xmlns="">
             <p:pic>
               <p:nvPicPr>
                 <p:cNvPr id="39" name="Ink 38">
@@ -13863,8 +13869,8 @@
             </p:pic>
           </mc:Fallback>
         </mc:AlternateContent>
-        <mc:AlternateContent xmlns:mc="http://schemas.openxmlformats.org/markup-compatibility/2006">
-          <mc:Choice xmlns:p14="http://schemas.microsoft.com/office/powerpoint/2010/main" Requires="p14">
+        <mc:AlternateContent xmlns:mc="http://schemas.openxmlformats.org/markup-compatibility/2006" xmlns:p14="http://schemas.microsoft.com/office/powerpoint/2010/main">
+          <mc:Choice Requires="p14">
             <p:contentPart p14:bwMode="auto" r:id="rId34">
               <p14:nvContentPartPr>
                 <p14:cNvPr id="41" name="Ink 40">
@@ -13883,7 +13889,7 @@
               </p14:xfrm>
             </p:contentPart>
           </mc:Choice>
-          <mc:Fallback>
+          <mc:Fallback xmlns="">
             <p:pic>
               <p:nvPicPr>
                 <p:cNvPr id="41" name="Ink 40">
@@ -13914,8 +13920,8 @@
             </p:pic>
           </mc:Fallback>
         </mc:AlternateContent>
-        <mc:AlternateContent xmlns:mc="http://schemas.openxmlformats.org/markup-compatibility/2006">
-          <mc:Choice xmlns:p14="http://schemas.microsoft.com/office/powerpoint/2010/main" Requires="p14">
+        <mc:AlternateContent xmlns:mc="http://schemas.openxmlformats.org/markup-compatibility/2006" xmlns:p14="http://schemas.microsoft.com/office/powerpoint/2010/main">
+          <mc:Choice Requires="p14">
             <p:contentPart p14:bwMode="auto" r:id="rId36">
               <p14:nvContentPartPr>
                 <p14:cNvPr id="42" name="Ink 41">
@@ -13934,7 +13940,7 @@
               </p14:xfrm>
             </p:contentPart>
           </mc:Choice>
-          <mc:Fallback>
+          <mc:Fallback xmlns="">
             <p:pic>
               <p:nvPicPr>
                 <p:cNvPr id="42" name="Ink 41">
@@ -13965,8 +13971,8 @@
             </p:pic>
           </mc:Fallback>
         </mc:AlternateContent>
-        <mc:AlternateContent xmlns:mc="http://schemas.openxmlformats.org/markup-compatibility/2006">
-          <mc:Choice xmlns:p14="http://schemas.microsoft.com/office/powerpoint/2010/main" Requires="p14">
+        <mc:AlternateContent xmlns:mc="http://schemas.openxmlformats.org/markup-compatibility/2006" xmlns:p14="http://schemas.microsoft.com/office/powerpoint/2010/main">
+          <mc:Choice Requires="p14">
             <p:contentPart p14:bwMode="auto" r:id="rId38">
               <p14:nvContentPartPr>
                 <p14:cNvPr id="43" name="Ink 42">
@@ -13985,7 +13991,7 @@
               </p14:xfrm>
             </p:contentPart>
           </mc:Choice>
-          <mc:Fallback>
+          <mc:Fallback xmlns="">
             <p:pic>
               <p:nvPicPr>
                 <p:cNvPr id="43" name="Ink 42">
@@ -14016,8 +14022,8 @@
             </p:pic>
           </mc:Fallback>
         </mc:AlternateContent>
-        <mc:AlternateContent xmlns:mc="http://schemas.openxmlformats.org/markup-compatibility/2006">
-          <mc:Choice xmlns:p14="http://schemas.microsoft.com/office/powerpoint/2010/main" Requires="p14">
+        <mc:AlternateContent xmlns:mc="http://schemas.openxmlformats.org/markup-compatibility/2006" xmlns:p14="http://schemas.microsoft.com/office/powerpoint/2010/main">
+          <mc:Choice Requires="p14">
             <p:contentPart p14:bwMode="auto" r:id="rId40">
               <p14:nvContentPartPr>
                 <p14:cNvPr id="49" name="Ink 48">
@@ -14036,7 +14042,7 @@
               </p14:xfrm>
             </p:contentPart>
           </mc:Choice>
-          <mc:Fallback>
+          <mc:Fallback xmlns="">
             <p:pic>
               <p:nvPicPr>
                 <p:cNvPr id="49" name="Ink 48">
@@ -14067,8 +14073,8 @@
             </p:pic>
           </mc:Fallback>
         </mc:AlternateContent>
-        <mc:AlternateContent xmlns:mc="http://schemas.openxmlformats.org/markup-compatibility/2006">
-          <mc:Choice xmlns:p14="http://schemas.microsoft.com/office/powerpoint/2010/main" Requires="p14">
+        <mc:AlternateContent xmlns:mc="http://schemas.openxmlformats.org/markup-compatibility/2006" xmlns:p14="http://schemas.microsoft.com/office/powerpoint/2010/main">
+          <mc:Choice Requires="p14">
             <p:contentPart p14:bwMode="auto" r:id="rId42">
               <p14:nvContentPartPr>
                 <p14:cNvPr id="50" name="Ink 49">
@@ -14087,7 +14093,7 @@
               </p14:xfrm>
             </p:contentPart>
           </mc:Choice>
-          <mc:Fallback>
+          <mc:Fallback xmlns="">
             <p:pic>
               <p:nvPicPr>
                 <p:cNvPr id="50" name="Ink 49">
@@ -14118,8 +14124,8 @@
             </p:pic>
           </mc:Fallback>
         </mc:AlternateContent>
-        <mc:AlternateContent xmlns:mc="http://schemas.openxmlformats.org/markup-compatibility/2006">
-          <mc:Choice xmlns:p14="http://schemas.microsoft.com/office/powerpoint/2010/main" Requires="p14">
+        <mc:AlternateContent xmlns:mc="http://schemas.openxmlformats.org/markup-compatibility/2006" xmlns:p14="http://schemas.microsoft.com/office/powerpoint/2010/main">
+          <mc:Choice Requires="p14">
             <p:contentPart p14:bwMode="auto" r:id="rId44">
               <p14:nvContentPartPr>
                 <p14:cNvPr id="51" name="Ink 50">
@@ -14138,7 +14144,7 @@
               </p14:xfrm>
             </p:contentPart>
           </mc:Choice>
-          <mc:Fallback>
+          <mc:Fallback xmlns="">
             <p:pic>
               <p:nvPicPr>
                 <p:cNvPr id="51" name="Ink 50">
@@ -14169,8 +14175,8 @@
             </p:pic>
           </mc:Fallback>
         </mc:AlternateContent>
-        <mc:AlternateContent xmlns:mc="http://schemas.openxmlformats.org/markup-compatibility/2006">
-          <mc:Choice xmlns:p14="http://schemas.microsoft.com/office/powerpoint/2010/main" Requires="p14">
+        <mc:AlternateContent xmlns:mc="http://schemas.openxmlformats.org/markup-compatibility/2006" xmlns:p14="http://schemas.microsoft.com/office/powerpoint/2010/main">
+          <mc:Choice Requires="p14">
             <p:contentPart p14:bwMode="auto" r:id="rId46">
               <p14:nvContentPartPr>
                 <p14:cNvPr id="53" name="Ink 52">
@@ -14189,7 +14195,7 @@
               </p14:xfrm>
             </p:contentPart>
           </mc:Choice>
-          <mc:Fallback>
+          <mc:Fallback xmlns="">
             <p:pic>
               <p:nvPicPr>
                 <p:cNvPr id="53" name="Ink 52">
@@ -14220,8 +14226,8 @@
             </p:pic>
           </mc:Fallback>
         </mc:AlternateContent>
-        <mc:AlternateContent xmlns:mc="http://schemas.openxmlformats.org/markup-compatibility/2006">
-          <mc:Choice xmlns:p14="http://schemas.microsoft.com/office/powerpoint/2010/main" Requires="p14">
+        <mc:AlternateContent xmlns:mc="http://schemas.openxmlformats.org/markup-compatibility/2006" xmlns:p14="http://schemas.microsoft.com/office/powerpoint/2010/main">
+          <mc:Choice Requires="p14">
             <p:contentPart p14:bwMode="auto" r:id="rId48">
               <p14:nvContentPartPr>
                 <p14:cNvPr id="54" name="Ink 53">
@@ -14240,7 +14246,7 @@
               </p14:xfrm>
             </p:contentPart>
           </mc:Choice>
-          <mc:Fallback>
+          <mc:Fallback xmlns="">
             <p:pic>
               <p:nvPicPr>
                 <p:cNvPr id="54" name="Ink 53">
@@ -14271,8 +14277,8 @@
             </p:pic>
           </mc:Fallback>
         </mc:AlternateContent>
-        <mc:AlternateContent xmlns:mc="http://schemas.openxmlformats.org/markup-compatibility/2006">
-          <mc:Choice xmlns:p14="http://schemas.microsoft.com/office/powerpoint/2010/main" Requires="p14">
+        <mc:AlternateContent xmlns:mc="http://schemas.openxmlformats.org/markup-compatibility/2006" xmlns:p14="http://schemas.microsoft.com/office/powerpoint/2010/main">
+          <mc:Choice Requires="p14">
             <p:contentPart p14:bwMode="auto" r:id="rId50">
               <p14:nvContentPartPr>
                 <p14:cNvPr id="56" name="Ink 55">
@@ -14291,7 +14297,7 @@
               </p14:xfrm>
             </p:contentPart>
           </mc:Choice>
-          <mc:Fallback>
+          <mc:Fallback xmlns="">
             <p:pic>
               <p:nvPicPr>
                 <p:cNvPr id="56" name="Ink 55">
@@ -14322,8 +14328,8 @@
             </p:pic>
           </mc:Fallback>
         </mc:AlternateContent>
-        <mc:AlternateContent xmlns:mc="http://schemas.openxmlformats.org/markup-compatibility/2006">
-          <mc:Choice xmlns:p14="http://schemas.microsoft.com/office/powerpoint/2010/main" Requires="p14">
+        <mc:AlternateContent xmlns:mc="http://schemas.openxmlformats.org/markup-compatibility/2006" xmlns:p14="http://schemas.microsoft.com/office/powerpoint/2010/main">
+          <mc:Choice Requires="p14">
             <p:contentPart p14:bwMode="auto" r:id="rId52">
               <p14:nvContentPartPr>
                 <p14:cNvPr id="57" name="Ink 56">
@@ -14342,7 +14348,7 @@
               </p14:xfrm>
             </p:contentPart>
           </mc:Choice>
-          <mc:Fallback>
+          <mc:Fallback xmlns="">
             <p:pic>
               <p:nvPicPr>
                 <p:cNvPr id="57" name="Ink 56">
@@ -14373,8 +14379,8 @@
             </p:pic>
           </mc:Fallback>
         </mc:AlternateContent>
-        <mc:AlternateContent xmlns:mc="http://schemas.openxmlformats.org/markup-compatibility/2006">
-          <mc:Choice xmlns:p14="http://schemas.microsoft.com/office/powerpoint/2010/main" Requires="p14">
+        <mc:AlternateContent xmlns:mc="http://schemas.openxmlformats.org/markup-compatibility/2006" xmlns:p14="http://schemas.microsoft.com/office/powerpoint/2010/main">
+          <mc:Choice Requires="p14">
             <p:contentPart p14:bwMode="auto" r:id="rId54">
               <p14:nvContentPartPr>
                 <p14:cNvPr id="61" name="Ink 60">
@@ -14393,7 +14399,7 @@
               </p14:xfrm>
             </p:contentPart>
           </mc:Choice>
-          <mc:Fallback>
+          <mc:Fallback xmlns="">
             <p:pic>
               <p:nvPicPr>
                 <p:cNvPr id="61" name="Ink 60">
@@ -14424,8 +14430,8 @@
             </p:pic>
           </mc:Fallback>
         </mc:AlternateContent>
-        <mc:AlternateContent xmlns:mc="http://schemas.openxmlformats.org/markup-compatibility/2006">
-          <mc:Choice xmlns:p14="http://schemas.microsoft.com/office/powerpoint/2010/main" Requires="p14">
+        <mc:AlternateContent xmlns:mc="http://schemas.openxmlformats.org/markup-compatibility/2006" xmlns:p14="http://schemas.microsoft.com/office/powerpoint/2010/main">
+          <mc:Choice Requires="p14">
             <p:contentPart p14:bwMode="auto" r:id="rId56">
               <p14:nvContentPartPr>
                 <p14:cNvPr id="62" name="Ink 61">
@@ -14444,7 +14450,7 @@
               </p14:xfrm>
             </p:contentPart>
           </mc:Choice>
-          <mc:Fallback>
+          <mc:Fallback xmlns="">
             <p:pic>
               <p:nvPicPr>
                 <p:cNvPr id="62" name="Ink 61">
@@ -14475,8 +14481,8 @@
             </p:pic>
           </mc:Fallback>
         </mc:AlternateContent>
-        <mc:AlternateContent xmlns:mc="http://schemas.openxmlformats.org/markup-compatibility/2006">
-          <mc:Choice xmlns:p14="http://schemas.microsoft.com/office/powerpoint/2010/main" Requires="p14">
+        <mc:AlternateContent xmlns:mc="http://schemas.openxmlformats.org/markup-compatibility/2006" xmlns:p14="http://schemas.microsoft.com/office/powerpoint/2010/main">
+          <mc:Choice Requires="p14">
             <p:contentPart p14:bwMode="auto" r:id="rId58">
               <p14:nvContentPartPr>
                 <p14:cNvPr id="63" name="Ink 62">
@@ -14495,7 +14501,7 @@
               </p14:xfrm>
             </p:contentPart>
           </mc:Choice>
-          <mc:Fallback>
+          <mc:Fallback xmlns="">
             <p:pic>
               <p:nvPicPr>
                 <p:cNvPr id="63" name="Ink 62">
@@ -14526,8 +14532,8 @@
             </p:pic>
           </mc:Fallback>
         </mc:AlternateContent>
-        <mc:AlternateContent xmlns:mc="http://schemas.openxmlformats.org/markup-compatibility/2006">
-          <mc:Choice xmlns:p14="http://schemas.microsoft.com/office/powerpoint/2010/main" Requires="p14">
+        <mc:AlternateContent xmlns:mc="http://schemas.openxmlformats.org/markup-compatibility/2006" xmlns:p14="http://schemas.microsoft.com/office/powerpoint/2010/main">
+          <mc:Choice Requires="p14">
             <p:contentPart p14:bwMode="auto" r:id="rId60">
               <p14:nvContentPartPr>
                 <p14:cNvPr id="64" name="Ink 63">
@@ -14546,7 +14552,7 @@
               </p14:xfrm>
             </p:contentPart>
           </mc:Choice>
-          <mc:Fallback>
+          <mc:Fallback xmlns="">
             <p:pic>
               <p:nvPicPr>
                 <p:cNvPr id="64" name="Ink 63">
@@ -14577,8 +14583,8 @@
             </p:pic>
           </mc:Fallback>
         </mc:AlternateContent>
-        <mc:AlternateContent xmlns:mc="http://schemas.openxmlformats.org/markup-compatibility/2006">
-          <mc:Choice xmlns:p14="http://schemas.microsoft.com/office/powerpoint/2010/main" Requires="p14">
+        <mc:AlternateContent xmlns:mc="http://schemas.openxmlformats.org/markup-compatibility/2006" xmlns:p14="http://schemas.microsoft.com/office/powerpoint/2010/main">
+          <mc:Choice Requires="p14">
             <p:contentPart p14:bwMode="auto" r:id="rId62">
               <p14:nvContentPartPr>
                 <p14:cNvPr id="65" name="Ink 64">
@@ -14597,7 +14603,7 @@
               </p14:xfrm>
             </p:contentPart>
           </mc:Choice>
-          <mc:Fallback>
+          <mc:Fallback xmlns="">
             <p:pic>
               <p:nvPicPr>
                 <p:cNvPr id="65" name="Ink 64">
@@ -14628,8 +14634,8 @@
             </p:pic>
           </mc:Fallback>
         </mc:AlternateContent>
-        <mc:AlternateContent xmlns:mc="http://schemas.openxmlformats.org/markup-compatibility/2006">
-          <mc:Choice xmlns:p14="http://schemas.microsoft.com/office/powerpoint/2010/main" Requires="p14">
+        <mc:AlternateContent xmlns:mc="http://schemas.openxmlformats.org/markup-compatibility/2006" xmlns:p14="http://schemas.microsoft.com/office/powerpoint/2010/main">
+          <mc:Choice Requires="p14">
             <p:contentPart p14:bwMode="auto" r:id="rId64">
               <p14:nvContentPartPr>
                 <p14:cNvPr id="66" name="Ink 65">
@@ -14648,7 +14654,7 @@
               </p14:xfrm>
             </p:contentPart>
           </mc:Choice>
-          <mc:Fallback>
+          <mc:Fallback xmlns="">
             <p:pic>
               <p:nvPicPr>
                 <p:cNvPr id="66" name="Ink 65">
@@ -14679,8 +14685,8 @@
             </p:pic>
           </mc:Fallback>
         </mc:AlternateContent>
-        <mc:AlternateContent xmlns:mc="http://schemas.openxmlformats.org/markup-compatibility/2006">
-          <mc:Choice xmlns:p14="http://schemas.microsoft.com/office/powerpoint/2010/main" Requires="p14">
+        <mc:AlternateContent xmlns:mc="http://schemas.openxmlformats.org/markup-compatibility/2006" xmlns:p14="http://schemas.microsoft.com/office/powerpoint/2010/main">
+          <mc:Choice Requires="p14">
             <p:contentPart p14:bwMode="auto" r:id="rId66">
               <p14:nvContentPartPr>
                 <p14:cNvPr id="68" name="Ink 67">
@@ -14699,7 +14705,7 @@
               </p14:xfrm>
             </p:contentPart>
           </mc:Choice>
-          <mc:Fallback>
+          <mc:Fallback xmlns="">
             <p:pic>
               <p:nvPicPr>
                 <p:cNvPr id="68" name="Ink 67">
@@ -14730,8 +14736,8 @@
             </p:pic>
           </mc:Fallback>
         </mc:AlternateContent>
-        <mc:AlternateContent xmlns:mc="http://schemas.openxmlformats.org/markup-compatibility/2006">
-          <mc:Choice xmlns:p14="http://schemas.microsoft.com/office/powerpoint/2010/main" Requires="p14">
+        <mc:AlternateContent xmlns:mc="http://schemas.openxmlformats.org/markup-compatibility/2006" xmlns:p14="http://schemas.microsoft.com/office/powerpoint/2010/main">
+          <mc:Choice Requires="p14">
             <p:contentPart p14:bwMode="auto" r:id="rId68">
               <p14:nvContentPartPr>
                 <p14:cNvPr id="69" name="Ink 68">
@@ -14750,7 +14756,7 @@
               </p14:xfrm>
             </p:contentPart>
           </mc:Choice>
-          <mc:Fallback>
+          <mc:Fallback xmlns="">
             <p:pic>
               <p:nvPicPr>
                 <p:cNvPr id="69" name="Ink 68">
@@ -14781,8 +14787,8 @@
             </p:pic>
           </mc:Fallback>
         </mc:AlternateContent>
-        <mc:AlternateContent xmlns:mc="http://schemas.openxmlformats.org/markup-compatibility/2006">
-          <mc:Choice xmlns:p14="http://schemas.microsoft.com/office/powerpoint/2010/main" Requires="p14">
+        <mc:AlternateContent xmlns:mc="http://schemas.openxmlformats.org/markup-compatibility/2006" xmlns:p14="http://schemas.microsoft.com/office/powerpoint/2010/main">
+          <mc:Choice Requires="p14">
             <p:contentPart p14:bwMode="auto" r:id="rId70">
               <p14:nvContentPartPr>
                 <p14:cNvPr id="70" name="Ink 69">
@@ -14801,7 +14807,7 @@
               </p14:xfrm>
             </p:contentPart>
           </mc:Choice>
-          <mc:Fallback>
+          <mc:Fallback xmlns="">
             <p:pic>
               <p:nvPicPr>
                 <p:cNvPr id="70" name="Ink 69">
@@ -14832,8 +14838,8 @@
             </p:pic>
           </mc:Fallback>
         </mc:AlternateContent>
-        <mc:AlternateContent xmlns:mc="http://schemas.openxmlformats.org/markup-compatibility/2006">
-          <mc:Choice xmlns:p14="http://schemas.microsoft.com/office/powerpoint/2010/main" Requires="p14">
+        <mc:AlternateContent xmlns:mc="http://schemas.openxmlformats.org/markup-compatibility/2006" xmlns:p14="http://schemas.microsoft.com/office/powerpoint/2010/main">
+          <mc:Choice Requires="p14">
             <p:contentPart p14:bwMode="auto" r:id="rId72">
               <p14:nvContentPartPr>
                 <p14:cNvPr id="71" name="Ink 70">
@@ -14852,7 +14858,7 @@
               </p14:xfrm>
             </p:contentPart>
           </mc:Choice>
-          <mc:Fallback>
+          <mc:Fallback xmlns="">
             <p:pic>
               <p:nvPicPr>
                 <p:cNvPr id="71" name="Ink 70">
@@ -14883,8 +14889,8 @@
             </p:pic>
           </mc:Fallback>
         </mc:AlternateContent>
-        <mc:AlternateContent xmlns:mc="http://schemas.openxmlformats.org/markup-compatibility/2006">
-          <mc:Choice xmlns:p14="http://schemas.microsoft.com/office/powerpoint/2010/main" Requires="p14">
+        <mc:AlternateContent xmlns:mc="http://schemas.openxmlformats.org/markup-compatibility/2006" xmlns:p14="http://schemas.microsoft.com/office/powerpoint/2010/main">
+          <mc:Choice Requires="p14">
             <p:contentPart p14:bwMode="auto" r:id="rId74">
               <p14:nvContentPartPr>
                 <p14:cNvPr id="72" name="Ink 71">
@@ -14903,7 +14909,7 @@
               </p14:xfrm>
             </p:contentPart>
           </mc:Choice>
-          <mc:Fallback>
+          <mc:Fallback xmlns="">
             <p:pic>
               <p:nvPicPr>
                 <p:cNvPr id="72" name="Ink 71">
@@ -14934,8 +14940,8 @@
             </p:pic>
           </mc:Fallback>
         </mc:AlternateContent>
-        <mc:AlternateContent xmlns:mc="http://schemas.openxmlformats.org/markup-compatibility/2006">
-          <mc:Choice xmlns:p14="http://schemas.microsoft.com/office/powerpoint/2010/main" Requires="p14">
+        <mc:AlternateContent xmlns:mc="http://schemas.openxmlformats.org/markup-compatibility/2006" xmlns:p14="http://schemas.microsoft.com/office/powerpoint/2010/main">
+          <mc:Choice Requires="p14">
             <p:contentPart p14:bwMode="auto" r:id="rId76">
               <p14:nvContentPartPr>
                 <p14:cNvPr id="74" name="Ink 73">
@@ -14954,7 +14960,7 @@
               </p14:xfrm>
             </p:contentPart>
           </mc:Choice>
-          <mc:Fallback>
+          <mc:Fallback xmlns="">
             <p:pic>
               <p:nvPicPr>
                 <p:cNvPr id="74" name="Ink 73">
@@ -14985,8 +14991,8 @@
             </p:pic>
           </mc:Fallback>
         </mc:AlternateContent>
-        <mc:AlternateContent xmlns:mc="http://schemas.openxmlformats.org/markup-compatibility/2006">
-          <mc:Choice xmlns:p14="http://schemas.microsoft.com/office/powerpoint/2010/main" Requires="p14">
+        <mc:AlternateContent xmlns:mc="http://schemas.openxmlformats.org/markup-compatibility/2006" xmlns:p14="http://schemas.microsoft.com/office/powerpoint/2010/main">
+          <mc:Choice Requires="p14">
             <p:contentPart p14:bwMode="auto" r:id="rId78">
               <p14:nvContentPartPr>
                 <p14:cNvPr id="75" name="Ink 74">
@@ -15005,7 +15011,7 @@
               </p14:xfrm>
             </p:contentPart>
           </mc:Choice>
-          <mc:Fallback>
+          <mc:Fallback xmlns="">
             <p:pic>
               <p:nvPicPr>
                 <p:cNvPr id="75" name="Ink 74">
@@ -15036,8 +15042,8 @@
             </p:pic>
           </mc:Fallback>
         </mc:AlternateContent>
-        <mc:AlternateContent xmlns:mc="http://schemas.openxmlformats.org/markup-compatibility/2006">
-          <mc:Choice xmlns:p14="http://schemas.microsoft.com/office/powerpoint/2010/main" Requires="p14">
+        <mc:AlternateContent xmlns:mc="http://schemas.openxmlformats.org/markup-compatibility/2006" xmlns:p14="http://schemas.microsoft.com/office/powerpoint/2010/main">
+          <mc:Choice Requires="p14">
             <p:contentPart p14:bwMode="auto" r:id="rId80">
               <p14:nvContentPartPr>
                 <p14:cNvPr id="77" name="Ink 76">
@@ -15056,7 +15062,7 @@
               </p14:xfrm>
             </p:contentPart>
           </mc:Choice>
-          <mc:Fallback>
+          <mc:Fallback xmlns="">
             <p:pic>
               <p:nvPicPr>
                 <p:cNvPr id="77" name="Ink 76">
@@ -15087,8 +15093,8 @@
             </p:pic>
           </mc:Fallback>
         </mc:AlternateContent>
-        <mc:AlternateContent xmlns:mc="http://schemas.openxmlformats.org/markup-compatibility/2006">
-          <mc:Choice xmlns:p14="http://schemas.microsoft.com/office/powerpoint/2010/main" Requires="p14">
+        <mc:AlternateContent xmlns:mc="http://schemas.openxmlformats.org/markup-compatibility/2006" xmlns:p14="http://schemas.microsoft.com/office/powerpoint/2010/main">
+          <mc:Choice Requires="p14">
             <p:contentPart p14:bwMode="auto" r:id="rId82">
               <p14:nvContentPartPr>
                 <p14:cNvPr id="78" name="Ink 77">
@@ -15107,7 +15113,7 @@
               </p14:xfrm>
             </p:contentPart>
           </mc:Choice>
-          <mc:Fallback>
+          <mc:Fallback xmlns="">
             <p:pic>
               <p:nvPicPr>
                 <p:cNvPr id="78" name="Ink 77">
@@ -15138,8 +15144,8 @@
             </p:pic>
           </mc:Fallback>
         </mc:AlternateContent>
-        <mc:AlternateContent xmlns:mc="http://schemas.openxmlformats.org/markup-compatibility/2006">
-          <mc:Choice xmlns:p14="http://schemas.microsoft.com/office/powerpoint/2010/main" Requires="p14">
+        <mc:AlternateContent xmlns:mc="http://schemas.openxmlformats.org/markup-compatibility/2006" xmlns:p14="http://schemas.microsoft.com/office/powerpoint/2010/main">
+          <mc:Choice Requires="p14">
             <p:contentPart p14:bwMode="auto" r:id="rId84">
               <p14:nvContentPartPr>
                 <p14:cNvPr id="80" name="Ink 79">
@@ -15158,7 +15164,7 @@
               </p14:xfrm>
             </p:contentPart>
           </mc:Choice>
-          <mc:Fallback>
+          <mc:Fallback xmlns="">
             <p:pic>
               <p:nvPicPr>
                 <p:cNvPr id="80" name="Ink 79">
@@ -15189,8 +15195,8 @@
             </p:pic>
           </mc:Fallback>
         </mc:AlternateContent>
-        <mc:AlternateContent xmlns:mc="http://schemas.openxmlformats.org/markup-compatibility/2006">
-          <mc:Choice xmlns:p14="http://schemas.microsoft.com/office/powerpoint/2010/main" Requires="p14">
+        <mc:AlternateContent xmlns:mc="http://schemas.openxmlformats.org/markup-compatibility/2006" xmlns:p14="http://schemas.microsoft.com/office/powerpoint/2010/main">
+          <mc:Choice Requires="p14">
             <p:contentPart p14:bwMode="auto" r:id="rId86">
               <p14:nvContentPartPr>
                 <p14:cNvPr id="81" name="Ink 80">
@@ -15209,7 +15215,7 @@
               </p14:xfrm>
             </p:contentPart>
           </mc:Choice>
-          <mc:Fallback>
+          <mc:Fallback xmlns="">
             <p:pic>
               <p:nvPicPr>
                 <p:cNvPr id="81" name="Ink 80">
@@ -15240,8 +15246,8 @@
             </p:pic>
           </mc:Fallback>
         </mc:AlternateContent>
-        <mc:AlternateContent xmlns:mc="http://schemas.openxmlformats.org/markup-compatibility/2006">
-          <mc:Choice xmlns:p14="http://schemas.microsoft.com/office/powerpoint/2010/main" Requires="p14">
+        <mc:AlternateContent xmlns:mc="http://schemas.openxmlformats.org/markup-compatibility/2006" xmlns:p14="http://schemas.microsoft.com/office/powerpoint/2010/main">
+          <mc:Choice Requires="p14">
             <p:contentPart p14:bwMode="auto" r:id="rId88">
               <p14:nvContentPartPr>
                 <p14:cNvPr id="82" name="Ink 81">
@@ -15260,7 +15266,7 @@
               </p14:xfrm>
             </p:contentPart>
           </mc:Choice>
-          <mc:Fallback>
+          <mc:Fallback xmlns="">
             <p:pic>
               <p:nvPicPr>
                 <p:cNvPr id="82" name="Ink 81">
@@ -15291,8 +15297,8 @@
             </p:pic>
           </mc:Fallback>
         </mc:AlternateContent>
-        <mc:AlternateContent xmlns:mc="http://schemas.openxmlformats.org/markup-compatibility/2006">
-          <mc:Choice xmlns:p14="http://schemas.microsoft.com/office/powerpoint/2010/main" Requires="p14">
+        <mc:AlternateContent xmlns:mc="http://schemas.openxmlformats.org/markup-compatibility/2006" xmlns:p14="http://schemas.microsoft.com/office/powerpoint/2010/main">
+          <mc:Choice Requires="p14">
             <p:contentPart p14:bwMode="auto" r:id="rId90">
               <p14:nvContentPartPr>
                 <p14:cNvPr id="83" name="Ink 82">
@@ -15311,7 +15317,7 @@
               </p14:xfrm>
             </p:contentPart>
           </mc:Choice>
-          <mc:Fallback>
+          <mc:Fallback xmlns="">
             <p:pic>
               <p:nvPicPr>
                 <p:cNvPr id="83" name="Ink 82">
@@ -15357,6 +15363,385 @@
 </file>
 
 <file path=ppt/slides/slide3.xml><?xml version="1.0" encoding="utf-8"?>
+<p:sld xmlns:a="http://schemas.openxmlformats.org/drawingml/2006/main" xmlns:r="http://schemas.openxmlformats.org/officeDocument/2006/relationships" xmlns:p="http://schemas.openxmlformats.org/presentationml/2006/main">
+  <p:cSld>
+    <p:spTree>
+      <p:nvGrpSpPr>
+        <p:cNvPr id="1" name=""/>
+        <p:cNvGrpSpPr/>
+        <p:nvPr/>
+      </p:nvGrpSpPr>
+      <p:grpSpPr>
+        <a:xfrm>
+          <a:off x="0" y="0"/>
+          <a:ext cx="0" cy="0"/>
+          <a:chOff x="0" y="0"/>
+          <a:chExt cx="0" cy="0"/>
+        </a:xfrm>
+      </p:grpSpPr>
+      <p:sp>
+        <p:nvSpPr>
+          <p:cNvPr id="2" name="Title 1">
+            <a:extLst>
+              <a:ext uri="{FF2B5EF4-FFF2-40B4-BE49-F238E27FC236}">
+                <a16:creationId xmlns:a16="http://schemas.microsoft.com/office/drawing/2014/main" id="{0A5AFBE2-694F-4F4D-AE56-AF8B93BC6800}"/>
+              </a:ext>
+            </a:extLst>
+          </p:cNvPr>
+          <p:cNvSpPr>
+            <a:spLocks noGrp="1"/>
+          </p:cNvSpPr>
+          <p:nvPr>
+            <p:ph type="title"/>
+          </p:nvPr>
+        </p:nvSpPr>
+        <p:spPr/>
+        <p:txBody>
+          <a:bodyPr/>
+          <a:lstStyle/>
+          <a:p>
+            <a:r>
+              <a:rPr lang="en-US" dirty="0"/>
+              <a:t>States</a:t>
+            </a:r>
+          </a:p>
+        </p:txBody>
+      </p:sp>
+      <p:sp>
+        <p:nvSpPr>
+          <p:cNvPr id="4" name="Rectangle: Rounded Corners 3">
+            <a:extLst>
+              <a:ext uri="{FF2B5EF4-FFF2-40B4-BE49-F238E27FC236}">
+                <a16:creationId xmlns:a16="http://schemas.microsoft.com/office/drawing/2014/main" id="{B0AB7476-52A5-4710-8B79-C1BBC692EC92}"/>
+              </a:ext>
+            </a:extLst>
+          </p:cNvPr>
+          <p:cNvSpPr/>
+          <p:nvPr/>
+        </p:nvSpPr>
+        <p:spPr>
+          <a:xfrm>
+            <a:off x="1221971" y="2518756"/>
+            <a:ext cx="1180407" cy="714895"/>
+          </a:xfrm>
+          <a:prstGeom prst="roundRect">
+            <a:avLst/>
+          </a:prstGeom>
+        </p:spPr>
+        <p:style>
+          <a:lnRef idx="2">
+            <a:schemeClr val="accent1"/>
+          </a:lnRef>
+          <a:fillRef idx="1">
+            <a:schemeClr val="lt1"/>
+          </a:fillRef>
+          <a:effectRef idx="0">
+            <a:schemeClr val="accent1"/>
+          </a:effectRef>
+          <a:fontRef idx="minor">
+            <a:schemeClr val="dk1"/>
+          </a:fontRef>
+        </p:style>
+        <p:txBody>
+          <a:bodyPr rtlCol="0" anchor="ctr"/>
+          <a:lstStyle/>
+          <a:p>
+            <a:pPr algn="ctr"/>
+            <a:r>
+              <a:rPr lang="en-US" sz="1400" dirty="0"/>
+              <a:t>0 - Noise Detection</a:t>
+            </a:r>
+          </a:p>
+        </p:txBody>
+      </p:sp>
+      <p:sp>
+        <p:nvSpPr>
+          <p:cNvPr id="5" name="Rectangle: Rounded Corners 4">
+            <a:extLst>
+              <a:ext uri="{FF2B5EF4-FFF2-40B4-BE49-F238E27FC236}">
+                <a16:creationId xmlns:a16="http://schemas.microsoft.com/office/drawing/2014/main" id="{F8A6BD7D-6370-4546-B5CA-D9BB658D53FB}"/>
+              </a:ext>
+            </a:extLst>
+          </p:cNvPr>
+          <p:cNvSpPr/>
+          <p:nvPr/>
+        </p:nvSpPr>
+        <p:spPr>
+          <a:xfrm>
+            <a:off x="3294611" y="2518755"/>
+            <a:ext cx="1180407" cy="714895"/>
+          </a:xfrm>
+          <a:prstGeom prst="roundRect">
+            <a:avLst/>
+          </a:prstGeom>
+        </p:spPr>
+        <p:style>
+          <a:lnRef idx="2">
+            <a:schemeClr val="accent1"/>
+          </a:lnRef>
+          <a:fillRef idx="1">
+            <a:schemeClr val="lt1"/>
+          </a:fillRef>
+          <a:effectRef idx="0">
+            <a:schemeClr val="accent1"/>
+          </a:effectRef>
+          <a:fontRef idx="minor">
+            <a:schemeClr val="dk1"/>
+          </a:fontRef>
+        </p:style>
+        <p:txBody>
+          <a:bodyPr rtlCol="0" anchor="ctr"/>
+          <a:lstStyle/>
+          <a:p>
+            <a:pPr algn="ctr"/>
+            <a:r>
+              <a:rPr lang="en-US" sz="1400" dirty="0"/>
+              <a:t>1 – static friction</a:t>
+            </a:r>
+          </a:p>
+        </p:txBody>
+      </p:sp>
+      <p:cxnSp>
+        <p:nvCxnSpPr>
+          <p:cNvPr id="7" name="Straight Arrow Connector 6">
+            <a:extLst>
+              <a:ext uri="{FF2B5EF4-FFF2-40B4-BE49-F238E27FC236}">
+                <a16:creationId xmlns:a16="http://schemas.microsoft.com/office/drawing/2014/main" id="{E75ABE9E-42F8-484C-B114-0CD4FD81FF24}"/>
+              </a:ext>
+            </a:extLst>
+          </p:cNvPr>
+          <p:cNvCxnSpPr>
+            <a:stCxn id="4" idx="3"/>
+            <a:endCxn id="5" idx="1"/>
+          </p:cNvCxnSpPr>
+          <p:nvPr/>
+        </p:nvCxnSpPr>
+        <p:spPr>
+          <a:xfrm flipV="1">
+            <a:off x="2402378" y="2876203"/>
+            <a:ext cx="892233" cy="1"/>
+          </a:xfrm>
+          <a:prstGeom prst="straightConnector1">
+            <a:avLst/>
+          </a:prstGeom>
+          <a:ln>
+            <a:tailEnd type="triangle"/>
+          </a:ln>
+        </p:spPr>
+        <p:style>
+          <a:lnRef idx="1">
+            <a:schemeClr val="accent1"/>
+          </a:lnRef>
+          <a:fillRef idx="0">
+            <a:schemeClr val="accent1"/>
+          </a:fillRef>
+          <a:effectRef idx="0">
+            <a:schemeClr val="accent1"/>
+          </a:effectRef>
+          <a:fontRef idx="minor">
+            <a:schemeClr val="tx1"/>
+          </a:fontRef>
+        </p:style>
+      </p:cxnSp>
+      <p:sp>
+        <p:nvSpPr>
+          <p:cNvPr id="8" name="Rectangle: Rounded Corners 7">
+            <a:extLst>
+              <a:ext uri="{FF2B5EF4-FFF2-40B4-BE49-F238E27FC236}">
+                <a16:creationId xmlns:a16="http://schemas.microsoft.com/office/drawing/2014/main" id="{A02C4A29-0815-4A5F-BDBB-77E3F5051165}"/>
+              </a:ext>
+            </a:extLst>
+          </p:cNvPr>
+          <p:cNvSpPr/>
+          <p:nvPr/>
+        </p:nvSpPr>
+        <p:spPr>
+          <a:xfrm>
+            <a:off x="5209309" y="2518755"/>
+            <a:ext cx="1180407" cy="714895"/>
+          </a:xfrm>
+          <a:prstGeom prst="roundRect">
+            <a:avLst/>
+          </a:prstGeom>
+        </p:spPr>
+        <p:style>
+          <a:lnRef idx="2">
+            <a:schemeClr val="accent1"/>
+          </a:lnRef>
+          <a:fillRef idx="1">
+            <a:schemeClr val="lt1"/>
+          </a:fillRef>
+          <a:effectRef idx="0">
+            <a:schemeClr val="accent1"/>
+          </a:effectRef>
+          <a:fontRef idx="minor">
+            <a:schemeClr val="dk1"/>
+          </a:fontRef>
+        </p:style>
+        <p:txBody>
+          <a:bodyPr rtlCol="0" anchor="ctr"/>
+          <a:lstStyle/>
+          <a:p>
+            <a:pPr algn="ctr"/>
+            <a:r>
+              <a:rPr lang="en-US" sz="1400" dirty="0"/>
+              <a:t>2 – inertia estimation</a:t>
+            </a:r>
+          </a:p>
+        </p:txBody>
+      </p:sp>
+      <p:sp>
+        <p:nvSpPr>
+          <p:cNvPr id="10" name="Rectangle: Rounded Corners 9">
+            <a:extLst>
+              <a:ext uri="{FF2B5EF4-FFF2-40B4-BE49-F238E27FC236}">
+                <a16:creationId xmlns:a16="http://schemas.microsoft.com/office/drawing/2014/main" id="{7A95405D-EF31-410B-BC00-EE8A2B959B73}"/>
+              </a:ext>
+            </a:extLst>
+          </p:cNvPr>
+          <p:cNvSpPr/>
+          <p:nvPr/>
+        </p:nvSpPr>
+        <p:spPr>
+          <a:xfrm>
+            <a:off x="7124007" y="2518754"/>
+            <a:ext cx="1180407" cy="714895"/>
+          </a:xfrm>
+          <a:prstGeom prst="roundRect">
+            <a:avLst/>
+          </a:prstGeom>
+        </p:spPr>
+        <p:style>
+          <a:lnRef idx="2">
+            <a:schemeClr val="accent1"/>
+          </a:lnRef>
+          <a:fillRef idx="1">
+            <a:schemeClr val="lt1"/>
+          </a:fillRef>
+          <a:effectRef idx="0">
+            <a:schemeClr val="accent1"/>
+          </a:effectRef>
+          <a:fontRef idx="minor">
+            <a:schemeClr val="dk1"/>
+          </a:fontRef>
+        </p:style>
+        <p:txBody>
+          <a:bodyPr rtlCol="0" anchor="ctr"/>
+          <a:lstStyle/>
+          <a:p>
+            <a:pPr algn="ctr"/>
+            <a:r>
+              <a:rPr lang="en-US" sz="1400" dirty="0"/>
+              <a:t>3 – inertia estimation</a:t>
+            </a:r>
+          </a:p>
+          <a:p>
+            <a:pPr algn="ctr"/>
+            <a:r>
+              <a:rPr lang="en-US" sz="1400" dirty="0"/>
+              <a:t>stopping</a:t>
+            </a:r>
+          </a:p>
+        </p:txBody>
+      </p:sp>
+      <p:cxnSp>
+        <p:nvCxnSpPr>
+          <p:cNvPr id="12" name="Straight Arrow Connector 11">
+            <a:extLst>
+              <a:ext uri="{FF2B5EF4-FFF2-40B4-BE49-F238E27FC236}">
+                <a16:creationId xmlns:a16="http://schemas.microsoft.com/office/drawing/2014/main" id="{EC447F68-6923-45DB-9FFA-CA3ED713FC5E}"/>
+              </a:ext>
+            </a:extLst>
+          </p:cNvPr>
+          <p:cNvCxnSpPr>
+            <a:stCxn id="5" idx="3"/>
+            <a:endCxn id="8" idx="1"/>
+          </p:cNvCxnSpPr>
+          <p:nvPr/>
+        </p:nvCxnSpPr>
+        <p:spPr>
+          <a:xfrm>
+            <a:off x="4475018" y="2876203"/>
+            <a:ext cx="734291" cy="0"/>
+          </a:xfrm>
+          <a:prstGeom prst="straightConnector1">
+            <a:avLst/>
+          </a:prstGeom>
+          <a:ln>
+            <a:tailEnd type="triangle"/>
+          </a:ln>
+        </p:spPr>
+        <p:style>
+          <a:lnRef idx="1">
+            <a:schemeClr val="accent1"/>
+          </a:lnRef>
+          <a:fillRef idx="0">
+            <a:schemeClr val="accent1"/>
+          </a:fillRef>
+          <a:effectRef idx="0">
+            <a:schemeClr val="accent1"/>
+          </a:effectRef>
+          <a:fontRef idx="minor">
+            <a:schemeClr val="tx1"/>
+          </a:fontRef>
+        </p:style>
+      </p:cxnSp>
+      <p:cxnSp>
+        <p:nvCxnSpPr>
+          <p:cNvPr id="14" name="Straight Arrow Connector 13">
+            <a:extLst>
+              <a:ext uri="{FF2B5EF4-FFF2-40B4-BE49-F238E27FC236}">
+                <a16:creationId xmlns:a16="http://schemas.microsoft.com/office/drawing/2014/main" id="{120A3BC7-E8CA-4818-AF68-A037C781DB7D}"/>
+              </a:ext>
+            </a:extLst>
+          </p:cNvPr>
+          <p:cNvCxnSpPr>
+            <a:stCxn id="8" idx="3"/>
+            <a:endCxn id="10" idx="1"/>
+          </p:cNvCxnSpPr>
+          <p:nvPr/>
+        </p:nvCxnSpPr>
+        <p:spPr>
+          <a:xfrm flipV="1">
+            <a:off x="6389716" y="2876202"/>
+            <a:ext cx="734291" cy="1"/>
+          </a:xfrm>
+          <a:prstGeom prst="straightConnector1">
+            <a:avLst/>
+          </a:prstGeom>
+          <a:ln>
+            <a:tailEnd type="triangle"/>
+          </a:ln>
+        </p:spPr>
+        <p:style>
+          <a:lnRef idx="1">
+            <a:schemeClr val="accent1"/>
+          </a:lnRef>
+          <a:fillRef idx="0">
+            <a:schemeClr val="accent1"/>
+          </a:fillRef>
+          <a:effectRef idx="0">
+            <a:schemeClr val="accent1"/>
+          </a:effectRef>
+          <a:fontRef idx="minor">
+            <a:schemeClr val="tx1"/>
+          </a:fontRef>
+        </p:style>
+      </p:cxnSp>
+    </p:spTree>
+    <p:extLst>
+      <p:ext uri="{BB962C8B-B14F-4D97-AF65-F5344CB8AC3E}">
+        <p14:creationId xmlns:p14="http://schemas.microsoft.com/office/powerpoint/2010/main" val="203812399"/>
+      </p:ext>
+    </p:extLst>
+  </p:cSld>
+  <p:clrMapOvr>
+    <a:masterClrMapping/>
+  </p:clrMapOvr>
+</p:sld>
+</file>
+
+<file path=ppt/slides/slide4.xml><?xml version="1.0" encoding="utf-8"?>
 <p:sld xmlns:a="http://schemas.openxmlformats.org/drawingml/2006/main" xmlns:r="http://schemas.openxmlformats.org/officeDocument/2006/relationships" xmlns:p="http://schemas.openxmlformats.org/presentationml/2006/main">
   <p:cSld>
     <p:spTree>
@@ -15483,7 +15868,7 @@
 </p:sld>
 </file>
 
-<file path=ppt/slides/slide4.xml><?xml version="1.0" encoding="utf-8"?>
+<file path=ppt/slides/slide5.xml><?xml version="1.0" encoding="utf-8"?>
 <p:sld xmlns:a="http://schemas.openxmlformats.org/drawingml/2006/main" xmlns:r="http://schemas.openxmlformats.org/officeDocument/2006/relationships" xmlns:p="http://schemas.openxmlformats.org/presentationml/2006/main">
   <p:cSld>
     <p:spTree>
@@ -15537,8 +15922,8 @@
           </a:p>
         </p:txBody>
       </p:sp>
-      <mc:AlternateContent xmlns:mc="http://schemas.openxmlformats.org/markup-compatibility/2006">
-        <mc:Choice xmlns:p14="http://schemas.microsoft.com/office/powerpoint/2010/main" Requires="p14">
+      <mc:AlternateContent xmlns:mc="http://schemas.openxmlformats.org/markup-compatibility/2006" xmlns:p14="http://schemas.microsoft.com/office/powerpoint/2010/main">
+        <mc:Choice Requires="p14">
           <p:contentPart p14:bwMode="auto" r:id="rId2">
             <p14:nvContentPartPr>
               <p14:cNvPr id="47" name="Ink 46">
@@ -15557,7 +15942,7 @@
             </p14:xfrm>
           </p:contentPart>
         </mc:Choice>
-        <mc:Fallback>
+        <mc:Fallback xmlns="">
           <p:pic>
             <p:nvPicPr>
               <p:cNvPr id="47" name="Ink 46">
@@ -15588,8 +15973,8 @@
           </p:pic>
         </mc:Fallback>
       </mc:AlternateContent>
-      <mc:AlternateContent xmlns:mc="http://schemas.openxmlformats.org/markup-compatibility/2006">
-        <mc:Choice xmlns:p14="http://schemas.microsoft.com/office/powerpoint/2010/main" Requires="p14">
+      <mc:AlternateContent xmlns:mc="http://schemas.openxmlformats.org/markup-compatibility/2006" xmlns:p14="http://schemas.microsoft.com/office/powerpoint/2010/main">
+        <mc:Choice Requires="p14">
           <p:contentPart p14:bwMode="auto" r:id="rId4">
             <p14:nvContentPartPr>
               <p14:cNvPr id="20" name="Ink 19">
@@ -15608,7 +15993,7 @@
             </p14:xfrm>
           </p:contentPart>
         </mc:Choice>
-        <mc:Fallback>
+        <mc:Fallback xmlns="">
           <p:pic>
             <p:nvPicPr>
               <p:cNvPr id="20" name="Ink 19">
@@ -15639,8 +16024,8 @@
           </p:pic>
         </mc:Fallback>
       </mc:AlternateContent>
-      <mc:AlternateContent xmlns:mc="http://schemas.openxmlformats.org/markup-compatibility/2006">
-        <mc:Choice xmlns:p14="http://schemas.microsoft.com/office/powerpoint/2010/main" Requires="p14">
+      <mc:AlternateContent xmlns:mc="http://schemas.openxmlformats.org/markup-compatibility/2006" xmlns:p14="http://schemas.microsoft.com/office/powerpoint/2010/main">
+        <mc:Choice Requires="p14">
           <p:contentPart p14:bwMode="auto" r:id="rId6">
             <p14:nvContentPartPr>
               <p14:cNvPr id="21" name="Ink 20">
@@ -15659,7 +16044,7 @@
             </p14:xfrm>
           </p:contentPart>
         </mc:Choice>
-        <mc:Fallback>
+        <mc:Fallback xmlns="">
           <p:pic>
             <p:nvPicPr>
               <p:cNvPr id="21" name="Ink 20">
@@ -15690,8 +16075,8 @@
           </p:pic>
         </mc:Fallback>
       </mc:AlternateContent>
-      <mc:AlternateContent xmlns:mc="http://schemas.openxmlformats.org/markup-compatibility/2006">
-        <mc:Choice xmlns:p14="http://schemas.microsoft.com/office/powerpoint/2010/main" Requires="p14">
+      <mc:AlternateContent xmlns:mc="http://schemas.openxmlformats.org/markup-compatibility/2006" xmlns:p14="http://schemas.microsoft.com/office/powerpoint/2010/main">
+        <mc:Choice Requires="p14">
           <p:contentPart p14:bwMode="auto" r:id="rId8">
             <p14:nvContentPartPr>
               <p14:cNvPr id="22" name="Ink 21">
@@ -15710,7 +16095,7 @@
             </p14:xfrm>
           </p:contentPart>
         </mc:Choice>
-        <mc:Fallback>
+        <mc:Fallback xmlns="">
           <p:pic>
             <p:nvPicPr>
               <p:cNvPr id="22" name="Ink 21">
@@ -15741,8 +16126,8 @@
           </p:pic>
         </mc:Fallback>
       </mc:AlternateContent>
-      <mc:AlternateContent xmlns:mc="http://schemas.openxmlformats.org/markup-compatibility/2006">
-        <mc:Choice xmlns:p14="http://schemas.microsoft.com/office/powerpoint/2010/main" Requires="p14">
+      <mc:AlternateContent xmlns:mc="http://schemas.openxmlformats.org/markup-compatibility/2006" xmlns:p14="http://schemas.microsoft.com/office/powerpoint/2010/main">
+        <mc:Choice Requires="p14">
           <p:contentPart p14:bwMode="auto" r:id="rId10">
             <p14:nvContentPartPr>
               <p14:cNvPr id="23" name="Ink 22">
@@ -15761,7 +16146,7 @@
             </p14:xfrm>
           </p:contentPart>
         </mc:Choice>
-        <mc:Fallback>
+        <mc:Fallback xmlns="">
           <p:pic>
             <p:nvPicPr>
               <p:cNvPr id="23" name="Ink 22">
@@ -15792,8 +16177,8 @@
           </p:pic>
         </mc:Fallback>
       </mc:AlternateContent>
-      <mc:AlternateContent xmlns:mc="http://schemas.openxmlformats.org/markup-compatibility/2006">
-        <mc:Choice xmlns:p14="http://schemas.microsoft.com/office/powerpoint/2010/main" Requires="p14">
+      <mc:AlternateContent xmlns:mc="http://schemas.openxmlformats.org/markup-compatibility/2006" xmlns:p14="http://schemas.microsoft.com/office/powerpoint/2010/main">
+        <mc:Choice Requires="p14">
           <p:contentPart p14:bwMode="auto" r:id="rId12">
             <p14:nvContentPartPr>
               <p14:cNvPr id="24" name="Ink 23">
@@ -15812,7 +16197,7 @@
             </p14:xfrm>
           </p:contentPart>
         </mc:Choice>
-        <mc:Fallback>
+        <mc:Fallback xmlns="">
           <p:pic>
             <p:nvPicPr>
               <p:cNvPr id="24" name="Ink 23">
@@ -15843,8 +16228,8 @@
           </p:pic>
         </mc:Fallback>
       </mc:AlternateContent>
-      <mc:AlternateContent xmlns:mc="http://schemas.openxmlformats.org/markup-compatibility/2006">
-        <mc:Choice xmlns:p14="http://schemas.microsoft.com/office/powerpoint/2010/main" Requires="p14">
+      <mc:AlternateContent xmlns:mc="http://schemas.openxmlformats.org/markup-compatibility/2006" xmlns:p14="http://schemas.microsoft.com/office/powerpoint/2010/main">
+        <mc:Choice Requires="p14">
           <p:contentPart p14:bwMode="auto" r:id="rId14">
             <p14:nvContentPartPr>
               <p14:cNvPr id="26" name="Ink 25">
@@ -15863,7 +16248,7 @@
             </p14:xfrm>
           </p:contentPart>
         </mc:Choice>
-        <mc:Fallback>
+        <mc:Fallback xmlns="">
           <p:pic>
             <p:nvPicPr>
               <p:cNvPr id="26" name="Ink 25">
@@ -15894,8 +16279,8 @@
           </p:pic>
         </mc:Fallback>
       </mc:AlternateContent>
-      <mc:AlternateContent xmlns:mc="http://schemas.openxmlformats.org/markup-compatibility/2006">
-        <mc:Choice xmlns:p14="http://schemas.microsoft.com/office/powerpoint/2010/main" Requires="p14">
+      <mc:AlternateContent xmlns:mc="http://schemas.openxmlformats.org/markup-compatibility/2006" xmlns:p14="http://schemas.microsoft.com/office/powerpoint/2010/main">
+        <mc:Choice Requires="p14">
           <p:contentPart p14:bwMode="auto" r:id="rId16">
             <p14:nvContentPartPr>
               <p14:cNvPr id="27" name="Ink 26">
@@ -15914,7 +16299,7 @@
             </p14:xfrm>
           </p:contentPart>
         </mc:Choice>
-        <mc:Fallback>
+        <mc:Fallback xmlns="">
           <p:pic>
             <p:nvPicPr>
               <p:cNvPr id="27" name="Ink 26">
@@ -15945,8 +16330,8 @@
           </p:pic>
         </mc:Fallback>
       </mc:AlternateContent>
-      <mc:AlternateContent xmlns:mc="http://schemas.openxmlformats.org/markup-compatibility/2006">
-        <mc:Choice xmlns:p14="http://schemas.microsoft.com/office/powerpoint/2010/main" Requires="p14">
+      <mc:AlternateContent xmlns:mc="http://schemas.openxmlformats.org/markup-compatibility/2006" xmlns:p14="http://schemas.microsoft.com/office/powerpoint/2010/main">
+        <mc:Choice Requires="p14">
           <p:contentPart p14:bwMode="auto" r:id="rId18">
             <p14:nvContentPartPr>
               <p14:cNvPr id="28" name="Ink 27">
@@ -15965,7 +16350,7 @@
             </p14:xfrm>
           </p:contentPart>
         </mc:Choice>
-        <mc:Fallback>
+        <mc:Fallback xmlns="">
           <p:pic>
             <p:nvPicPr>
               <p:cNvPr id="28" name="Ink 27">
@@ -15996,8 +16381,8 @@
           </p:pic>
         </mc:Fallback>
       </mc:AlternateContent>
-      <mc:AlternateContent xmlns:mc="http://schemas.openxmlformats.org/markup-compatibility/2006">
-        <mc:Choice xmlns:p14="http://schemas.microsoft.com/office/powerpoint/2010/main" Requires="p14">
+      <mc:AlternateContent xmlns:mc="http://schemas.openxmlformats.org/markup-compatibility/2006" xmlns:p14="http://schemas.microsoft.com/office/powerpoint/2010/main">
+        <mc:Choice Requires="p14">
           <p:contentPart p14:bwMode="auto" r:id="rId20">
             <p14:nvContentPartPr>
               <p14:cNvPr id="30" name="Ink 29">
@@ -16016,7 +16401,7 @@
             </p14:xfrm>
           </p:contentPart>
         </mc:Choice>
-        <mc:Fallback>
+        <mc:Fallback xmlns="">
           <p:pic>
             <p:nvPicPr>
               <p:cNvPr id="30" name="Ink 29">
@@ -16047,8 +16432,8 @@
           </p:pic>
         </mc:Fallback>
       </mc:AlternateContent>
-      <mc:AlternateContent xmlns:mc="http://schemas.openxmlformats.org/markup-compatibility/2006">
-        <mc:Choice xmlns:p14="http://schemas.microsoft.com/office/powerpoint/2010/main" Requires="p14">
+      <mc:AlternateContent xmlns:mc="http://schemas.openxmlformats.org/markup-compatibility/2006" xmlns:p14="http://schemas.microsoft.com/office/powerpoint/2010/main">
+        <mc:Choice Requires="p14">
           <p:contentPart p14:bwMode="auto" r:id="rId22">
             <p14:nvContentPartPr>
               <p14:cNvPr id="39" name="Ink 38">
@@ -16067,7 +16452,7 @@
             </p14:xfrm>
           </p:contentPart>
         </mc:Choice>
-        <mc:Fallback>
+        <mc:Fallback xmlns="">
           <p:pic>
             <p:nvPicPr>
               <p:cNvPr id="39" name="Ink 38">
@@ -16098,8 +16483,8 @@
           </p:pic>
         </mc:Fallback>
       </mc:AlternateContent>
-      <mc:AlternateContent xmlns:mc="http://schemas.openxmlformats.org/markup-compatibility/2006">
-        <mc:Choice xmlns:p14="http://schemas.microsoft.com/office/powerpoint/2010/main" Requires="p14">
+      <mc:AlternateContent xmlns:mc="http://schemas.openxmlformats.org/markup-compatibility/2006" xmlns:p14="http://schemas.microsoft.com/office/powerpoint/2010/main">
+        <mc:Choice Requires="p14">
           <p:contentPart p14:bwMode="auto" r:id="rId24">
             <p14:nvContentPartPr>
               <p14:cNvPr id="40" name="Ink 39">
@@ -16118,7 +16503,7 @@
             </p14:xfrm>
           </p:contentPart>
         </mc:Choice>
-        <mc:Fallback>
+        <mc:Fallback xmlns="">
           <p:pic>
             <p:nvPicPr>
               <p:cNvPr id="40" name="Ink 39">
@@ -16149,8 +16534,8 @@
           </p:pic>
         </mc:Fallback>
       </mc:AlternateContent>
-      <mc:AlternateContent xmlns:mc="http://schemas.openxmlformats.org/markup-compatibility/2006">
-        <mc:Choice xmlns:p14="http://schemas.microsoft.com/office/powerpoint/2010/main" Requires="p14">
+      <mc:AlternateContent xmlns:mc="http://schemas.openxmlformats.org/markup-compatibility/2006" xmlns:p14="http://schemas.microsoft.com/office/powerpoint/2010/main">
+        <mc:Choice Requires="p14">
           <p:contentPart p14:bwMode="auto" r:id="rId26">
             <p14:nvContentPartPr>
               <p14:cNvPr id="41" name="Ink 40">
@@ -16169,7 +16554,7 @@
             </p14:xfrm>
           </p:contentPart>
         </mc:Choice>
-        <mc:Fallback>
+        <mc:Fallback xmlns="">
           <p:pic>
             <p:nvPicPr>
               <p:cNvPr id="41" name="Ink 40">
@@ -16200,8 +16585,8 @@
           </p:pic>
         </mc:Fallback>
       </mc:AlternateContent>
-      <mc:AlternateContent xmlns:mc="http://schemas.openxmlformats.org/markup-compatibility/2006">
-        <mc:Choice xmlns:p14="http://schemas.microsoft.com/office/powerpoint/2010/main" Requires="p14">
+      <mc:AlternateContent xmlns:mc="http://schemas.openxmlformats.org/markup-compatibility/2006" xmlns:p14="http://schemas.microsoft.com/office/powerpoint/2010/main">
+        <mc:Choice Requires="p14">
           <p:contentPart p14:bwMode="auto" r:id="rId28">
             <p14:nvContentPartPr>
               <p14:cNvPr id="42" name="Ink 41">
@@ -16220,7 +16605,7 @@
             </p14:xfrm>
           </p:contentPart>
         </mc:Choice>
-        <mc:Fallback>
+        <mc:Fallback xmlns="">
           <p:pic>
             <p:nvPicPr>
               <p:cNvPr id="42" name="Ink 41">
@@ -16251,8 +16636,8 @@
           </p:pic>
         </mc:Fallback>
       </mc:AlternateContent>
-      <mc:AlternateContent xmlns:mc="http://schemas.openxmlformats.org/markup-compatibility/2006">
-        <mc:Choice xmlns:p14="http://schemas.microsoft.com/office/powerpoint/2010/main" Requires="p14">
+      <mc:AlternateContent xmlns:mc="http://schemas.openxmlformats.org/markup-compatibility/2006" xmlns:p14="http://schemas.microsoft.com/office/powerpoint/2010/main">
+        <mc:Choice Requires="p14">
           <p:contentPart p14:bwMode="auto" r:id="rId30">
             <p14:nvContentPartPr>
               <p14:cNvPr id="44" name="Ink 43">
@@ -16271,7 +16656,7 @@
             </p14:xfrm>
           </p:contentPart>
         </mc:Choice>
-        <mc:Fallback>
+        <mc:Fallback xmlns="">
           <p:pic>
             <p:nvPicPr>
               <p:cNvPr id="44" name="Ink 43">
@@ -16302,8 +16687,8 @@
           </p:pic>
         </mc:Fallback>
       </mc:AlternateContent>
-      <mc:AlternateContent xmlns:mc="http://schemas.openxmlformats.org/markup-compatibility/2006">
-        <mc:Choice xmlns:p14="http://schemas.microsoft.com/office/powerpoint/2010/main" Requires="p14">
+      <mc:AlternateContent xmlns:mc="http://schemas.openxmlformats.org/markup-compatibility/2006" xmlns:p14="http://schemas.microsoft.com/office/powerpoint/2010/main">
+        <mc:Choice Requires="p14">
           <p:contentPart p14:bwMode="auto" r:id="rId32">
             <p14:nvContentPartPr>
               <p14:cNvPr id="45" name="Ink 44">
@@ -16322,7 +16707,7 @@
             </p14:xfrm>
           </p:contentPart>
         </mc:Choice>
-        <mc:Fallback>
+        <mc:Fallback xmlns="">
           <p:pic>
             <p:nvPicPr>
               <p:cNvPr id="45" name="Ink 44">
@@ -16353,8 +16738,8 @@
           </p:pic>
         </mc:Fallback>
       </mc:AlternateContent>
-      <mc:AlternateContent xmlns:mc="http://schemas.openxmlformats.org/markup-compatibility/2006">
-        <mc:Choice xmlns:p14="http://schemas.microsoft.com/office/powerpoint/2010/main" Requires="p14">
+      <mc:AlternateContent xmlns:mc="http://schemas.openxmlformats.org/markup-compatibility/2006" xmlns:p14="http://schemas.microsoft.com/office/powerpoint/2010/main">
+        <mc:Choice Requires="p14">
           <p:contentPart p14:bwMode="auto" r:id="rId34">
             <p14:nvContentPartPr>
               <p14:cNvPr id="49" name="Ink 48">
@@ -16373,7 +16758,7 @@
             </p14:xfrm>
           </p:contentPart>
         </mc:Choice>
-        <mc:Fallback>
+        <mc:Fallback xmlns="">
           <p:pic>
             <p:nvPicPr>
               <p:cNvPr id="49" name="Ink 48">
@@ -16404,8 +16789,8 @@
           </p:pic>
         </mc:Fallback>
       </mc:AlternateContent>
-      <mc:AlternateContent xmlns:mc="http://schemas.openxmlformats.org/markup-compatibility/2006">
-        <mc:Choice xmlns:p14="http://schemas.microsoft.com/office/powerpoint/2010/main" Requires="p14">
+      <mc:AlternateContent xmlns:mc="http://schemas.openxmlformats.org/markup-compatibility/2006" xmlns:p14="http://schemas.microsoft.com/office/powerpoint/2010/main">
+        <mc:Choice Requires="p14">
           <p:contentPart p14:bwMode="auto" r:id="rId36">
             <p14:nvContentPartPr>
               <p14:cNvPr id="50" name="Ink 49">
@@ -16424,7 +16809,7 @@
             </p14:xfrm>
           </p:contentPart>
         </mc:Choice>
-        <mc:Fallback>
+        <mc:Fallback xmlns="">
           <p:pic>
             <p:nvPicPr>
               <p:cNvPr id="50" name="Ink 49">
@@ -16455,8 +16840,8 @@
           </p:pic>
         </mc:Fallback>
       </mc:AlternateContent>
-      <mc:AlternateContent xmlns:mc="http://schemas.openxmlformats.org/markup-compatibility/2006">
-        <mc:Choice xmlns:p14="http://schemas.microsoft.com/office/powerpoint/2010/main" Requires="p14">
+      <mc:AlternateContent xmlns:mc="http://schemas.openxmlformats.org/markup-compatibility/2006" xmlns:p14="http://schemas.microsoft.com/office/powerpoint/2010/main">
+        <mc:Choice Requires="p14">
           <p:contentPart p14:bwMode="auto" r:id="rId38">
             <p14:nvContentPartPr>
               <p14:cNvPr id="51" name="Ink 50">
@@ -16475,7 +16860,7 @@
             </p14:xfrm>
           </p:contentPart>
         </mc:Choice>
-        <mc:Fallback>
+        <mc:Fallback xmlns="">
           <p:pic>
             <p:nvPicPr>
               <p:cNvPr id="51" name="Ink 50">
@@ -16506,8 +16891,8 @@
           </p:pic>
         </mc:Fallback>
       </mc:AlternateContent>
-      <mc:AlternateContent xmlns:mc="http://schemas.openxmlformats.org/markup-compatibility/2006">
-        <mc:Choice xmlns:p14="http://schemas.microsoft.com/office/powerpoint/2010/main" Requires="p14">
+      <mc:AlternateContent xmlns:mc="http://schemas.openxmlformats.org/markup-compatibility/2006" xmlns:p14="http://schemas.microsoft.com/office/powerpoint/2010/main">
+        <mc:Choice Requires="p14">
           <p:contentPart p14:bwMode="auto" r:id="rId40">
             <p14:nvContentPartPr>
               <p14:cNvPr id="52" name="Ink 51">
@@ -16526,7 +16911,7 @@
             </p14:xfrm>
           </p:contentPart>
         </mc:Choice>
-        <mc:Fallback>
+        <mc:Fallback xmlns="">
           <p:pic>
             <p:nvPicPr>
               <p:cNvPr id="52" name="Ink 51">
@@ -16577,8 +16962,8 @@
             <a:chExt cx="6670800" cy="3779640"/>
           </a:xfrm>
         </p:grpSpPr>
-        <mc:AlternateContent xmlns:mc="http://schemas.openxmlformats.org/markup-compatibility/2006">
-          <mc:Choice xmlns:p14="http://schemas.microsoft.com/office/powerpoint/2010/main" Requires="p14">
+        <mc:AlternateContent xmlns:mc="http://schemas.openxmlformats.org/markup-compatibility/2006" xmlns:p14="http://schemas.microsoft.com/office/powerpoint/2010/main">
+          <mc:Choice Requires="p14">
             <p:contentPart p14:bwMode="auto" r:id="rId42">
               <p14:nvContentPartPr>
                 <p14:cNvPr id="5" name="Ink 4">
@@ -16597,7 +16982,7 @@
               </p14:xfrm>
             </p:contentPart>
           </mc:Choice>
-          <mc:Fallback>
+          <mc:Fallback xmlns="">
             <p:pic>
               <p:nvPicPr>
                 <p:cNvPr id="5" name="Ink 4">
@@ -16628,8 +17013,8 @@
             </p:pic>
           </mc:Fallback>
         </mc:AlternateContent>
-        <mc:AlternateContent xmlns:mc="http://schemas.openxmlformats.org/markup-compatibility/2006">
-          <mc:Choice xmlns:p14="http://schemas.microsoft.com/office/powerpoint/2010/main" Requires="p14">
+        <mc:AlternateContent xmlns:mc="http://schemas.openxmlformats.org/markup-compatibility/2006" xmlns:p14="http://schemas.microsoft.com/office/powerpoint/2010/main">
+          <mc:Choice Requires="p14">
             <p:contentPart p14:bwMode="auto" r:id="rId44">
               <p14:nvContentPartPr>
                 <p14:cNvPr id="6" name="Ink 5">
@@ -16648,7 +17033,7 @@
               </p14:xfrm>
             </p:contentPart>
           </mc:Choice>
-          <mc:Fallback>
+          <mc:Fallback xmlns="">
             <p:pic>
               <p:nvPicPr>
                 <p:cNvPr id="6" name="Ink 5">
@@ -16679,8 +17064,8 @@
             </p:pic>
           </mc:Fallback>
         </mc:AlternateContent>
-        <mc:AlternateContent xmlns:mc="http://schemas.openxmlformats.org/markup-compatibility/2006">
-          <mc:Choice xmlns:p14="http://schemas.microsoft.com/office/powerpoint/2010/main" Requires="p14">
+        <mc:AlternateContent xmlns:mc="http://schemas.openxmlformats.org/markup-compatibility/2006" xmlns:p14="http://schemas.microsoft.com/office/powerpoint/2010/main">
+          <mc:Choice Requires="p14">
             <p:contentPart p14:bwMode="auto" r:id="rId46">
               <p14:nvContentPartPr>
                 <p14:cNvPr id="7" name="Ink 6">
@@ -16699,7 +17084,7 @@
               </p14:xfrm>
             </p:contentPart>
           </mc:Choice>
-          <mc:Fallback>
+          <mc:Fallback xmlns="">
             <p:pic>
               <p:nvPicPr>
                 <p:cNvPr id="7" name="Ink 6">
@@ -16730,8 +17115,8 @@
             </p:pic>
           </mc:Fallback>
         </mc:AlternateContent>
-        <mc:AlternateContent xmlns:mc="http://schemas.openxmlformats.org/markup-compatibility/2006">
-          <mc:Choice xmlns:p14="http://schemas.microsoft.com/office/powerpoint/2010/main" Requires="p14">
+        <mc:AlternateContent xmlns:mc="http://schemas.openxmlformats.org/markup-compatibility/2006" xmlns:p14="http://schemas.microsoft.com/office/powerpoint/2010/main">
+          <mc:Choice Requires="p14">
             <p:contentPart p14:bwMode="auto" r:id="rId48">
               <p14:nvContentPartPr>
                 <p14:cNvPr id="8" name="Ink 7">
@@ -16750,7 +17135,7 @@
               </p14:xfrm>
             </p:contentPart>
           </mc:Choice>
-          <mc:Fallback>
+          <mc:Fallback xmlns="">
             <p:pic>
               <p:nvPicPr>
                 <p:cNvPr id="8" name="Ink 7">
@@ -16781,8 +17166,8 @@
             </p:pic>
           </mc:Fallback>
         </mc:AlternateContent>
-        <mc:AlternateContent xmlns:mc="http://schemas.openxmlformats.org/markup-compatibility/2006">
-          <mc:Choice xmlns:p14="http://schemas.microsoft.com/office/powerpoint/2010/main" Requires="p14">
+        <mc:AlternateContent xmlns:mc="http://schemas.openxmlformats.org/markup-compatibility/2006" xmlns:p14="http://schemas.microsoft.com/office/powerpoint/2010/main">
+          <mc:Choice Requires="p14">
             <p:contentPart p14:bwMode="auto" r:id="rId50">
               <p14:nvContentPartPr>
                 <p14:cNvPr id="10" name="Ink 9">
@@ -16801,7 +17186,7 @@
               </p14:xfrm>
             </p:contentPart>
           </mc:Choice>
-          <mc:Fallback>
+          <mc:Fallback xmlns="">
             <p:pic>
               <p:nvPicPr>
                 <p:cNvPr id="10" name="Ink 9">
@@ -16832,8 +17217,8 @@
             </p:pic>
           </mc:Fallback>
         </mc:AlternateContent>
-        <mc:AlternateContent xmlns:mc="http://schemas.openxmlformats.org/markup-compatibility/2006">
-          <mc:Choice xmlns:p14="http://schemas.microsoft.com/office/powerpoint/2010/main" Requires="p14">
+        <mc:AlternateContent xmlns:mc="http://schemas.openxmlformats.org/markup-compatibility/2006" xmlns:p14="http://schemas.microsoft.com/office/powerpoint/2010/main">
+          <mc:Choice Requires="p14">
             <p:contentPart p14:bwMode="auto" r:id="rId52">
               <p14:nvContentPartPr>
                 <p14:cNvPr id="11" name="Ink 10">
@@ -16852,7 +17237,7 @@
               </p14:xfrm>
             </p:contentPart>
           </mc:Choice>
-          <mc:Fallback>
+          <mc:Fallback xmlns="">
             <p:pic>
               <p:nvPicPr>
                 <p:cNvPr id="11" name="Ink 10">
@@ -16883,8 +17268,8 @@
             </p:pic>
           </mc:Fallback>
         </mc:AlternateContent>
-        <mc:AlternateContent xmlns:mc="http://schemas.openxmlformats.org/markup-compatibility/2006">
-          <mc:Choice xmlns:p14="http://schemas.microsoft.com/office/powerpoint/2010/main" Requires="p14">
+        <mc:AlternateContent xmlns:mc="http://schemas.openxmlformats.org/markup-compatibility/2006" xmlns:p14="http://schemas.microsoft.com/office/powerpoint/2010/main">
+          <mc:Choice Requires="p14">
             <p:contentPart p14:bwMode="auto" r:id="rId54">
               <p14:nvContentPartPr>
                 <p14:cNvPr id="12" name="Ink 11">
@@ -16903,7 +17288,7 @@
               </p14:xfrm>
             </p:contentPart>
           </mc:Choice>
-          <mc:Fallback>
+          <mc:Fallback xmlns="">
             <p:pic>
               <p:nvPicPr>
                 <p:cNvPr id="12" name="Ink 11">
@@ -16934,8 +17319,8 @@
             </p:pic>
           </mc:Fallback>
         </mc:AlternateContent>
-        <mc:AlternateContent xmlns:mc="http://schemas.openxmlformats.org/markup-compatibility/2006">
-          <mc:Choice xmlns:p14="http://schemas.microsoft.com/office/powerpoint/2010/main" Requires="p14">
+        <mc:AlternateContent xmlns:mc="http://schemas.openxmlformats.org/markup-compatibility/2006" xmlns:p14="http://schemas.microsoft.com/office/powerpoint/2010/main">
+          <mc:Choice Requires="p14">
             <p:contentPart p14:bwMode="auto" r:id="rId56">
               <p14:nvContentPartPr>
                 <p14:cNvPr id="14" name="Ink 13">
@@ -16954,7 +17339,7 @@
               </p14:xfrm>
             </p:contentPart>
           </mc:Choice>
-          <mc:Fallback>
+          <mc:Fallback xmlns="">
             <p:pic>
               <p:nvPicPr>
                 <p:cNvPr id="14" name="Ink 13">
@@ -16985,8 +17370,8 @@
             </p:pic>
           </mc:Fallback>
         </mc:AlternateContent>
-        <mc:AlternateContent xmlns:mc="http://schemas.openxmlformats.org/markup-compatibility/2006">
-          <mc:Choice xmlns:p14="http://schemas.microsoft.com/office/powerpoint/2010/main" Requires="p14">
+        <mc:AlternateContent xmlns:mc="http://schemas.openxmlformats.org/markup-compatibility/2006" xmlns:p14="http://schemas.microsoft.com/office/powerpoint/2010/main">
+          <mc:Choice Requires="p14">
             <p:contentPart p14:bwMode="auto" r:id="rId58">
               <p14:nvContentPartPr>
                 <p14:cNvPr id="15" name="Ink 14">
@@ -17005,7 +17390,7 @@
               </p14:xfrm>
             </p:contentPart>
           </mc:Choice>
-          <mc:Fallback>
+          <mc:Fallback xmlns="">
             <p:pic>
               <p:nvPicPr>
                 <p:cNvPr id="15" name="Ink 14">
@@ -17036,8 +17421,8 @@
             </p:pic>
           </mc:Fallback>
         </mc:AlternateContent>
-        <mc:AlternateContent xmlns:mc="http://schemas.openxmlformats.org/markup-compatibility/2006">
-          <mc:Choice xmlns:p14="http://schemas.microsoft.com/office/powerpoint/2010/main" Requires="p14">
+        <mc:AlternateContent xmlns:mc="http://schemas.openxmlformats.org/markup-compatibility/2006" xmlns:p14="http://schemas.microsoft.com/office/powerpoint/2010/main">
+          <mc:Choice Requires="p14">
             <p:contentPart p14:bwMode="auto" r:id="rId60">
               <p14:nvContentPartPr>
                 <p14:cNvPr id="17" name="Ink 16">
@@ -17056,7 +17441,7 @@
               </p14:xfrm>
             </p:contentPart>
           </mc:Choice>
-          <mc:Fallback>
+          <mc:Fallback xmlns="">
             <p:pic>
               <p:nvPicPr>
                 <p:cNvPr id="17" name="Ink 16">
@@ -17087,8 +17472,8 @@
             </p:pic>
           </mc:Fallback>
         </mc:AlternateContent>
-        <mc:AlternateContent xmlns:mc="http://schemas.openxmlformats.org/markup-compatibility/2006">
-          <mc:Choice xmlns:p14="http://schemas.microsoft.com/office/powerpoint/2010/main" Requires="p14">
+        <mc:AlternateContent xmlns:mc="http://schemas.openxmlformats.org/markup-compatibility/2006" xmlns:p14="http://schemas.microsoft.com/office/powerpoint/2010/main">
+          <mc:Choice Requires="p14">
             <p:contentPart p14:bwMode="auto" r:id="rId62">
               <p14:nvContentPartPr>
                 <p14:cNvPr id="18" name="Ink 17">
@@ -17107,7 +17492,7 @@
               </p14:xfrm>
             </p:contentPart>
           </mc:Choice>
-          <mc:Fallback>
+          <mc:Fallback xmlns="">
             <p:pic>
               <p:nvPicPr>
                 <p:cNvPr id="18" name="Ink 17">
@@ -17138,8 +17523,8 @@
             </p:pic>
           </mc:Fallback>
         </mc:AlternateContent>
-        <mc:AlternateContent xmlns:mc="http://schemas.openxmlformats.org/markup-compatibility/2006">
-          <mc:Choice xmlns:p14="http://schemas.microsoft.com/office/powerpoint/2010/main" Requires="p14">
+        <mc:AlternateContent xmlns:mc="http://schemas.openxmlformats.org/markup-compatibility/2006" xmlns:p14="http://schemas.microsoft.com/office/powerpoint/2010/main">
+          <mc:Choice Requires="p14">
             <p:contentPart p14:bwMode="auto" r:id="rId64">
               <p14:nvContentPartPr>
                 <p14:cNvPr id="32" name="Ink 31">
@@ -17158,7 +17543,7 @@
               </p14:xfrm>
             </p:contentPart>
           </mc:Choice>
-          <mc:Fallback>
+          <mc:Fallback xmlns="">
             <p:pic>
               <p:nvPicPr>
                 <p:cNvPr id="32" name="Ink 31">
@@ -17189,8 +17574,8 @@
             </p:pic>
           </mc:Fallback>
         </mc:AlternateContent>
-        <mc:AlternateContent xmlns:mc="http://schemas.openxmlformats.org/markup-compatibility/2006">
-          <mc:Choice xmlns:p14="http://schemas.microsoft.com/office/powerpoint/2010/main" Requires="p14">
+        <mc:AlternateContent xmlns:mc="http://schemas.openxmlformats.org/markup-compatibility/2006" xmlns:p14="http://schemas.microsoft.com/office/powerpoint/2010/main">
+          <mc:Choice Requires="p14">
             <p:contentPart p14:bwMode="auto" r:id="rId66">
               <p14:nvContentPartPr>
                 <p14:cNvPr id="33" name="Ink 32">
@@ -17209,7 +17594,7 @@
               </p14:xfrm>
             </p:contentPart>
           </mc:Choice>
-          <mc:Fallback>
+          <mc:Fallback xmlns="">
             <p:pic>
               <p:nvPicPr>
                 <p:cNvPr id="33" name="Ink 32">
@@ -17240,8 +17625,8 @@
             </p:pic>
           </mc:Fallback>
         </mc:AlternateContent>
-        <mc:AlternateContent xmlns:mc="http://schemas.openxmlformats.org/markup-compatibility/2006">
-          <mc:Choice xmlns:p14="http://schemas.microsoft.com/office/powerpoint/2010/main" Requires="p14">
+        <mc:AlternateContent xmlns:mc="http://schemas.openxmlformats.org/markup-compatibility/2006" xmlns:p14="http://schemas.microsoft.com/office/powerpoint/2010/main">
+          <mc:Choice Requires="p14">
             <p:contentPart p14:bwMode="auto" r:id="rId68">
               <p14:nvContentPartPr>
                 <p14:cNvPr id="34" name="Ink 33">
@@ -17260,7 +17645,7 @@
               </p14:xfrm>
             </p:contentPart>
           </mc:Choice>
-          <mc:Fallback>
+          <mc:Fallback xmlns="">
             <p:pic>
               <p:nvPicPr>
                 <p:cNvPr id="34" name="Ink 33">
@@ -17291,8 +17676,8 @@
             </p:pic>
           </mc:Fallback>
         </mc:AlternateContent>
-        <mc:AlternateContent xmlns:mc="http://schemas.openxmlformats.org/markup-compatibility/2006">
-          <mc:Choice xmlns:p14="http://schemas.microsoft.com/office/powerpoint/2010/main" Requires="p14">
+        <mc:AlternateContent xmlns:mc="http://schemas.openxmlformats.org/markup-compatibility/2006" xmlns:p14="http://schemas.microsoft.com/office/powerpoint/2010/main">
+          <mc:Choice Requires="p14">
             <p:contentPart p14:bwMode="auto" r:id="rId70">
               <p14:nvContentPartPr>
                 <p14:cNvPr id="35" name="Ink 34">
@@ -17311,7 +17696,7 @@
               </p14:xfrm>
             </p:contentPart>
           </mc:Choice>
-          <mc:Fallback>
+          <mc:Fallback xmlns="">
             <p:pic>
               <p:nvPicPr>
                 <p:cNvPr id="35" name="Ink 34">
@@ -17342,8 +17727,8 @@
             </p:pic>
           </mc:Fallback>
         </mc:AlternateContent>
-        <mc:AlternateContent xmlns:mc="http://schemas.openxmlformats.org/markup-compatibility/2006">
-          <mc:Choice xmlns:p14="http://schemas.microsoft.com/office/powerpoint/2010/main" Requires="p14">
+        <mc:AlternateContent xmlns:mc="http://schemas.openxmlformats.org/markup-compatibility/2006" xmlns:p14="http://schemas.microsoft.com/office/powerpoint/2010/main">
+          <mc:Choice Requires="p14">
             <p:contentPart p14:bwMode="auto" r:id="rId72">
               <p14:nvContentPartPr>
                 <p14:cNvPr id="36" name="Ink 35">
@@ -17362,7 +17747,7 @@
               </p14:xfrm>
             </p:contentPart>
           </mc:Choice>
-          <mc:Fallback>
+          <mc:Fallback xmlns="">
             <p:pic>
               <p:nvPicPr>
                 <p:cNvPr id="36" name="Ink 35">
@@ -17393,8 +17778,8 @@
             </p:pic>
           </mc:Fallback>
         </mc:AlternateContent>
-        <mc:AlternateContent xmlns:mc="http://schemas.openxmlformats.org/markup-compatibility/2006">
-          <mc:Choice xmlns:p14="http://schemas.microsoft.com/office/powerpoint/2010/main" Requires="p14">
+        <mc:AlternateContent xmlns:mc="http://schemas.openxmlformats.org/markup-compatibility/2006" xmlns:p14="http://schemas.microsoft.com/office/powerpoint/2010/main">
+          <mc:Choice Requires="p14">
             <p:contentPart p14:bwMode="auto" r:id="rId74">
               <p14:nvContentPartPr>
                 <p14:cNvPr id="37" name="Ink 36">
@@ -17413,7 +17798,7 @@
               </p14:xfrm>
             </p:contentPart>
           </mc:Choice>
-          <mc:Fallback>
+          <mc:Fallback xmlns="">
             <p:pic>
               <p:nvPicPr>
                 <p:cNvPr id="37" name="Ink 36">
@@ -17444,8 +17829,8 @@
             </p:pic>
           </mc:Fallback>
         </mc:AlternateContent>
-        <mc:AlternateContent xmlns:mc="http://schemas.openxmlformats.org/markup-compatibility/2006">
-          <mc:Choice xmlns:p14="http://schemas.microsoft.com/office/powerpoint/2010/main" Requires="p14">
+        <mc:AlternateContent xmlns:mc="http://schemas.openxmlformats.org/markup-compatibility/2006" xmlns:p14="http://schemas.microsoft.com/office/powerpoint/2010/main">
+          <mc:Choice Requires="p14">
             <p:contentPart p14:bwMode="auto" r:id="rId76">
               <p14:nvContentPartPr>
                 <p14:cNvPr id="54" name="Ink 53">
@@ -17464,7 +17849,7 @@
               </p14:xfrm>
             </p:contentPart>
           </mc:Choice>
-          <mc:Fallback>
+          <mc:Fallback xmlns="">
             <p:pic>
               <p:nvPicPr>
                 <p:cNvPr id="54" name="Ink 53">
@@ -17495,8 +17880,8 @@
             </p:pic>
           </mc:Fallback>
         </mc:AlternateContent>
-        <mc:AlternateContent xmlns:mc="http://schemas.openxmlformats.org/markup-compatibility/2006">
-          <mc:Choice xmlns:p14="http://schemas.microsoft.com/office/powerpoint/2010/main" Requires="p14">
+        <mc:AlternateContent xmlns:mc="http://schemas.openxmlformats.org/markup-compatibility/2006" xmlns:p14="http://schemas.microsoft.com/office/powerpoint/2010/main">
+          <mc:Choice Requires="p14">
             <p:contentPart p14:bwMode="auto" r:id="rId78">
               <p14:nvContentPartPr>
                 <p14:cNvPr id="55" name="Ink 54">
@@ -17515,7 +17900,7 @@
               </p14:xfrm>
             </p:contentPart>
           </mc:Choice>
-          <mc:Fallback>
+          <mc:Fallback xmlns="">
             <p:pic>
               <p:nvPicPr>
                 <p:cNvPr id="55" name="Ink 54">
@@ -17546,8 +17931,8 @@
             </p:pic>
           </mc:Fallback>
         </mc:AlternateContent>
-        <mc:AlternateContent xmlns:mc="http://schemas.openxmlformats.org/markup-compatibility/2006">
-          <mc:Choice xmlns:p14="http://schemas.microsoft.com/office/powerpoint/2010/main" Requires="p14">
+        <mc:AlternateContent xmlns:mc="http://schemas.openxmlformats.org/markup-compatibility/2006" xmlns:p14="http://schemas.microsoft.com/office/powerpoint/2010/main">
+          <mc:Choice Requires="p14">
             <p:contentPart p14:bwMode="auto" r:id="rId80">
               <p14:nvContentPartPr>
                 <p14:cNvPr id="56" name="Ink 55">
@@ -17566,7 +17951,7 @@
               </p14:xfrm>
             </p:contentPart>
           </mc:Choice>
-          <mc:Fallback>
+          <mc:Fallback xmlns="">
             <p:pic>
               <p:nvPicPr>
                 <p:cNvPr id="56" name="Ink 55">
@@ -17597,8 +17982,8 @@
             </p:pic>
           </mc:Fallback>
         </mc:AlternateContent>
-        <mc:AlternateContent xmlns:mc="http://schemas.openxmlformats.org/markup-compatibility/2006">
-          <mc:Choice xmlns:p14="http://schemas.microsoft.com/office/powerpoint/2010/main" Requires="p14">
+        <mc:AlternateContent xmlns:mc="http://schemas.openxmlformats.org/markup-compatibility/2006" xmlns:p14="http://schemas.microsoft.com/office/powerpoint/2010/main">
+          <mc:Choice Requires="p14">
             <p:contentPart p14:bwMode="auto" r:id="rId82">
               <p14:nvContentPartPr>
                 <p14:cNvPr id="57" name="Ink 56">
@@ -17617,7 +18002,7 @@
               </p14:xfrm>
             </p:contentPart>
           </mc:Choice>
-          <mc:Fallback>
+          <mc:Fallback xmlns="">
             <p:pic>
               <p:nvPicPr>
                 <p:cNvPr id="57" name="Ink 56">
@@ -17648,8 +18033,8 @@
             </p:pic>
           </mc:Fallback>
         </mc:AlternateContent>
-        <mc:AlternateContent xmlns:mc="http://schemas.openxmlformats.org/markup-compatibility/2006">
-          <mc:Choice xmlns:p14="http://schemas.microsoft.com/office/powerpoint/2010/main" Requires="p14">
+        <mc:AlternateContent xmlns:mc="http://schemas.openxmlformats.org/markup-compatibility/2006" xmlns:p14="http://schemas.microsoft.com/office/powerpoint/2010/main">
+          <mc:Choice Requires="p14">
             <p:contentPart p14:bwMode="auto" r:id="rId84">
               <p14:nvContentPartPr>
                 <p14:cNvPr id="59" name="Ink 58">
@@ -17668,7 +18053,7 @@
               </p14:xfrm>
             </p:contentPart>
           </mc:Choice>
-          <mc:Fallback>
+          <mc:Fallback xmlns="">
             <p:pic>
               <p:nvPicPr>
                 <p:cNvPr id="59" name="Ink 58">
@@ -17699,8 +18084,8 @@
             </p:pic>
           </mc:Fallback>
         </mc:AlternateContent>
-        <mc:AlternateContent xmlns:mc="http://schemas.openxmlformats.org/markup-compatibility/2006">
-          <mc:Choice xmlns:p14="http://schemas.microsoft.com/office/powerpoint/2010/main" Requires="p14">
+        <mc:AlternateContent xmlns:mc="http://schemas.openxmlformats.org/markup-compatibility/2006" xmlns:p14="http://schemas.microsoft.com/office/powerpoint/2010/main">
+          <mc:Choice Requires="p14">
             <p:contentPart p14:bwMode="auto" r:id="rId86">
               <p14:nvContentPartPr>
                 <p14:cNvPr id="60" name="Ink 59">
@@ -17719,7 +18104,7 @@
               </p14:xfrm>
             </p:contentPart>
           </mc:Choice>
-          <mc:Fallback>
+          <mc:Fallback xmlns="">
             <p:pic>
               <p:nvPicPr>
                 <p:cNvPr id="60" name="Ink 59">
@@ -17750,8 +18135,8 @@
             </p:pic>
           </mc:Fallback>
         </mc:AlternateContent>
-        <mc:AlternateContent xmlns:mc="http://schemas.openxmlformats.org/markup-compatibility/2006">
-          <mc:Choice xmlns:p14="http://schemas.microsoft.com/office/powerpoint/2010/main" Requires="p14">
+        <mc:AlternateContent xmlns:mc="http://schemas.openxmlformats.org/markup-compatibility/2006" xmlns:p14="http://schemas.microsoft.com/office/powerpoint/2010/main">
+          <mc:Choice Requires="p14">
             <p:contentPart p14:bwMode="auto" r:id="rId88">
               <p14:nvContentPartPr>
                 <p14:cNvPr id="61" name="Ink 60">
@@ -17770,7 +18155,7 @@
               </p14:xfrm>
             </p:contentPart>
           </mc:Choice>
-          <mc:Fallback>
+          <mc:Fallback xmlns="">
             <p:pic>
               <p:nvPicPr>
                 <p:cNvPr id="61" name="Ink 60">
@@ -17801,8 +18186,8 @@
             </p:pic>
           </mc:Fallback>
         </mc:AlternateContent>
-        <mc:AlternateContent xmlns:mc="http://schemas.openxmlformats.org/markup-compatibility/2006">
-          <mc:Choice xmlns:p14="http://schemas.microsoft.com/office/powerpoint/2010/main" Requires="p14">
+        <mc:AlternateContent xmlns:mc="http://schemas.openxmlformats.org/markup-compatibility/2006" xmlns:p14="http://schemas.microsoft.com/office/powerpoint/2010/main">
+          <mc:Choice Requires="p14">
             <p:contentPart p14:bwMode="auto" r:id="rId90">
               <p14:nvContentPartPr>
                 <p14:cNvPr id="62" name="Ink 61">
@@ -17821,7 +18206,7 @@
               </p14:xfrm>
             </p:contentPart>
           </mc:Choice>
-          <mc:Fallback>
+          <mc:Fallback xmlns="">
             <p:pic>
               <p:nvPicPr>
                 <p:cNvPr id="62" name="Ink 61">
@@ -17852,8 +18237,8 @@
             </p:pic>
           </mc:Fallback>
         </mc:AlternateContent>
-        <mc:AlternateContent xmlns:mc="http://schemas.openxmlformats.org/markup-compatibility/2006">
-          <mc:Choice xmlns:p14="http://schemas.microsoft.com/office/powerpoint/2010/main" Requires="p14">
+        <mc:AlternateContent xmlns:mc="http://schemas.openxmlformats.org/markup-compatibility/2006" xmlns:p14="http://schemas.microsoft.com/office/powerpoint/2010/main">
+          <mc:Choice Requires="p14">
             <p:contentPart p14:bwMode="auto" r:id="rId92">
               <p14:nvContentPartPr>
                 <p14:cNvPr id="63" name="Ink 62">
@@ -17872,7 +18257,7 @@
               </p14:xfrm>
             </p:contentPart>
           </mc:Choice>
-          <mc:Fallback>
+          <mc:Fallback xmlns="">
             <p:pic>
               <p:nvPicPr>
                 <p:cNvPr id="63" name="Ink 62">
@@ -17903,8 +18288,8 @@
             </p:pic>
           </mc:Fallback>
         </mc:AlternateContent>
-        <mc:AlternateContent xmlns:mc="http://schemas.openxmlformats.org/markup-compatibility/2006">
-          <mc:Choice xmlns:p14="http://schemas.microsoft.com/office/powerpoint/2010/main" Requires="p14">
+        <mc:AlternateContent xmlns:mc="http://schemas.openxmlformats.org/markup-compatibility/2006" xmlns:p14="http://schemas.microsoft.com/office/powerpoint/2010/main">
+          <mc:Choice Requires="p14">
             <p:contentPart p14:bwMode="auto" r:id="rId94">
               <p14:nvContentPartPr>
                 <p14:cNvPr id="64" name="Ink 63">
@@ -17923,7 +18308,7 @@
               </p14:xfrm>
             </p:contentPart>
           </mc:Choice>
-          <mc:Fallback>
+          <mc:Fallback xmlns="">
             <p:pic>
               <p:nvPicPr>
                 <p:cNvPr id="64" name="Ink 63">
@@ -17954,8 +18339,8 @@
             </p:pic>
           </mc:Fallback>
         </mc:AlternateContent>
-        <mc:AlternateContent xmlns:mc="http://schemas.openxmlformats.org/markup-compatibility/2006">
-          <mc:Choice xmlns:p14="http://schemas.microsoft.com/office/powerpoint/2010/main" Requires="p14">
+        <mc:AlternateContent xmlns:mc="http://schemas.openxmlformats.org/markup-compatibility/2006" xmlns:p14="http://schemas.microsoft.com/office/powerpoint/2010/main">
+          <mc:Choice Requires="p14">
             <p:contentPart p14:bwMode="auto" r:id="rId96">
               <p14:nvContentPartPr>
                 <p14:cNvPr id="65" name="Ink 64">
@@ -17974,7 +18359,7 @@
               </p14:xfrm>
             </p:contentPart>
           </mc:Choice>
-          <mc:Fallback>
+          <mc:Fallback xmlns="">
             <p:pic>
               <p:nvPicPr>
                 <p:cNvPr id="65" name="Ink 64">
@@ -18005,8 +18390,8 @@
             </p:pic>
           </mc:Fallback>
         </mc:AlternateContent>
-        <mc:AlternateContent xmlns:mc="http://schemas.openxmlformats.org/markup-compatibility/2006">
-          <mc:Choice xmlns:p14="http://schemas.microsoft.com/office/powerpoint/2010/main" Requires="p14">
+        <mc:AlternateContent xmlns:mc="http://schemas.openxmlformats.org/markup-compatibility/2006" xmlns:p14="http://schemas.microsoft.com/office/powerpoint/2010/main">
+          <mc:Choice Requires="p14">
             <p:contentPart p14:bwMode="auto" r:id="rId98">
               <p14:nvContentPartPr>
                 <p14:cNvPr id="67" name="Ink 66">
@@ -18025,7 +18410,7 @@
               </p14:xfrm>
             </p:contentPart>
           </mc:Choice>
-          <mc:Fallback>
+          <mc:Fallback xmlns="">
             <p:pic>
               <p:nvPicPr>
                 <p:cNvPr id="67" name="Ink 66">
@@ -18056,8 +18441,8 @@
             </p:pic>
           </mc:Fallback>
         </mc:AlternateContent>
-        <mc:AlternateContent xmlns:mc="http://schemas.openxmlformats.org/markup-compatibility/2006">
-          <mc:Choice xmlns:p14="http://schemas.microsoft.com/office/powerpoint/2010/main" Requires="p14">
+        <mc:AlternateContent xmlns:mc="http://schemas.openxmlformats.org/markup-compatibility/2006" xmlns:p14="http://schemas.microsoft.com/office/powerpoint/2010/main">
+          <mc:Choice Requires="p14">
             <p:contentPart p14:bwMode="auto" r:id="rId100">
               <p14:nvContentPartPr>
                 <p14:cNvPr id="68" name="Ink 67">
@@ -18076,7 +18461,7 @@
               </p14:xfrm>
             </p:contentPart>
           </mc:Choice>
-          <mc:Fallback>
+          <mc:Fallback xmlns="">
             <p:pic>
               <p:nvPicPr>
                 <p:cNvPr id="68" name="Ink 67">
@@ -18107,8 +18492,8 @@
             </p:pic>
           </mc:Fallback>
         </mc:AlternateContent>
-        <mc:AlternateContent xmlns:mc="http://schemas.openxmlformats.org/markup-compatibility/2006">
-          <mc:Choice xmlns:p14="http://schemas.microsoft.com/office/powerpoint/2010/main" Requires="p14">
+        <mc:AlternateContent xmlns:mc="http://schemas.openxmlformats.org/markup-compatibility/2006" xmlns:p14="http://schemas.microsoft.com/office/powerpoint/2010/main">
+          <mc:Choice Requires="p14">
             <p:contentPart p14:bwMode="auto" r:id="rId102">
               <p14:nvContentPartPr>
                 <p14:cNvPr id="69" name="Ink 68">
@@ -18127,7 +18512,7 @@
               </p14:xfrm>
             </p:contentPart>
           </mc:Choice>
-          <mc:Fallback>
+          <mc:Fallback xmlns="">
             <p:pic>
               <p:nvPicPr>
                 <p:cNvPr id="69" name="Ink 68">
@@ -18158,8 +18543,8 @@
             </p:pic>
           </mc:Fallback>
         </mc:AlternateContent>
-        <mc:AlternateContent xmlns:mc="http://schemas.openxmlformats.org/markup-compatibility/2006">
-          <mc:Choice xmlns:p14="http://schemas.microsoft.com/office/powerpoint/2010/main" Requires="p14">
+        <mc:AlternateContent xmlns:mc="http://schemas.openxmlformats.org/markup-compatibility/2006" xmlns:p14="http://schemas.microsoft.com/office/powerpoint/2010/main">
+          <mc:Choice Requires="p14">
             <p:contentPart p14:bwMode="auto" r:id="rId103">
               <p14:nvContentPartPr>
                 <p14:cNvPr id="70" name="Ink 69">
@@ -18178,7 +18563,7 @@
               </p14:xfrm>
             </p:contentPart>
           </mc:Choice>
-          <mc:Fallback>
+          <mc:Fallback xmlns="">
             <p:pic>
               <p:nvPicPr>
                 <p:cNvPr id="70" name="Ink 69">
@@ -18209,8 +18594,8 @@
             </p:pic>
           </mc:Fallback>
         </mc:AlternateContent>
-        <mc:AlternateContent xmlns:mc="http://schemas.openxmlformats.org/markup-compatibility/2006">
-          <mc:Choice xmlns:p14="http://schemas.microsoft.com/office/powerpoint/2010/main" Requires="p14">
+        <mc:AlternateContent xmlns:mc="http://schemas.openxmlformats.org/markup-compatibility/2006" xmlns:p14="http://schemas.microsoft.com/office/powerpoint/2010/main">
+          <mc:Choice Requires="p14">
             <p:contentPart p14:bwMode="auto" r:id="rId105">
               <p14:nvContentPartPr>
                 <p14:cNvPr id="71" name="Ink 70">
@@ -18229,7 +18614,7 @@
               </p14:xfrm>
             </p:contentPart>
           </mc:Choice>
-          <mc:Fallback>
+          <mc:Fallback xmlns="">
             <p:pic>
               <p:nvPicPr>
                 <p:cNvPr id="71" name="Ink 70">
@@ -18260,8 +18645,8 @@
             </p:pic>
           </mc:Fallback>
         </mc:AlternateContent>
-        <mc:AlternateContent xmlns:mc="http://schemas.openxmlformats.org/markup-compatibility/2006">
-          <mc:Choice xmlns:p14="http://schemas.microsoft.com/office/powerpoint/2010/main" Requires="p14">
+        <mc:AlternateContent xmlns:mc="http://schemas.openxmlformats.org/markup-compatibility/2006" xmlns:p14="http://schemas.microsoft.com/office/powerpoint/2010/main">
+          <mc:Choice Requires="p14">
             <p:contentPart p14:bwMode="auto" r:id="rId107">
               <p14:nvContentPartPr>
                 <p14:cNvPr id="72" name="Ink 71">
@@ -18280,7 +18665,7 @@
               </p14:xfrm>
             </p:contentPart>
           </mc:Choice>
-          <mc:Fallback>
+          <mc:Fallback xmlns="">
             <p:pic>
               <p:nvPicPr>
                 <p:cNvPr id="72" name="Ink 71">
@@ -18311,8 +18696,8 @@
             </p:pic>
           </mc:Fallback>
         </mc:AlternateContent>
-        <mc:AlternateContent xmlns:mc="http://schemas.openxmlformats.org/markup-compatibility/2006">
-          <mc:Choice xmlns:p14="http://schemas.microsoft.com/office/powerpoint/2010/main" Requires="p14">
+        <mc:AlternateContent xmlns:mc="http://schemas.openxmlformats.org/markup-compatibility/2006" xmlns:p14="http://schemas.microsoft.com/office/powerpoint/2010/main">
+          <mc:Choice Requires="p14">
             <p:contentPart p14:bwMode="auto" r:id="rId109">
               <p14:nvContentPartPr>
                 <p14:cNvPr id="74" name="Ink 73">
@@ -18331,7 +18716,7 @@
               </p14:xfrm>
             </p:contentPart>
           </mc:Choice>
-          <mc:Fallback>
+          <mc:Fallback xmlns="">
             <p:pic>
               <p:nvPicPr>
                 <p:cNvPr id="74" name="Ink 73">
@@ -18362,8 +18747,8 @@
             </p:pic>
           </mc:Fallback>
         </mc:AlternateContent>
-        <mc:AlternateContent xmlns:mc="http://schemas.openxmlformats.org/markup-compatibility/2006">
-          <mc:Choice xmlns:p14="http://schemas.microsoft.com/office/powerpoint/2010/main" Requires="p14">
+        <mc:AlternateContent xmlns:mc="http://schemas.openxmlformats.org/markup-compatibility/2006" xmlns:p14="http://schemas.microsoft.com/office/powerpoint/2010/main">
+          <mc:Choice Requires="p14">
             <p:contentPart p14:bwMode="auto" r:id="rId111">
               <p14:nvContentPartPr>
                 <p14:cNvPr id="75" name="Ink 74">
@@ -18382,7 +18767,7 @@
               </p14:xfrm>
             </p:contentPart>
           </mc:Choice>
-          <mc:Fallback>
+          <mc:Fallback xmlns="">
             <p:pic>
               <p:nvPicPr>
                 <p:cNvPr id="75" name="Ink 74">
@@ -18413,8 +18798,8 @@
             </p:pic>
           </mc:Fallback>
         </mc:AlternateContent>
-        <mc:AlternateContent xmlns:mc="http://schemas.openxmlformats.org/markup-compatibility/2006">
-          <mc:Choice xmlns:p14="http://schemas.microsoft.com/office/powerpoint/2010/main" Requires="p14">
+        <mc:AlternateContent xmlns:mc="http://schemas.openxmlformats.org/markup-compatibility/2006" xmlns:p14="http://schemas.microsoft.com/office/powerpoint/2010/main">
+          <mc:Choice Requires="p14">
             <p:contentPart p14:bwMode="auto" r:id="rId113">
               <p14:nvContentPartPr>
                 <p14:cNvPr id="76" name="Ink 75">
@@ -18433,7 +18818,7 @@
               </p14:xfrm>
             </p:contentPart>
           </mc:Choice>
-          <mc:Fallback>
+          <mc:Fallback xmlns="">
             <p:pic>
               <p:nvPicPr>
                 <p:cNvPr id="76" name="Ink 75">
@@ -18464,8 +18849,8 @@
             </p:pic>
           </mc:Fallback>
         </mc:AlternateContent>
-        <mc:AlternateContent xmlns:mc="http://schemas.openxmlformats.org/markup-compatibility/2006">
-          <mc:Choice xmlns:p14="http://schemas.microsoft.com/office/powerpoint/2010/main" Requires="p14">
+        <mc:AlternateContent xmlns:mc="http://schemas.openxmlformats.org/markup-compatibility/2006" xmlns:p14="http://schemas.microsoft.com/office/powerpoint/2010/main">
+          <mc:Choice Requires="p14">
             <p:contentPart p14:bwMode="auto" r:id="rId115">
               <p14:nvContentPartPr>
                 <p14:cNvPr id="77" name="Ink 76">
@@ -18484,7 +18869,7 @@
               </p14:xfrm>
             </p:contentPart>
           </mc:Choice>
-          <mc:Fallback>
+          <mc:Fallback xmlns="">
             <p:pic>
               <p:nvPicPr>
                 <p:cNvPr id="77" name="Ink 76">
@@ -18515,8 +18900,8 @@
             </p:pic>
           </mc:Fallback>
         </mc:AlternateContent>
-        <mc:AlternateContent xmlns:mc="http://schemas.openxmlformats.org/markup-compatibility/2006">
-          <mc:Choice xmlns:p14="http://schemas.microsoft.com/office/powerpoint/2010/main" Requires="p14">
+        <mc:AlternateContent xmlns:mc="http://schemas.openxmlformats.org/markup-compatibility/2006" xmlns:p14="http://schemas.microsoft.com/office/powerpoint/2010/main">
+          <mc:Choice Requires="p14">
             <p:contentPart p14:bwMode="auto" r:id="rId117">
               <p14:nvContentPartPr>
                 <p14:cNvPr id="79" name="Ink 78">
@@ -18535,7 +18920,7 @@
               </p14:xfrm>
             </p:contentPart>
           </mc:Choice>
-          <mc:Fallback>
+          <mc:Fallback xmlns="">
             <p:pic>
               <p:nvPicPr>
                 <p:cNvPr id="79" name="Ink 78">
@@ -18566,8 +18951,8 @@
             </p:pic>
           </mc:Fallback>
         </mc:AlternateContent>
-        <mc:AlternateContent xmlns:mc="http://schemas.openxmlformats.org/markup-compatibility/2006">
-          <mc:Choice xmlns:p14="http://schemas.microsoft.com/office/powerpoint/2010/main" Requires="p14">
+        <mc:AlternateContent xmlns:mc="http://schemas.openxmlformats.org/markup-compatibility/2006" xmlns:p14="http://schemas.microsoft.com/office/powerpoint/2010/main">
+          <mc:Choice Requires="p14">
             <p:contentPart p14:bwMode="auto" r:id="rId119">
               <p14:nvContentPartPr>
                 <p14:cNvPr id="80" name="Ink 79">
@@ -18586,7 +18971,7 @@
               </p14:xfrm>
             </p:contentPart>
           </mc:Choice>
-          <mc:Fallback>
+          <mc:Fallback xmlns="">
             <p:pic>
               <p:nvPicPr>
                 <p:cNvPr id="80" name="Ink 79">
@@ -18617,8 +19002,8 @@
             </p:pic>
           </mc:Fallback>
         </mc:AlternateContent>
-        <mc:AlternateContent xmlns:mc="http://schemas.openxmlformats.org/markup-compatibility/2006">
-          <mc:Choice xmlns:p14="http://schemas.microsoft.com/office/powerpoint/2010/main" Requires="p14">
+        <mc:AlternateContent xmlns:mc="http://schemas.openxmlformats.org/markup-compatibility/2006" xmlns:p14="http://schemas.microsoft.com/office/powerpoint/2010/main">
+          <mc:Choice Requires="p14">
             <p:contentPart p14:bwMode="auto" r:id="rId121">
               <p14:nvContentPartPr>
                 <p14:cNvPr id="81" name="Ink 80">
@@ -18637,7 +19022,7 @@
               </p14:xfrm>
             </p:contentPart>
           </mc:Choice>
-          <mc:Fallback>
+          <mc:Fallback xmlns="">
             <p:pic>
               <p:nvPicPr>
                 <p:cNvPr id="81" name="Ink 80">
@@ -18668,8 +19053,8 @@
             </p:pic>
           </mc:Fallback>
         </mc:AlternateContent>
-        <mc:AlternateContent xmlns:mc="http://schemas.openxmlformats.org/markup-compatibility/2006">
-          <mc:Choice xmlns:p14="http://schemas.microsoft.com/office/powerpoint/2010/main" Requires="p14">
+        <mc:AlternateContent xmlns:mc="http://schemas.openxmlformats.org/markup-compatibility/2006" xmlns:p14="http://schemas.microsoft.com/office/powerpoint/2010/main">
+          <mc:Choice Requires="p14">
             <p:contentPart p14:bwMode="auto" r:id="rId123">
               <p14:nvContentPartPr>
                 <p14:cNvPr id="82" name="Ink 81">
@@ -18688,7 +19073,7 @@
               </p14:xfrm>
             </p:contentPart>
           </mc:Choice>
-          <mc:Fallback>
+          <mc:Fallback xmlns="">
             <p:pic>
               <p:nvPicPr>
                 <p:cNvPr id="82" name="Ink 81">
@@ -18719,8 +19104,8 @@
             </p:pic>
           </mc:Fallback>
         </mc:AlternateContent>
-        <mc:AlternateContent xmlns:mc="http://schemas.openxmlformats.org/markup-compatibility/2006">
-          <mc:Choice xmlns:p14="http://schemas.microsoft.com/office/powerpoint/2010/main" Requires="p14">
+        <mc:AlternateContent xmlns:mc="http://schemas.openxmlformats.org/markup-compatibility/2006" xmlns:p14="http://schemas.microsoft.com/office/powerpoint/2010/main">
+          <mc:Choice Requires="p14">
             <p:contentPart p14:bwMode="auto" r:id="rId125">
               <p14:nvContentPartPr>
                 <p14:cNvPr id="83" name="Ink 82">
@@ -18739,7 +19124,7 @@
               </p14:xfrm>
             </p:contentPart>
           </mc:Choice>
-          <mc:Fallback>
+          <mc:Fallback xmlns="">
             <p:pic>
               <p:nvPicPr>
                 <p:cNvPr id="83" name="Ink 82">
@@ -18770,8 +19155,8 @@
             </p:pic>
           </mc:Fallback>
         </mc:AlternateContent>
-        <mc:AlternateContent xmlns:mc="http://schemas.openxmlformats.org/markup-compatibility/2006">
-          <mc:Choice xmlns:p14="http://schemas.microsoft.com/office/powerpoint/2010/main" Requires="p14">
+        <mc:AlternateContent xmlns:mc="http://schemas.openxmlformats.org/markup-compatibility/2006" xmlns:p14="http://schemas.microsoft.com/office/powerpoint/2010/main">
+          <mc:Choice Requires="p14">
             <p:contentPart p14:bwMode="auto" r:id="rId127">
               <p14:nvContentPartPr>
                 <p14:cNvPr id="84" name="Ink 83">
@@ -18790,7 +19175,7 @@
               </p14:xfrm>
             </p:contentPart>
           </mc:Choice>
-          <mc:Fallback>
+          <mc:Fallback xmlns="">
             <p:pic>
               <p:nvPicPr>
                 <p:cNvPr id="84" name="Ink 83">
@@ -18821,8 +19206,8 @@
             </p:pic>
           </mc:Fallback>
         </mc:AlternateContent>
-        <mc:AlternateContent xmlns:mc="http://schemas.openxmlformats.org/markup-compatibility/2006">
-          <mc:Choice xmlns:p14="http://schemas.microsoft.com/office/powerpoint/2010/main" Requires="p14">
+        <mc:AlternateContent xmlns:mc="http://schemas.openxmlformats.org/markup-compatibility/2006" xmlns:p14="http://schemas.microsoft.com/office/powerpoint/2010/main">
+          <mc:Choice Requires="p14">
             <p:contentPart p14:bwMode="auto" r:id="rId129">
               <p14:nvContentPartPr>
                 <p14:cNvPr id="89" name="Ink 88">
@@ -18841,7 +19226,7 @@
               </p14:xfrm>
             </p:contentPart>
           </mc:Choice>
-          <mc:Fallback>
+          <mc:Fallback xmlns="">
             <p:pic>
               <p:nvPicPr>
                 <p:cNvPr id="89" name="Ink 88">
@@ -18872,8 +19257,8 @@
             </p:pic>
           </mc:Fallback>
         </mc:AlternateContent>
-        <mc:AlternateContent xmlns:mc="http://schemas.openxmlformats.org/markup-compatibility/2006">
-          <mc:Choice xmlns:p14="http://schemas.microsoft.com/office/powerpoint/2010/main" Requires="p14">
+        <mc:AlternateContent xmlns:mc="http://schemas.openxmlformats.org/markup-compatibility/2006" xmlns:p14="http://schemas.microsoft.com/office/powerpoint/2010/main">
+          <mc:Choice Requires="p14">
             <p:contentPart p14:bwMode="auto" r:id="rId131">
               <p14:nvContentPartPr>
                 <p14:cNvPr id="90" name="Ink 89">
@@ -18892,7 +19277,7 @@
               </p14:xfrm>
             </p:contentPart>
           </mc:Choice>
-          <mc:Fallback>
+          <mc:Fallback xmlns="">
             <p:pic>
               <p:nvPicPr>
                 <p:cNvPr id="90" name="Ink 89">
@@ -18923,8 +19308,8 @@
             </p:pic>
           </mc:Fallback>
         </mc:AlternateContent>
-        <mc:AlternateContent xmlns:mc="http://schemas.openxmlformats.org/markup-compatibility/2006">
-          <mc:Choice xmlns:p14="http://schemas.microsoft.com/office/powerpoint/2010/main" Requires="p14">
+        <mc:AlternateContent xmlns:mc="http://schemas.openxmlformats.org/markup-compatibility/2006" xmlns:p14="http://schemas.microsoft.com/office/powerpoint/2010/main">
+          <mc:Choice Requires="p14">
             <p:contentPart p14:bwMode="auto" r:id="rId133">
               <p14:nvContentPartPr>
                 <p14:cNvPr id="91" name="Ink 90">
@@ -18943,7 +19328,7 @@
               </p14:xfrm>
             </p:contentPart>
           </mc:Choice>
-          <mc:Fallback>
+          <mc:Fallback xmlns="">
             <p:pic>
               <p:nvPicPr>
                 <p:cNvPr id="91" name="Ink 90">
@@ -18974,8 +19359,8 @@
             </p:pic>
           </mc:Fallback>
         </mc:AlternateContent>
-        <mc:AlternateContent xmlns:mc="http://schemas.openxmlformats.org/markup-compatibility/2006">
-          <mc:Choice xmlns:p14="http://schemas.microsoft.com/office/powerpoint/2010/main" Requires="p14">
+        <mc:AlternateContent xmlns:mc="http://schemas.openxmlformats.org/markup-compatibility/2006" xmlns:p14="http://schemas.microsoft.com/office/powerpoint/2010/main">
+          <mc:Choice Requires="p14">
             <p:contentPart p14:bwMode="auto" r:id="rId135">
               <p14:nvContentPartPr>
                 <p14:cNvPr id="92" name="Ink 91">
@@ -18994,7 +19379,7 @@
               </p14:xfrm>
             </p:contentPart>
           </mc:Choice>
-          <mc:Fallback>
+          <mc:Fallback xmlns="">
             <p:pic>
               <p:nvPicPr>
                 <p:cNvPr id="92" name="Ink 91">
@@ -19025,8 +19410,8 @@
             </p:pic>
           </mc:Fallback>
         </mc:AlternateContent>
-        <mc:AlternateContent xmlns:mc="http://schemas.openxmlformats.org/markup-compatibility/2006">
-          <mc:Choice xmlns:p14="http://schemas.microsoft.com/office/powerpoint/2010/main" Requires="p14">
+        <mc:AlternateContent xmlns:mc="http://schemas.openxmlformats.org/markup-compatibility/2006" xmlns:p14="http://schemas.microsoft.com/office/powerpoint/2010/main">
+          <mc:Choice Requires="p14">
             <p:contentPart p14:bwMode="auto" r:id="rId137">
               <p14:nvContentPartPr>
                 <p14:cNvPr id="86" name="Ink 85">
@@ -19045,7 +19430,7 @@
               </p14:xfrm>
             </p:contentPart>
           </mc:Choice>
-          <mc:Fallback>
+          <mc:Fallback xmlns="">
             <p:pic>
               <p:nvPicPr>
                 <p:cNvPr id="86" name="Ink 85">
@@ -19076,8 +19461,8 @@
             </p:pic>
           </mc:Fallback>
         </mc:AlternateContent>
-        <mc:AlternateContent xmlns:mc="http://schemas.openxmlformats.org/markup-compatibility/2006">
-          <mc:Choice xmlns:p14="http://schemas.microsoft.com/office/powerpoint/2010/main" Requires="p14">
+        <mc:AlternateContent xmlns:mc="http://schemas.openxmlformats.org/markup-compatibility/2006" xmlns:p14="http://schemas.microsoft.com/office/powerpoint/2010/main">
+          <mc:Choice Requires="p14">
             <p:contentPart p14:bwMode="auto" r:id="rId139">
               <p14:nvContentPartPr>
                 <p14:cNvPr id="87" name="Ink 86">
@@ -19096,7 +19481,7 @@
               </p14:xfrm>
             </p:contentPart>
           </mc:Choice>
-          <mc:Fallback>
+          <mc:Fallback xmlns="">
             <p:pic>
               <p:nvPicPr>
                 <p:cNvPr id="87" name="Ink 86">
@@ -19127,8 +19512,8 @@
             </p:pic>
           </mc:Fallback>
         </mc:AlternateContent>
-        <mc:AlternateContent xmlns:mc="http://schemas.openxmlformats.org/markup-compatibility/2006">
-          <mc:Choice xmlns:p14="http://schemas.microsoft.com/office/powerpoint/2010/main" Requires="p14">
+        <mc:AlternateContent xmlns:mc="http://schemas.openxmlformats.org/markup-compatibility/2006" xmlns:p14="http://schemas.microsoft.com/office/powerpoint/2010/main">
+          <mc:Choice Requires="p14">
             <p:contentPart p14:bwMode="auto" r:id="rId141">
               <p14:nvContentPartPr>
                 <p14:cNvPr id="88" name="Ink 87">
@@ -19147,7 +19532,7 @@
               </p14:xfrm>
             </p:contentPart>
           </mc:Choice>
-          <mc:Fallback>
+          <mc:Fallback xmlns="">
             <p:pic>
               <p:nvPicPr>
                 <p:cNvPr id="88" name="Ink 87">
@@ -19178,8 +19563,8 @@
             </p:pic>
           </mc:Fallback>
         </mc:AlternateContent>
-        <mc:AlternateContent xmlns:mc="http://schemas.openxmlformats.org/markup-compatibility/2006">
-          <mc:Choice xmlns:p14="http://schemas.microsoft.com/office/powerpoint/2010/main" Requires="p14">
+        <mc:AlternateContent xmlns:mc="http://schemas.openxmlformats.org/markup-compatibility/2006" xmlns:p14="http://schemas.microsoft.com/office/powerpoint/2010/main">
+          <mc:Choice Requires="p14">
             <p:contentPart p14:bwMode="auto" r:id="rId143">
               <p14:nvContentPartPr>
                 <p14:cNvPr id="94" name="Ink 93">
@@ -19198,7 +19583,7 @@
               </p14:xfrm>
             </p:contentPart>
           </mc:Choice>
-          <mc:Fallback>
+          <mc:Fallback xmlns="">
             <p:pic>
               <p:nvPicPr>
                 <p:cNvPr id="94" name="Ink 93">
@@ -19229,8 +19614,8 @@
             </p:pic>
           </mc:Fallback>
         </mc:AlternateContent>
-        <mc:AlternateContent xmlns:mc="http://schemas.openxmlformats.org/markup-compatibility/2006">
-          <mc:Choice xmlns:p14="http://schemas.microsoft.com/office/powerpoint/2010/main" Requires="p14">
+        <mc:AlternateContent xmlns:mc="http://schemas.openxmlformats.org/markup-compatibility/2006" xmlns:p14="http://schemas.microsoft.com/office/powerpoint/2010/main">
+          <mc:Choice Requires="p14">
             <p:contentPart p14:bwMode="auto" r:id="rId145">
               <p14:nvContentPartPr>
                 <p14:cNvPr id="95" name="Ink 94">
@@ -19249,7 +19634,7 @@
               </p14:xfrm>
             </p:contentPart>
           </mc:Choice>
-          <mc:Fallback>
+          <mc:Fallback xmlns="">
             <p:pic>
               <p:nvPicPr>
                 <p:cNvPr id="95" name="Ink 94">
@@ -19280,8 +19665,8 @@
             </p:pic>
           </mc:Fallback>
         </mc:AlternateContent>
-        <mc:AlternateContent xmlns:mc="http://schemas.openxmlformats.org/markup-compatibility/2006">
-          <mc:Choice xmlns:p14="http://schemas.microsoft.com/office/powerpoint/2010/main" Requires="p14">
+        <mc:AlternateContent xmlns:mc="http://schemas.openxmlformats.org/markup-compatibility/2006" xmlns:p14="http://schemas.microsoft.com/office/powerpoint/2010/main">
+          <mc:Choice Requires="p14">
             <p:contentPart p14:bwMode="auto" r:id="rId147">
               <p14:nvContentPartPr>
                 <p14:cNvPr id="97" name="Ink 96">
@@ -19300,7 +19685,7 @@
               </p14:xfrm>
             </p:contentPart>
           </mc:Choice>
-          <mc:Fallback>
+          <mc:Fallback xmlns="">
             <p:pic>
               <p:nvPicPr>
                 <p:cNvPr id="97" name="Ink 96">
@@ -19331,8 +19716,8 @@
             </p:pic>
           </mc:Fallback>
         </mc:AlternateContent>
-        <mc:AlternateContent xmlns:mc="http://schemas.openxmlformats.org/markup-compatibility/2006">
-          <mc:Choice xmlns:p14="http://schemas.microsoft.com/office/powerpoint/2010/main" Requires="p14">
+        <mc:AlternateContent xmlns:mc="http://schemas.openxmlformats.org/markup-compatibility/2006" xmlns:p14="http://schemas.microsoft.com/office/powerpoint/2010/main">
+          <mc:Choice Requires="p14">
             <p:contentPart p14:bwMode="auto" r:id="rId149">
               <p14:nvContentPartPr>
                 <p14:cNvPr id="98" name="Ink 97">
@@ -19351,7 +19736,7 @@
               </p14:xfrm>
             </p:contentPart>
           </mc:Choice>
-          <mc:Fallback>
+          <mc:Fallback xmlns="">
             <p:pic>
               <p:nvPicPr>
                 <p:cNvPr id="98" name="Ink 97">
@@ -19382,8 +19767,8 @@
             </p:pic>
           </mc:Fallback>
         </mc:AlternateContent>
-        <mc:AlternateContent xmlns:mc="http://schemas.openxmlformats.org/markup-compatibility/2006">
-          <mc:Choice xmlns:p14="http://schemas.microsoft.com/office/powerpoint/2010/main" Requires="p14">
+        <mc:AlternateContent xmlns:mc="http://schemas.openxmlformats.org/markup-compatibility/2006" xmlns:p14="http://schemas.microsoft.com/office/powerpoint/2010/main">
+          <mc:Choice Requires="p14">
             <p:contentPart p14:bwMode="auto" r:id="rId151">
               <p14:nvContentPartPr>
                 <p14:cNvPr id="99" name="Ink 98">
@@ -19402,7 +19787,7 @@
               </p14:xfrm>
             </p:contentPart>
           </mc:Choice>
-          <mc:Fallback>
+          <mc:Fallback xmlns="">
             <p:pic>
               <p:nvPicPr>
                 <p:cNvPr id="99" name="Ink 98">
@@ -19433,8 +19818,8 @@
             </p:pic>
           </mc:Fallback>
         </mc:AlternateContent>
-        <mc:AlternateContent xmlns:mc="http://schemas.openxmlformats.org/markup-compatibility/2006">
-          <mc:Choice xmlns:p14="http://schemas.microsoft.com/office/powerpoint/2010/main" Requires="p14">
+        <mc:AlternateContent xmlns:mc="http://schemas.openxmlformats.org/markup-compatibility/2006" xmlns:p14="http://schemas.microsoft.com/office/powerpoint/2010/main">
+          <mc:Choice Requires="p14">
             <p:contentPart p14:bwMode="auto" r:id="rId153">
               <p14:nvContentPartPr>
                 <p14:cNvPr id="100" name="Ink 99">
@@ -19453,7 +19838,7 @@
               </p14:xfrm>
             </p:contentPart>
           </mc:Choice>
-          <mc:Fallback>
+          <mc:Fallback xmlns="">
             <p:pic>
               <p:nvPicPr>
                 <p:cNvPr id="100" name="Ink 99">
@@ -19484,8 +19869,8 @@
             </p:pic>
           </mc:Fallback>
         </mc:AlternateContent>
-        <mc:AlternateContent xmlns:mc="http://schemas.openxmlformats.org/markup-compatibility/2006">
-          <mc:Choice xmlns:p14="http://schemas.microsoft.com/office/powerpoint/2010/main" Requires="p14">
+        <mc:AlternateContent xmlns:mc="http://schemas.openxmlformats.org/markup-compatibility/2006" xmlns:p14="http://schemas.microsoft.com/office/powerpoint/2010/main">
+          <mc:Choice Requires="p14">
             <p:contentPart p14:bwMode="auto" r:id="rId155">
               <p14:nvContentPartPr>
                 <p14:cNvPr id="101" name="Ink 100">
@@ -19504,7 +19889,7 @@
               </p14:xfrm>
             </p:contentPart>
           </mc:Choice>
-          <mc:Fallback>
+          <mc:Fallback xmlns="">
             <p:pic>
               <p:nvPicPr>
                 <p:cNvPr id="101" name="Ink 100">
@@ -19535,8 +19920,8 @@
             </p:pic>
           </mc:Fallback>
         </mc:AlternateContent>
-        <mc:AlternateContent xmlns:mc="http://schemas.openxmlformats.org/markup-compatibility/2006">
-          <mc:Choice xmlns:p14="http://schemas.microsoft.com/office/powerpoint/2010/main" Requires="p14">
+        <mc:AlternateContent xmlns:mc="http://schemas.openxmlformats.org/markup-compatibility/2006" xmlns:p14="http://schemas.microsoft.com/office/powerpoint/2010/main">
+          <mc:Choice Requires="p14">
             <p:contentPart p14:bwMode="auto" r:id="rId157">
               <p14:nvContentPartPr>
                 <p14:cNvPr id="102" name="Ink 101">
@@ -19555,7 +19940,7 @@
               </p14:xfrm>
             </p:contentPart>
           </mc:Choice>
-          <mc:Fallback>
+          <mc:Fallback xmlns="">
             <p:pic>
               <p:nvPicPr>
                 <p:cNvPr id="102" name="Ink 101">
@@ -19586,8 +19971,8 @@
             </p:pic>
           </mc:Fallback>
         </mc:AlternateContent>
-        <mc:AlternateContent xmlns:mc="http://schemas.openxmlformats.org/markup-compatibility/2006">
-          <mc:Choice xmlns:p14="http://schemas.microsoft.com/office/powerpoint/2010/main" Requires="p14">
+        <mc:AlternateContent xmlns:mc="http://schemas.openxmlformats.org/markup-compatibility/2006" xmlns:p14="http://schemas.microsoft.com/office/powerpoint/2010/main">
+          <mc:Choice Requires="p14">
             <p:contentPart p14:bwMode="auto" r:id="rId159">
               <p14:nvContentPartPr>
                 <p14:cNvPr id="103" name="Ink 102">
@@ -19606,7 +19991,7 @@
               </p14:xfrm>
             </p:contentPart>
           </mc:Choice>
-          <mc:Fallback>
+          <mc:Fallback xmlns="">
             <p:pic>
               <p:nvPicPr>
                 <p:cNvPr id="103" name="Ink 102">
@@ -19637,8 +20022,8 @@
             </p:pic>
           </mc:Fallback>
         </mc:AlternateContent>
-        <mc:AlternateContent xmlns:mc="http://schemas.openxmlformats.org/markup-compatibility/2006">
-          <mc:Choice xmlns:p14="http://schemas.microsoft.com/office/powerpoint/2010/main" Requires="p14">
+        <mc:AlternateContent xmlns:mc="http://schemas.openxmlformats.org/markup-compatibility/2006" xmlns:p14="http://schemas.microsoft.com/office/powerpoint/2010/main">
+          <mc:Choice Requires="p14">
             <p:contentPart p14:bwMode="auto" r:id="rId161">
               <p14:nvContentPartPr>
                 <p14:cNvPr id="104" name="Ink 103">
@@ -19657,7 +20042,7 @@
               </p14:xfrm>
             </p:contentPart>
           </mc:Choice>
-          <mc:Fallback>
+          <mc:Fallback xmlns="">
             <p:pic>
               <p:nvPicPr>
                 <p:cNvPr id="104" name="Ink 103">
@@ -19688,8 +20073,8 @@
             </p:pic>
           </mc:Fallback>
         </mc:AlternateContent>
-        <mc:AlternateContent xmlns:mc="http://schemas.openxmlformats.org/markup-compatibility/2006">
-          <mc:Choice xmlns:p14="http://schemas.microsoft.com/office/powerpoint/2010/main" Requires="p14">
+        <mc:AlternateContent xmlns:mc="http://schemas.openxmlformats.org/markup-compatibility/2006" xmlns:p14="http://schemas.microsoft.com/office/powerpoint/2010/main">
+          <mc:Choice Requires="p14">
             <p:contentPart p14:bwMode="auto" r:id="rId163">
               <p14:nvContentPartPr>
                 <p14:cNvPr id="105" name="Ink 104">
@@ -19708,7 +20093,7 @@
               </p14:xfrm>
             </p:contentPart>
           </mc:Choice>
-          <mc:Fallback>
+          <mc:Fallback xmlns="">
             <p:pic>
               <p:nvPicPr>
                 <p:cNvPr id="105" name="Ink 104">
@@ -19739,8 +20124,8 @@
             </p:pic>
           </mc:Fallback>
         </mc:AlternateContent>
-        <mc:AlternateContent xmlns:mc="http://schemas.openxmlformats.org/markup-compatibility/2006">
-          <mc:Choice xmlns:p14="http://schemas.microsoft.com/office/powerpoint/2010/main" Requires="p14">
+        <mc:AlternateContent xmlns:mc="http://schemas.openxmlformats.org/markup-compatibility/2006" xmlns:p14="http://schemas.microsoft.com/office/powerpoint/2010/main">
+          <mc:Choice Requires="p14">
             <p:contentPart p14:bwMode="auto" r:id="rId164">
               <p14:nvContentPartPr>
                 <p14:cNvPr id="106" name="Ink 105">
@@ -19759,7 +20144,7 @@
               </p14:xfrm>
             </p:contentPart>
           </mc:Choice>
-          <mc:Fallback>
+          <mc:Fallback xmlns="">
             <p:pic>
               <p:nvPicPr>
                 <p:cNvPr id="106" name="Ink 105">
@@ -19790,8 +20175,8 @@
             </p:pic>
           </mc:Fallback>
         </mc:AlternateContent>
-        <mc:AlternateContent xmlns:mc="http://schemas.openxmlformats.org/markup-compatibility/2006">
-          <mc:Choice xmlns:p14="http://schemas.microsoft.com/office/powerpoint/2010/main" Requires="p14">
+        <mc:AlternateContent xmlns:mc="http://schemas.openxmlformats.org/markup-compatibility/2006" xmlns:p14="http://schemas.microsoft.com/office/powerpoint/2010/main">
+          <mc:Choice Requires="p14">
             <p:contentPart p14:bwMode="auto" r:id="rId166">
               <p14:nvContentPartPr>
                 <p14:cNvPr id="107" name="Ink 106">
@@ -19810,7 +20195,7 @@
               </p14:xfrm>
             </p:contentPart>
           </mc:Choice>
-          <mc:Fallback>
+          <mc:Fallback xmlns="">
             <p:pic>
               <p:nvPicPr>
                 <p:cNvPr id="107" name="Ink 106">
@@ -19841,8 +20226,8 @@
             </p:pic>
           </mc:Fallback>
         </mc:AlternateContent>
-        <mc:AlternateContent xmlns:mc="http://schemas.openxmlformats.org/markup-compatibility/2006">
-          <mc:Choice xmlns:p14="http://schemas.microsoft.com/office/powerpoint/2010/main" Requires="p14">
+        <mc:AlternateContent xmlns:mc="http://schemas.openxmlformats.org/markup-compatibility/2006" xmlns:p14="http://schemas.microsoft.com/office/powerpoint/2010/main">
+          <mc:Choice Requires="p14">
             <p:contentPart p14:bwMode="auto" r:id="rId168">
               <p14:nvContentPartPr>
                 <p14:cNvPr id="108" name="Ink 107">
@@ -19861,7 +20246,7 @@
               </p14:xfrm>
             </p:contentPart>
           </mc:Choice>
-          <mc:Fallback>
+          <mc:Fallback xmlns="">
             <p:pic>
               <p:nvPicPr>
                 <p:cNvPr id="108" name="Ink 107">
@@ -19892,8 +20277,8 @@
             </p:pic>
           </mc:Fallback>
         </mc:AlternateContent>
-        <mc:AlternateContent xmlns:mc="http://schemas.openxmlformats.org/markup-compatibility/2006">
-          <mc:Choice xmlns:p14="http://schemas.microsoft.com/office/powerpoint/2010/main" Requires="p14">
+        <mc:AlternateContent xmlns:mc="http://schemas.openxmlformats.org/markup-compatibility/2006" xmlns:p14="http://schemas.microsoft.com/office/powerpoint/2010/main">
+          <mc:Choice Requires="p14">
             <p:contentPart p14:bwMode="auto" r:id="rId170">
               <p14:nvContentPartPr>
                 <p14:cNvPr id="109" name="Ink 108">
@@ -19912,7 +20297,7 @@
               </p14:xfrm>
             </p:contentPart>
           </mc:Choice>
-          <mc:Fallback>
+          <mc:Fallback xmlns="">
             <p:pic>
               <p:nvPicPr>
                 <p:cNvPr id="109" name="Ink 108">
@@ -19943,8 +20328,8 @@
             </p:pic>
           </mc:Fallback>
         </mc:AlternateContent>
-        <mc:AlternateContent xmlns:mc="http://schemas.openxmlformats.org/markup-compatibility/2006">
-          <mc:Choice xmlns:p14="http://schemas.microsoft.com/office/powerpoint/2010/main" Requires="p14">
+        <mc:AlternateContent xmlns:mc="http://schemas.openxmlformats.org/markup-compatibility/2006" xmlns:p14="http://schemas.microsoft.com/office/powerpoint/2010/main">
+          <mc:Choice Requires="p14">
             <p:contentPart p14:bwMode="auto" r:id="rId172">
               <p14:nvContentPartPr>
                 <p14:cNvPr id="110" name="Ink 109">
@@ -19963,7 +20348,7 @@
               </p14:xfrm>
             </p:contentPart>
           </mc:Choice>
-          <mc:Fallback>
+          <mc:Fallback xmlns="">
             <p:pic>
               <p:nvPicPr>
                 <p:cNvPr id="110" name="Ink 109">
@@ -19994,8 +20379,8 @@
             </p:pic>
           </mc:Fallback>
         </mc:AlternateContent>
-        <mc:AlternateContent xmlns:mc="http://schemas.openxmlformats.org/markup-compatibility/2006">
-          <mc:Choice xmlns:p14="http://schemas.microsoft.com/office/powerpoint/2010/main" Requires="p14">
+        <mc:AlternateContent xmlns:mc="http://schemas.openxmlformats.org/markup-compatibility/2006" xmlns:p14="http://schemas.microsoft.com/office/powerpoint/2010/main">
+          <mc:Choice Requires="p14">
             <p:contentPart p14:bwMode="auto" r:id="rId174">
               <p14:nvContentPartPr>
                 <p14:cNvPr id="111" name="Ink 110">
@@ -20014,7 +20399,7 @@
               </p14:xfrm>
             </p:contentPart>
           </mc:Choice>
-          <mc:Fallback>
+          <mc:Fallback xmlns="">
             <p:pic>
               <p:nvPicPr>
                 <p:cNvPr id="111" name="Ink 110">
@@ -20059,7 +20444,7 @@
 </p:sld>
 </file>
 
-<file path=ppt/slides/slide5.xml><?xml version="1.0" encoding="utf-8"?>
+<file path=ppt/slides/slide6.xml><?xml version="1.0" encoding="utf-8"?>
 <p:sld xmlns:a="http://schemas.openxmlformats.org/drawingml/2006/main" xmlns:r="http://schemas.openxmlformats.org/officeDocument/2006/relationships" xmlns:p="http://schemas.openxmlformats.org/presentationml/2006/main">
   <p:cSld>
     <p:spTree>
@@ -20105,8 +20490,8 @@
           </a:p>
         </p:txBody>
       </p:sp>
-      <mc:AlternateContent xmlns:mc="http://schemas.openxmlformats.org/markup-compatibility/2006">
-        <mc:Choice xmlns:p14="http://schemas.microsoft.com/office/powerpoint/2010/main" Requires="p14">
+      <mc:AlternateContent xmlns:mc="http://schemas.openxmlformats.org/markup-compatibility/2006" xmlns:p14="http://schemas.microsoft.com/office/powerpoint/2010/main">
+        <mc:Choice Requires="p14">
           <p:contentPart p14:bwMode="auto" r:id="rId2">
             <p14:nvContentPartPr>
               <p14:cNvPr id="4" name="Ink 3">
@@ -20125,7 +20510,7 @@
             </p14:xfrm>
           </p:contentPart>
         </mc:Choice>
-        <mc:Fallback>
+        <mc:Fallback xmlns="">
           <p:pic>
             <p:nvPicPr>
               <p:cNvPr id="4" name="Ink 3">
@@ -20156,8 +20541,8 @@
           </p:pic>
         </mc:Fallback>
       </mc:AlternateContent>
-      <mc:AlternateContent xmlns:mc="http://schemas.openxmlformats.org/markup-compatibility/2006">
-        <mc:Choice xmlns:p14="http://schemas.microsoft.com/office/powerpoint/2010/main" Requires="p14">
+      <mc:AlternateContent xmlns:mc="http://schemas.openxmlformats.org/markup-compatibility/2006" xmlns:p14="http://schemas.microsoft.com/office/powerpoint/2010/main">
+        <mc:Choice Requires="p14">
           <p:contentPart p14:bwMode="auto" r:id="rId4">
             <p14:nvContentPartPr>
               <p14:cNvPr id="14" name="Ink 13">
@@ -20176,7 +20561,7 @@
             </p14:xfrm>
           </p:contentPart>
         </mc:Choice>
-        <mc:Fallback>
+        <mc:Fallback xmlns="">
           <p:pic>
             <p:nvPicPr>
               <p:cNvPr id="14" name="Ink 13">
@@ -20207,8 +20592,8 @@
           </p:pic>
         </mc:Fallback>
       </mc:AlternateContent>
-      <mc:AlternateContent xmlns:mc="http://schemas.openxmlformats.org/markup-compatibility/2006">
-        <mc:Choice xmlns:p14="http://schemas.microsoft.com/office/powerpoint/2010/main" Requires="p14">
+      <mc:AlternateContent xmlns:mc="http://schemas.openxmlformats.org/markup-compatibility/2006" xmlns:p14="http://schemas.microsoft.com/office/powerpoint/2010/main">
+        <mc:Choice Requires="p14">
           <p:contentPart p14:bwMode="auto" r:id="rId6">
             <p14:nvContentPartPr>
               <p14:cNvPr id="15" name="Ink 14">
@@ -20227,7 +20612,7 @@
             </p14:xfrm>
           </p:contentPart>
         </mc:Choice>
-        <mc:Fallback>
+        <mc:Fallback xmlns="">
           <p:pic>
             <p:nvPicPr>
               <p:cNvPr id="15" name="Ink 14">
@@ -20258,8 +20643,8 @@
           </p:pic>
         </mc:Fallback>
       </mc:AlternateContent>
-      <mc:AlternateContent xmlns:mc="http://schemas.openxmlformats.org/markup-compatibility/2006">
-        <mc:Choice xmlns:p14="http://schemas.microsoft.com/office/powerpoint/2010/main" Requires="p14">
+      <mc:AlternateContent xmlns:mc="http://schemas.openxmlformats.org/markup-compatibility/2006" xmlns:p14="http://schemas.microsoft.com/office/powerpoint/2010/main">
+        <mc:Choice Requires="p14">
           <p:contentPart p14:bwMode="auto" r:id="rId8">
             <p14:nvContentPartPr>
               <p14:cNvPr id="21" name="Ink 20">
@@ -20278,7 +20663,7 @@
             </p14:xfrm>
           </p:contentPart>
         </mc:Choice>
-        <mc:Fallback>
+        <mc:Fallback xmlns="">
           <p:pic>
             <p:nvPicPr>
               <p:cNvPr id="21" name="Ink 20">
@@ -20309,8 +20694,8 @@
           </p:pic>
         </mc:Fallback>
       </mc:AlternateContent>
-      <mc:AlternateContent xmlns:mc="http://schemas.openxmlformats.org/markup-compatibility/2006">
-        <mc:Choice xmlns:p14="http://schemas.microsoft.com/office/powerpoint/2010/main" Requires="p14">
+      <mc:AlternateContent xmlns:mc="http://schemas.openxmlformats.org/markup-compatibility/2006" xmlns:p14="http://schemas.microsoft.com/office/powerpoint/2010/main">
+        <mc:Choice Requires="p14">
           <p:contentPart p14:bwMode="auto" r:id="rId10">
             <p14:nvContentPartPr>
               <p14:cNvPr id="22" name="Ink 21">
@@ -20329,7 +20714,7 @@
             </p14:xfrm>
           </p:contentPart>
         </mc:Choice>
-        <mc:Fallback>
+        <mc:Fallback xmlns="">
           <p:pic>
             <p:nvPicPr>
               <p:cNvPr id="22" name="Ink 21">
@@ -20360,8 +20745,8 @@
           </p:pic>
         </mc:Fallback>
       </mc:AlternateContent>
-      <mc:AlternateContent xmlns:mc="http://schemas.openxmlformats.org/markup-compatibility/2006">
-        <mc:Choice xmlns:p14="http://schemas.microsoft.com/office/powerpoint/2010/main" Requires="p14">
+      <mc:AlternateContent xmlns:mc="http://schemas.openxmlformats.org/markup-compatibility/2006" xmlns:p14="http://schemas.microsoft.com/office/powerpoint/2010/main">
+        <mc:Choice Requires="p14">
           <p:contentPart p14:bwMode="auto" r:id="rId12">
             <p14:nvContentPartPr>
               <p14:cNvPr id="23" name="Ink 22">
@@ -20380,7 +20765,7 @@
             </p14:xfrm>
           </p:contentPart>
         </mc:Choice>
-        <mc:Fallback>
+        <mc:Fallback xmlns="">
           <p:pic>
             <p:nvPicPr>
               <p:cNvPr id="23" name="Ink 22">
@@ -20411,8 +20796,8 @@
           </p:pic>
         </mc:Fallback>
       </mc:AlternateContent>
-      <mc:AlternateContent xmlns:mc="http://schemas.openxmlformats.org/markup-compatibility/2006">
-        <mc:Choice xmlns:p14="http://schemas.microsoft.com/office/powerpoint/2010/main" Requires="p14">
+      <mc:AlternateContent xmlns:mc="http://schemas.openxmlformats.org/markup-compatibility/2006" xmlns:p14="http://schemas.microsoft.com/office/powerpoint/2010/main">
+        <mc:Choice Requires="p14">
           <p:contentPart p14:bwMode="auto" r:id="rId14">
             <p14:nvContentPartPr>
               <p14:cNvPr id="24" name="Ink 23">
@@ -20431,7 +20816,7 @@
             </p14:xfrm>
           </p:contentPart>
         </mc:Choice>
-        <mc:Fallback>
+        <mc:Fallback xmlns="">
           <p:pic>
             <p:nvPicPr>
               <p:cNvPr id="24" name="Ink 23">
@@ -20462,8 +20847,8 @@
           </p:pic>
         </mc:Fallback>
       </mc:AlternateContent>
-      <mc:AlternateContent xmlns:mc="http://schemas.openxmlformats.org/markup-compatibility/2006">
-        <mc:Choice xmlns:p14="http://schemas.microsoft.com/office/powerpoint/2010/main" Requires="p14">
+      <mc:AlternateContent xmlns:mc="http://schemas.openxmlformats.org/markup-compatibility/2006" xmlns:p14="http://schemas.microsoft.com/office/powerpoint/2010/main">
+        <mc:Choice Requires="p14">
           <p:contentPart p14:bwMode="auto" r:id="rId16">
             <p14:nvContentPartPr>
               <p14:cNvPr id="25" name="Ink 24">
@@ -20482,7 +20867,7 @@
             </p14:xfrm>
           </p:contentPart>
         </mc:Choice>
-        <mc:Fallback>
+        <mc:Fallback xmlns="">
           <p:pic>
             <p:nvPicPr>
               <p:cNvPr id="25" name="Ink 24">
@@ -20513,8 +20898,8 @@
           </p:pic>
         </mc:Fallback>
       </mc:AlternateContent>
-      <mc:AlternateContent xmlns:mc="http://schemas.openxmlformats.org/markup-compatibility/2006">
-        <mc:Choice xmlns:p14="http://schemas.microsoft.com/office/powerpoint/2010/main" Requires="p14">
+      <mc:AlternateContent xmlns:mc="http://schemas.openxmlformats.org/markup-compatibility/2006" xmlns:p14="http://schemas.microsoft.com/office/powerpoint/2010/main">
+        <mc:Choice Requires="p14">
           <p:contentPart p14:bwMode="auto" r:id="rId18">
             <p14:nvContentPartPr>
               <p14:cNvPr id="26" name="Ink 25">
@@ -20533,7 +20918,7 @@
             </p14:xfrm>
           </p:contentPart>
         </mc:Choice>
-        <mc:Fallback>
+        <mc:Fallback xmlns="">
           <p:pic>
             <p:nvPicPr>
               <p:cNvPr id="26" name="Ink 25">
@@ -20564,8 +20949,8 @@
           </p:pic>
         </mc:Fallback>
       </mc:AlternateContent>
-      <mc:AlternateContent xmlns:mc="http://schemas.openxmlformats.org/markup-compatibility/2006">
-        <mc:Choice xmlns:p14="http://schemas.microsoft.com/office/powerpoint/2010/main" Requires="p14">
+      <mc:AlternateContent xmlns:mc="http://schemas.openxmlformats.org/markup-compatibility/2006" xmlns:p14="http://schemas.microsoft.com/office/powerpoint/2010/main">
+        <mc:Choice Requires="p14">
           <p:contentPart p14:bwMode="auto" r:id="rId20">
             <p14:nvContentPartPr>
               <p14:cNvPr id="50" name="Ink 49">
@@ -20584,7 +20969,7 @@
             </p14:xfrm>
           </p:contentPart>
         </mc:Choice>
-        <mc:Fallback>
+        <mc:Fallback xmlns="">
           <p:pic>
             <p:nvPicPr>
               <p:cNvPr id="50" name="Ink 49">
@@ -20615,8 +21000,8 @@
           </p:pic>
         </mc:Fallback>
       </mc:AlternateContent>
-      <mc:AlternateContent xmlns:mc="http://schemas.openxmlformats.org/markup-compatibility/2006">
-        <mc:Choice xmlns:p14="http://schemas.microsoft.com/office/powerpoint/2010/main" Requires="p14">
+      <mc:AlternateContent xmlns:mc="http://schemas.openxmlformats.org/markup-compatibility/2006" xmlns:p14="http://schemas.microsoft.com/office/powerpoint/2010/main">
+        <mc:Choice Requires="p14">
           <p:contentPart p14:bwMode="auto" r:id="rId22">
             <p14:nvContentPartPr>
               <p14:cNvPr id="51" name="Ink 50">
@@ -20635,7 +21020,7 @@
             </p14:xfrm>
           </p:contentPart>
         </mc:Choice>
-        <mc:Fallback>
+        <mc:Fallback xmlns="">
           <p:pic>
             <p:nvPicPr>
               <p:cNvPr id="51" name="Ink 50">
@@ -20666,8 +21051,8 @@
           </p:pic>
         </mc:Fallback>
       </mc:AlternateContent>
-      <mc:AlternateContent xmlns:mc="http://schemas.openxmlformats.org/markup-compatibility/2006">
-        <mc:Choice xmlns:p14="http://schemas.microsoft.com/office/powerpoint/2010/main" Requires="p14">
+      <mc:AlternateContent xmlns:mc="http://schemas.openxmlformats.org/markup-compatibility/2006" xmlns:p14="http://schemas.microsoft.com/office/powerpoint/2010/main">
+        <mc:Choice Requires="p14">
           <p:contentPart p14:bwMode="auto" r:id="rId24">
             <p14:nvContentPartPr>
               <p14:cNvPr id="52" name="Ink 51">
@@ -20686,7 +21071,7 @@
             </p14:xfrm>
           </p:contentPart>
         </mc:Choice>
-        <mc:Fallback>
+        <mc:Fallback xmlns="">
           <p:pic>
             <p:nvPicPr>
               <p:cNvPr id="52" name="Ink 51">
@@ -20717,8 +21102,8 @@
           </p:pic>
         </mc:Fallback>
       </mc:AlternateContent>
-      <mc:AlternateContent xmlns:mc="http://schemas.openxmlformats.org/markup-compatibility/2006">
-        <mc:Choice xmlns:p14="http://schemas.microsoft.com/office/powerpoint/2010/main" Requires="p14">
+      <mc:AlternateContent xmlns:mc="http://schemas.openxmlformats.org/markup-compatibility/2006" xmlns:p14="http://schemas.microsoft.com/office/powerpoint/2010/main">
+        <mc:Choice Requires="p14">
           <p:contentPart p14:bwMode="auto" r:id="rId26">
             <p14:nvContentPartPr>
               <p14:cNvPr id="53" name="Ink 52">
@@ -20737,7 +21122,7 @@
             </p14:xfrm>
           </p:contentPart>
         </mc:Choice>
-        <mc:Fallback>
+        <mc:Fallback xmlns="">
           <p:pic>
             <p:nvPicPr>
               <p:cNvPr id="53" name="Ink 52">
@@ -20768,8 +21153,8 @@
           </p:pic>
         </mc:Fallback>
       </mc:AlternateContent>
-      <mc:AlternateContent xmlns:mc="http://schemas.openxmlformats.org/markup-compatibility/2006">
-        <mc:Choice xmlns:p14="http://schemas.microsoft.com/office/powerpoint/2010/main" Requires="p14">
+      <mc:AlternateContent xmlns:mc="http://schemas.openxmlformats.org/markup-compatibility/2006" xmlns:p14="http://schemas.microsoft.com/office/powerpoint/2010/main">
+        <mc:Choice Requires="p14">
           <p:contentPart p14:bwMode="auto" r:id="rId28">
             <p14:nvContentPartPr>
               <p14:cNvPr id="54" name="Ink 53">
@@ -20788,7 +21173,7 @@
             </p14:xfrm>
           </p:contentPart>
         </mc:Choice>
-        <mc:Fallback>
+        <mc:Fallback xmlns="">
           <p:pic>
             <p:nvPicPr>
               <p:cNvPr id="54" name="Ink 53">
@@ -20819,8 +21204,8 @@
           </p:pic>
         </mc:Fallback>
       </mc:AlternateContent>
-      <mc:AlternateContent xmlns:mc="http://schemas.openxmlformats.org/markup-compatibility/2006">
-        <mc:Choice xmlns:p14="http://schemas.microsoft.com/office/powerpoint/2010/main" Requires="p14">
+      <mc:AlternateContent xmlns:mc="http://schemas.openxmlformats.org/markup-compatibility/2006" xmlns:p14="http://schemas.microsoft.com/office/powerpoint/2010/main">
+        <mc:Choice Requires="p14">
           <p:contentPart p14:bwMode="auto" r:id="rId30">
             <p14:nvContentPartPr>
               <p14:cNvPr id="55" name="Ink 54">
@@ -20839,7 +21224,7 @@
             </p14:xfrm>
           </p:contentPart>
         </mc:Choice>
-        <mc:Fallback>
+        <mc:Fallback xmlns="">
           <p:pic>
             <p:nvPicPr>
               <p:cNvPr id="55" name="Ink 54">
@@ -20870,8 +21255,8 @@
           </p:pic>
         </mc:Fallback>
       </mc:AlternateContent>
-      <mc:AlternateContent xmlns:mc="http://schemas.openxmlformats.org/markup-compatibility/2006">
-        <mc:Choice xmlns:p14="http://schemas.microsoft.com/office/powerpoint/2010/main" Requires="p14">
+      <mc:AlternateContent xmlns:mc="http://schemas.openxmlformats.org/markup-compatibility/2006" xmlns:p14="http://schemas.microsoft.com/office/powerpoint/2010/main">
+        <mc:Choice Requires="p14">
           <p:contentPart p14:bwMode="auto" r:id="rId32">
             <p14:nvContentPartPr>
               <p14:cNvPr id="82" name="Ink 81">
@@ -20890,7 +21275,7 @@
             </p14:xfrm>
           </p:contentPart>
         </mc:Choice>
-        <mc:Fallback>
+        <mc:Fallback xmlns="">
           <p:pic>
             <p:nvPicPr>
               <p:cNvPr id="82" name="Ink 81">
@@ -20921,8 +21306,8 @@
           </p:pic>
         </mc:Fallback>
       </mc:AlternateContent>
-      <mc:AlternateContent xmlns:mc="http://schemas.openxmlformats.org/markup-compatibility/2006">
-        <mc:Choice xmlns:p14="http://schemas.microsoft.com/office/powerpoint/2010/main" Requires="p14">
+      <mc:AlternateContent xmlns:mc="http://schemas.openxmlformats.org/markup-compatibility/2006" xmlns:p14="http://schemas.microsoft.com/office/powerpoint/2010/main">
+        <mc:Choice Requires="p14">
           <p:contentPart p14:bwMode="auto" r:id="rId34">
             <p14:nvContentPartPr>
               <p14:cNvPr id="91" name="Ink 90">
@@ -20941,7 +21326,7 @@
             </p14:xfrm>
           </p:contentPart>
         </mc:Choice>
-        <mc:Fallback>
+        <mc:Fallback xmlns="">
           <p:pic>
             <p:nvPicPr>
               <p:cNvPr id="91" name="Ink 90">
@@ -20972,8 +21357,8 @@
           </p:pic>
         </mc:Fallback>
       </mc:AlternateContent>
-      <mc:AlternateContent xmlns:mc="http://schemas.openxmlformats.org/markup-compatibility/2006">
-        <mc:Choice xmlns:p14="http://schemas.microsoft.com/office/powerpoint/2010/main" Requires="p14">
+      <mc:AlternateContent xmlns:mc="http://schemas.openxmlformats.org/markup-compatibility/2006" xmlns:p14="http://schemas.microsoft.com/office/powerpoint/2010/main">
+        <mc:Choice Requires="p14">
           <p:contentPart p14:bwMode="auto" r:id="rId36">
             <p14:nvContentPartPr>
               <p14:cNvPr id="92" name="Ink 91">
@@ -20992,7 +21377,7 @@
             </p14:xfrm>
           </p:contentPart>
         </mc:Choice>
-        <mc:Fallback>
+        <mc:Fallback xmlns="">
           <p:pic>
             <p:nvPicPr>
               <p:cNvPr id="92" name="Ink 91">
@@ -21023,8 +21408,8 @@
           </p:pic>
         </mc:Fallback>
       </mc:AlternateContent>
-      <mc:AlternateContent xmlns:mc="http://schemas.openxmlformats.org/markup-compatibility/2006">
-        <mc:Choice xmlns:p14="http://schemas.microsoft.com/office/powerpoint/2010/main" Requires="p14">
+      <mc:AlternateContent xmlns:mc="http://schemas.openxmlformats.org/markup-compatibility/2006" xmlns:p14="http://schemas.microsoft.com/office/powerpoint/2010/main">
+        <mc:Choice Requires="p14">
           <p:contentPart p14:bwMode="auto" r:id="rId38">
             <p14:nvContentPartPr>
               <p14:cNvPr id="130" name="Ink 129">
@@ -21043,7 +21428,7 @@
             </p14:xfrm>
           </p:contentPart>
         </mc:Choice>
-        <mc:Fallback>
+        <mc:Fallback xmlns="">
           <p:pic>
             <p:nvPicPr>
               <p:cNvPr id="130" name="Ink 129">
@@ -21074,8 +21459,8 @@
           </p:pic>
         </mc:Fallback>
       </mc:AlternateContent>
-      <mc:AlternateContent xmlns:mc="http://schemas.openxmlformats.org/markup-compatibility/2006">
-        <mc:Choice xmlns:p14="http://schemas.microsoft.com/office/powerpoint/2010/main" Requires="p14">
+      <mc:AlternateContent xmlns:mc="http://schemas.openxmlformats.org/markup-compatibility/2006" xmlns:p14="http://schemas.microsoft.com/office/powerpoint/2010/main">
+        <mc:Choice Requires="p14">
           <p:contentPart p14:bwMode="auto" r:id="rId40">
             <p14:nvContentPartPr>
               <p14:cNvPr id="147" name="Ink 146">
@@ -21094,7 +21479,7 @@
             </p14:xfrm>
           </p:contentPart>
         </mc:Choice>
-        <mc:Fallback>
+        <mc:Fallback xmlns="">
           <p:pic>
             <p:nvPicPr>
               <p:cNvPr id="147" name="Ink 146">
@@ -21125,8 +21510,8 @@
           </p:pic>
         </mc:Fallback>
       </mc:AlternateContent>
-      <mc:AlternateContent xmlns:mc="http://schemas.openxmlformats.org/markup-compatibility/2006">
-        <mc:Choice xmlns:p14="http://schemas.microsoft.com/office/powerpoint/2010/main" Requires="p14">
+      <mc:AlternateContent xmlns:mc="http://schemas.openxmlformats.org/markup-compatibility/2006" xmlns:p14="http://schemas.microsoft.com/office/powerpoint/2010/main">
+        <mc:Choice Requires="p14">
           <p:contentPart p14:bwMode="auto" r:id="rId42">
             <p14:nvContentPartPr>
               <p14:cNvPr id="149" name="Ink 148">
@@ -21145,7 +21530,7 @@
             </p14:xfrm>
           </p:contentPart>
         </mc:Choice>
-        <mc:Fallback>
+        <mc:Fallback xmlns="">
           <p:pic>
             <p:nvPicPr>
               <p:cNvPr id="149" name="Ink 148">
@@ -21196,8 +21581,8 @@
             <a:chExt cx="6393240" cy="4405680"/>
           </a:xfrm>
         </p:grpSpPr>
-        <mc:AlternateContent xmlns:mc="http://schemas.openxmlformats.org/markup-compatibility/2006">
-          <mc:Choice xmlns:p14="http://schemas.microsoft.com/office/powerpoint/2010/main" Requires="p14">
+        <mc:AlternateContent xmlns:mc="http://schemas.openxmlformats.org/markup-compatibility/2006" xmlns:p14="http://schemas.microsoft.com/office/powerpoint/2010/main">
+          <mc:Choice Requires="p14">
             <p:contentPart p14:bwMode="auto" r:id="rId44">
               <p14:nvContentPartPr>
                 <p14:cNvPr id="103" name="Ink 102">
@@ -21216,7 +21601,7 @@
               </p14:xfrm>
             </p:contentPart>
           </mc:Choice>
-          <mc:Fallback>
+          <mc:Fallback xmlns="">
             <p:pic>
               <p:nvPicPr>
                 <p:cNvPr id="103" name="Ink 102">
@@ -21247,8 +21632,8 @@
             </p:pic>
           </mc:Fallback>
         </mc:AlternateContent>
-        <mc:AlternateContent xmlns:mc="http://schemas.openxmlformats.org/markup-compatibility/2006">
-          <mc:Choice xmlns:p14="http://schemas.microsoft.com/office/powerpoint/2010/main" Requires="p14">
+        <mc:AlternateContent xmlns:mc="http://schemas.openxmlformats.org/markup-compatibility/2006" xmlns:p14="http://schemas.microsoft.com/office/powerpoint/2010/main">
+          <mc:Choice Requires="p14">
             <p:contentPart p14:bwMode="auto" r:id="rId46">
               <p14:nvContentPartPr>
                 <p14:cNvPr id="104" name="Ink 103">
@@ -21267,7 +21652,7 @@
               </p14:xfrm>
             </p:contentPart>
           </mc:Choice>
-          <mc:Fallback>
+          <mc:Fallback xmlns="">
             <p:pic>
               <p:nvPicPr>
                 <p:cNvPr id="104" name="Ink 103">
@@ -21298,8 +21683,8 @@
             </p:pic>
           </mc:Fallback>
         </mc:AlternateContent>
-        <mc:AlternateContent xmlns:mc="http://schemas.openxmlformats.org/markup-compatibility/2006">
-          <mc:Choice xmlns:p14="http://schemas.microsoft.com/office/powerpoint/2010/main" Requires="p14">
+        <mc:AlternateContent xmlns:mc="http://schemas.openxmlformats.org/markup-compatibility/2006" xmlns:p14="http://schemas.microsoft.com/office/powerpoint/2010/main">
+          <mc:Choice Requires="p14">
             <p:contentPart p14:bwMode="auto" r:id="rId48">
               <p14:nvContentPartPr>
                 <p14:cNvPr id="105" name="Ink 104">
@@ -21318,7 +21703,7 @@
               </p14:xfrm>
             </p:contentPart>
           </mc:Choice>
-          <mc:Fallback>
+          <mc:Fallback xmlns="">
             <p:pic>
               <p:nvPicPr>
                 <p:cNvPr id="105" name="Ink 104">
@@ -21349,8 +21734,8 @@
             </p:pic>
           </mc:Fallback>
         </mc:AlternateContent>
-        <mc:AlternateContent xmlns:mc="http://schemas.openxmlformats.org/markup-compatibility/2006">
-          <mc:Choice xmlns:p14="http://schemas.microsoft.com/office/powerpoint/2010/main" Requires="p14">
+        <mc:AlternateContent xmlns:mc="http://schemas.openxmlformats.org/markup-compatibility/2006" xmlns:p14="http://schemas.microsoft.com/office/powerpoint/2010/main">
+          <mc:Choice Requires="p14">
             <p:contentPart p14:bwMode="auto" r:id="rId50">
               <p14:nvContentPartPr>
                 <p14:cNvPr id="106" name="Ink 105">
@@ -21369,7 +21754,7 @@
               </p14:xfrm>
             </p:contentPart>
           </mc:Choice>
-          <mc:Fallback>
+          <mc:Fallback xmlns="">
             <p:pic>
               <p:nvPicPr>
                 <p:cNvPr id="106" name="Ink 105">
@@ -21400,8 +21785,8 @@
             </p:pic>
           </mc:Fallback>
         </mc:AlternateContent>
-        <mc:AlternateContent xmlns:mc="http://schemas.openxmlformats.org/markup-compatibility/2006">
-          <mc:Choice xmlns:p14="http://schemas.microsoft.com/office/powerpoint/2010/main" Requires="p14">
+        <mc:AlternateContent xmlns:mc="http://schemas.openxmlformats.org/markup-compatibility/2006" xmlns:p14="http://schemas.microsoft.com/office/powerpoint/2010/main">
+          <mc:Choice Requires="p14">
             <p:contentPart p14:bwMode="auto" r:id="rId52">
               <p14:nvContentPartPr>
                 <p14:cNvPr id="107" name="Ink 106">
@@ -21420,7 +21805,7 @@
               </p14:xfrm>
             </p:contentPart>
           </mc:Choice>
-          <mc:Fallback>
+          <mc:Fallback xmlns="">
             <p:pic>
               <p:nvPicPr>
                 <p:cNvPr id="107" name="Ink 106">
@@ -21451,8 +21836,8 @@
             </p:pic>
           </mc:Fallback>
         </mc:AlternateContent>
-        <mc:AlternateContent xmlns:mc="http://schemas.openxmlformats.org/markup-compatibility/2006">
-          <mc:Choice xmlns:p14="http://schemas.microsoft.com/office/powerpoint/2010/main" Requires="p14">
+        <mc:AlternateContent xmlns:mc="http://schemas.openxmlformats.org/markup-compatibility/2006" xmlns:p14="http://schemas.microsoft.com/office/powerpoint/2010/main">
+          <mc:Choice Requires="p14">
             <p:contentPart p14:bwMode="auto" r:id="rId54">
               <p14:nvContentPartPr>
                 <p14:cNvPr id="108" name="Ink 107">
@@ -21471,7 +21856,7 @@
               </p14:xfrm>
             </p:contentPart>
           </mc:Choice>
-          <mc:Fallback>
+          <mc:Fallback xmlns="">
             <p:pic>
               <p:nvPicPr>
                 <p:cNvPr id="108" name="Ink 107">
@@ -21502,8 +21887,8 @@
             </p:pic>
           </mc:Fallback>
         </mc:AlternateContent>
-        <mc:AlternateContent xmlns:mc="http://schemas.openxmlformats.org/markup-compatibility/2006">
-          <mc:Choice xmlns:p14="http://schemas.microsoft.com/office/powerpoint/2010/main" Requires="p14">
+        <mc:AlternateContent xmlns:mc="http://schemas.openxmlformats.org/markup-compatibility/2006" xmlns:p14="http://schemas.microsoft.com/office/powerpoint/2010/main">
+          <mc:Choice Requires="p14">
             <p:contentPart p14:bwMode="auto" r:id="rId56">
               <p14:nvContentPartPr>
                 <p14:cNvPr id="109" name="Ink 108">
@@ -21522,7 +21907,7 @@
               </p14:xfrm>
             </p:contentPart>
           </mc:Choice>
-          <mc:Fallback>
+          <mc:Fallback xmlns="">
             <p:pic>
               <p:nvPicPr>
                 <p:cNvPr id="109" name="Ink 108">
@@ -21553,8 +21938,8 @@
             </p:pic>
           </mc:Fallback>
         </mc:AlternateContent>
-        <mc:AlternateContent xmlns:mc="http://schemas.openxmlformats.org/markup-compatibility/2006">
-          <mc:Choice xmlns:p14="http://schemas.microsoft.com/office/powerpoint/2010/main" Requires="p14">
+        <mc:AlternateContent xmlns:mc="http://schemas.openxmlformats.org/markup-compatibility/2006" xmlns:p14="http://schemas.microsoft.com/office/powerpoint/2010/main">
+          <mc:Choice Requires="p14">
             <p:contentPart p14:bwMode="auto" r:id="rId58">
               <p14:nvContentPartPr>
                 <p14:cNvPr id="110" name="Ink 109">
@@ -21573,7 +21958,7 @@
               </p14:xfrm>
             </p:contentPart>
           </mc:Choice>
-          <mc:Fallback>
+          <mc:Fallback xmlns="">
             <p:pic>
               <p:nvPicPr>
                 <p:cNvPr id="110" name="Ink 109">
@@ -21604,8 +21989,8 @@
             </p:pic>
           </mc:Fallback>
         </mc:AlternateContent>
-        <mc:AlternateContent xmlns:mc="http://schemas.openxmlformats.org/markup-compatibility/2006">
-          <mc:Choice xmlns:p14="http://schemas.microsoft.com/office/powerpoint/2010/main" Requires="p14">
+        <mc:AlternateContent xmlns:mc="http://schemas.openxmlformats.org/markup-compatibility/2006" xmlns:p14="http://schemas.microsoft.com/office/powerpoint/2010/main">
+          <mc:Choice Requires="p14">
             <p:contentPart p14:bwMode="auto" r:id="rId60">
               <p14:nvContentPartPr>
                 <p14:cNvPr id="112" name="Ink 111">
@@ -21624,7 +22009,7 @@
               </p14:xfrm>
             </p:contentPart>
           </mc:Choice>
-          <mc:Fallback>
+          <mc:Fallback xmlns="">
             <p:pic>
               <p:nvPicPr>
                 <p:cNvPr id="112" name="Ink 111">
@@ -21655,8 +22040,8 @@
             </p:pic>
           </mc:Fallback>
         </mc:AlternateContent>
-        <mc:AlternateContent xmlns:mc="http://schemas.openxmlformats.org/markup-compatibility/2006">
-          <mc:Choice xmlns:p14="http://schemas.microsoft.com/office/powerpoint/2010/main" Requires="p14">
+        <mc:AlternateContent xmlns:mc="http://schemas.openxmlformats.org/markup-compatibility/2006" xmlns:p14="http://schemas.microsoft.com/office/powerpoint/2010/main">
+          <mc:Choice Requires="p14">
             <p:contentPart p14:bwMode="auto" r:id="rId62">
               <p14:nvContentPartPr>
                 <p14:cNvPr id="113" name="Ink 112">
@@ -21675,7 +22060,7 @@
               </p14:xfrm>
             </p:contentPart>
           </mc:Choice>
-          <mc:Fallback>
+          <mc:Fallback xmlns="">
             <p:pic>
               <p:nvPicPr>
                 <p:cNvPr id="113" name="Ink 112">
@@ -21706,8 +22091,8 @@
             </p:pic>
           </mc:Fallback>
         </mc:AlternateContent>
-        <mc:AlternateContent xmlns:mc="http://schemas.openxmlformats.org/markup-compatibility/2006">
-          <mc:Choice xmlns:p14="http://schemas.microsoft.com/office/powerpoint/2010/main" Requires="p14">
+        <mc:AlternateContent xmlns:mc="http://schemas.openxmlformats.org/markup-compatibility/2006" xmlns:p14="http://schemas.microsoft.com/office/powerpoint/2010/main">
+          <mc:Choice Requires="p14">
             <p:contentPart p14:bwMode="auto" r:id="rId64">
               <p14:nvContentPartPr>
                 <p14:cNvPr id="114" name="Ink 113">
@@ -21726,7 +22111,7 @@
               </p14:xfrm>
             </p:contentPart>
           </mc:Choice>
-          <mc:Fallback>
+          <mc:Fallback xmlns="">
             <p:pic>
               <p:nvPicPr>
                 <p:cNvPr id="114" name="Ink 113">
@@ -21757,8 +22142,8 @@
             </p:pic>
           </mc:Fallback>
         </mc:AlternateContent>
-        <mc:AlternateContent xmlns:mc="http://schemas.openxmlformats.org/markup-compatibility/2006">
-          <mc:Choice xmlns:p14="http://schemas.microsoft.com/office/powerpoint/2010/main" Requires="p14">
+        <mc:AlternateContent xmlns:mc="http://schemas.openxmlformats.org/markup-compatibility/2006" xmlns:p14="http://schemas.microsoft.com/office/powerpoint/2010/main">
+          <mc:Choice Requires="p14">
             <p:contentPart p14:bwMode="auto" r:id="rId66">
               <p14:nvContentPartPr>
                 <p14:cNvPr id="115" name="Ink 114">
@@ -21777,7 +22162,7 @@
               </p14:xfrm>
             </p:contentPart>
           </mc:Choice>
-          <mc:Fallback>
+          <mc:Fallback xmlns="">
             <p:pic>
               <p:nvPicPr>
                 <p:cNvPr id="115" name="Ink 114">
@@ -21808,8 +22193,8 @@
             </p:pic>
           </mc:Fallback>
         </mc:AlternateContent>
-        <mc:AlternateContent xmlns:mc="http://schemas.openxmlformats.org/markup-compatibility/2006">
-          <mc:Choice xmlns:p14="http://schemas.microsoft.com/office/powerpoint/2010/main" Requires="p14">
+        <mc:AlternateContent xmlns:mc="http://schemas.openxmlformats.org/markup-compatibility/2006" xmlns:p14="http://schemas.microsoft.com/office/powerpoint/2010/main">
+          <mc:Choice Requires="p14">
             <p:contentPart p14:bwMode="auto" r:id="rId68">
               <p14:nvContentPartPr>
                 <p14:cNvPr id="117" name="Ink 116">
@@ -21828,7 +22213,7 @@
               </p14:xfrm>
             </p:contentPart>
           </mc:Choice>
-          <mc:Fallback>
+          <mc:Fallback xmlns="">
             <p:pic>
               <p:nvPicPr>
                 <p:cNvPr id="117" name="Ink 116">
@@ -21859,8 +22244,8 @@
             </p:pic>
           </mc:Fallback>
         </mc:AlternateContent>
-        <mc:AlternateContent xmlns:mc="http://schemas.openxmlformats.org/markup-compatibility/2006">
-          <mc:Choice xmlns:p14="http://schemas.microsoft.com/office/powerpoint/2010/main" Requires="p14">
+        <mc:AlternateContent xmlns:mc="http://schemas.openxmlformats.org/markup-compatibility/2006" xmlns:p14="http://schemas.microsoft.com/office/powerpoint/2010/main">
+          <mc:Choice Requires="p14">
             <p:contentPart p14:bwMode="auto" r:id="rId70">
               <p14:nvContentPartPr>
                 <p14:cNvPr id="118" name="Ink 117">
@@ -21879,7 +22264,7 @@
               </p14:xfrm>
             </p:contentPart>
           </mc:Choice>
-          <mc:Fallback>
+          <mc:Fallback xmlns="">
             <p:pic>
               <p:nvPicPr>
                 <p:cNvPr id="118" name="Ink 117">
@@ -21910,8 +22295,8 @@
             </p:pic>
           </mc:Fallback>
         </mc:AlternateContent>
-        <mc:AlternateContent xmlns:mc="http://schemas.openxmlformats.org/markup-compatibility/2006">
-          <mc:Choice xmlns:p14="http://schemas.microsoft.com/office/powerpoint/2010/main" Requires="p14">
+        <mc:AlternateContent xmlns:mc="http://schemas.openxmlformats.org/markup-compatibility/2006" xmlns:p14="http://schemas.microsoft.com/office/powerpoint/2010/main">
+          <mc:Choice Requires="p14">
             <p:contentPart p14:bwMode="auto" r:id="rId72">
               <p14:nvContentPartPr>
                 <p14:cNvPr id="119" name="Ink 118">
@@ -21930,7 +22315,7 @@
               </p14:xfrm>
             </p:contentPart>
           </mc:Choice>
-          <mc:Fallback>
+          <mc:Fallback xmlns="">
             <p:pic>
               <p:nvPicPr>
                 <p:cNvPr id="119" name="Ink 118">
@@ -21961,8 +22346,8 @@
             </p:pic>
           </mc:Fallback>
         </mc:AlternateContent>
-        <mc:AlternateContent xmlns:mc="http://schemas.openxmlformats.org/markup-compatibility/2006">
-          <mc:Choice xmlns:p14="http://schemas.microsoft.com/office/powerpoint/2010/main" Requires="p14">
+        <mc:AlternateContent xmlns:mc="http://schemas.openxmlformats.org/markup-compatibility/2006" xmlns:p14="http://schemas.microsoft.com/office/powerpoint/2010/main">
+          <mc:Choice Requires="p14">
             <p:contentPart p14:bwMode="auto" r:id="rId74">
               <p14:nvContentPartPr>
                 <p14:cNvPr id="120" name="Ink 119">
@@ -21981,7 +22366,7 @@
               </p14:xfrm>
             </p:contentPart>
           </mc:Choice>
-          <mc:Fallback>
+          <mc:Fallback xmlns="">
             <p:pic>
               <p:nvPicPr>
                 <p:cNvPr id="120" name="Ink 119">
@@ -22012,8 +22397,8 @@
             </p:pic>
           </mc:Fallback>
         </mc:AlternateContent>
-        <mc:AlternateContent xmlns:mc="http://schemas.openxmlformats.org/markup-compatibility/2006">
-          <mc:Choice xmlns:p14="http://schemas.microsoft.com/office/powerpoint/2010/main" Requires="p14">
+        <mc:AlternateContent xmlns:mc="http://schemas.openxmlformats.org/markup-compatibility/2006" xmlns:p14="http://schemas.microsoft.com/office/powerpoint/2010/main">
+          <mc:Choice Requires="p14">
             <p:contentPart p14:bwMode="auto" r:id="rId76">
               <p14:nvContentPartPr>
                 <p14:cNvPr id="121" name="Ink 120">
@@ -22032,7 +22417,7 @@
               </p14:xfrm>
             </p:contentPart>
           </mc:Choice>
-          <mc:Fallback>
+          <mc:Fallback xmlns="">
             <p:pic>
               <p:nvPicPr>
                 <p:cNvPr id="121" name="Ink 120">
@@ -22063,8 +22448,8 @@
             </p:pic>
           </mc:Fallback>
         </mc:AlternateContent>
-        <mc:AlternateContent xmlns:mc="http://schemas.openxmlformats.org/markup-compatibility/2006">
-          <mc:Choice xmlns:p14="http://schemas.microsoft.com/office/powerpoint/2010/main" Requires="p14">
+        <mc:AlternateContent xmlns:mc="http://schemas.openxmlformats.org/markup-compatibility/2006" xmlns:p14="http://schemas.microsoft.com/office/powerpoint/2010/main">
+          <mc:Choice Requires="p14">
             <p:contentPart p14:bwMode="auto" r:id="rId78">
               <p14:nvContentPartPr>
                 <p14:cNvPr id="123" name="Ink 122">
@@ -22083,7 +22468,7 @@
               </p14:xfrm>
             </p:contentPart>
           </mc:Choice>
-          <mc:Fallback>
+          <mc:Fallback xmlns="">
             <p:pic>
               <p:nvPicPr>
                 <p:cNvPr id="123" name="Ink 122">
@@ -22114,8 +22499,8 @@
             </p:pic>
           </mc:Fallback>
         </mc:AlternateContent>
-        <mc:AlternateContent xmlns:mc="http://schemas.openxmlformats.org/markup-compatibility/2006">
-          <mc:Choice xmlns:p14="http://schemas.microsoft.com/office/powerpoint/2010/main" Requires="p14">
+        <mc:AlternateContent xmlns:mc="http://schemas.openxmlformats.org/markup-compatibility/2006" xmlns:p14="http://schemas.microsoft.com/office/powerpoint/2010/main">
+          <mc:Choice Requires="p14">
             <p:contentPart p14:bwMode="auto" r:id="rId80">
               <p14:nvContentPartPr>
                 <p14:cNvPr id="124" name="Ink 123">
@@ -22134,7 +22519,7 @@
               </p14:xfrm>
             </p:contentPart>
           </mc:Choice>
-          <mc:Fallback>
+          <mc:Fallback xmlns="">
             <p:pic>
               <p:nvPicPr>
                 <p:cNvPr id="124" name="Ink 123">
@@ -22165,8 +22550,8 @@
             </p:pic>
           </mc:Fallback>
         </mc:AlternateContent>
-        <mc:AlternateContent xmlns:mc="http://schemas.openxmlformats.org/markup-compatibility/2006">
-          <mc:Choice xmlns:p14="http://schemas.microsoft.com/office/powerpoint/2010/main" Requires="p14">
+        <mc:AlternateContent xmlns:mc="http://schemas.openxmlformats.org/markup-compatibility/2006" xmlns:p14="http://schemas.microsoft.com/office/powerpoint/2010/main">
+          <mc:Choice Requires="p14">
             <p:contentPart p14:bwMode="auto" r:id="rId82">
               <p14:nvContentPartPr>
                 <p14:cNvPr id="125" name="Ink 124">
@@ -22185,7 +22570,7 @@
               </p14:xfrm>
             </p:contentPart>
           </mc:Choice>
-          <mc:Fallback>
+          <mc:Fallback xmlns="">
             <p:pic>
               <p:nvPicPr>
                 <p:cNvPr id="125" name="Ink 124">
@@ -22216,8 +22601,8 @@
             </p:pic>
           </mc:Fallback>
         </mc:AlternateContent>
-        <mc:AlternateContent xmlns:mc="http://schemas.openxmlformats.org/markup-compatibility/2006">
-          <mc:Choice xmlns:p14="http://schemas.microsoft.com/office/powerpoint/2010/main" Requires="p14">
+        <mc:AlternateContent xmlns:mc="http://schemas.openxmlformats.org/markup-compatibility/2006" xmlns:p14="http://schemas.microsoft.com/office/powerpoint/2010/main">
+          <mc:Choice Requires="p14">
             <p:contentPart p14:bwMode="auto" r:id="rId84">
               <p14:nvContentPartPr>
                 <p14:cNvPr id="127" name="Ink 126">
@@ -22236,7 +22621,7 @@
               </p14:xfrm>
             </p:contentPart>
           </mc:Choice>
-          <mc:Fallback>
+          <mc:Fallback xmlns="">
             <p:pic>
               <p:nvPicPr>
                 <p:cNvPr id="127" name="Ink 126">
@@ -22267,8 +22652,8 @@
             </p:pic>
           </mc:Fallback>
         </mc:AlternateContent>
-        <mc:AlternateContent xmlns:mc="http://schemas.openxmlformats.org/markup-compatibility/2006">
-          <mc:Choice xmlns:p14="http://schemas.microsoft.com/office/powerpoint/2010/main" Requires="p14">
+        <mc:AlternateContent xmlns:mc="http://schemas.openxmlformats.org/markup-compatibility/2006" xmlns:p14="http://schemas.microsoft.com/office/powerpoint/2010/main">
+          <mc:Choice Requires="p14">
             <p:contentPart p14:bwMode="auto" r:id="rId86">
               <p14:nvContentPartPr>
                 <p14:cNvPr id="128" name="Ink 127">
@@ -22287,7 +22672,7 @@
               </p14:xfrm>
             </p:contentPart>
           </mc:Choice>
-          <mc:Fallback>
+          <mc:Fallback xmlns="">
             <p:pic>
               <p:nvPicPr>
                 <p:cNvPr id="128" name="Ink 127">
@@ -22318,8 +22703,8 @@
             </p:pic>
           </mc:Fallback>
         </mc:AlternateContent>
-        <mc:AlternateContent xmlns:mc="http://schemas.openxmlformats.org/markup-compatibility/2006">
-          <mc:Choice xmlns:p14="http://schemas.microsoft.com/office/powerpoint/2010/main" Requires="p14">
+        <mc:AlternateContent xmlns:mc="http://schemas.openxmlformats.org/markup-compatibility/2006" xmlns:p14="http://schemas.microsoft.com/office/powerpoint/2010/main">
+          <mc:Choice Requires="p14">
             <p:contentPart p14:bwMode="auto" r:id="rId88">
               <p14:nvContentPartPr>
                 <p14:cNvPr id="151" name="Ink 150">
@@ -22338,7 +22723,7 @@
               </p14:xfrm>
             </p:contentPart>
           </mc:Choice>
-          <mc:Fallback>
+          <mc:Fallback xmlns="">
             <p:pic>
               <p:nvPicPr>
                 <p:cNvPr id="151" name="Ink 150">
@@ -22369,8 +22754,8 @@
             </p:pic>
           </mc:Fallback>
         </mc:AlternateContent>
-        <mc:AlternateContent xmlns:mc="http://schemas.openxmlformats.org/markup-compatibility/2006">
-          <mc:Choice xmlns:p14="http://schemas.microsoft.com/office/powerpoint/2010/main" Requires="p14">
+        <mc:AlternateContent xmlns:mc="http://schemas.openxmlformats.org/markup-compatibility/2006" xmlns:p14="http://schemas.microsoft.com/office/powerpoint/2010/main">
+          <mc:Choice Requires="p14">
             <p:contentPart p14:bwMode="auto" r:id="rId90">
               <p14:nvContentPartPr>
                 <p14:cNvPr id="152" name="Ink 151">
@@ -22389,7 +22774,7 @@
               </p14:xfrm>
             </p:contentPart>
           </mc:Choice>
-          <mc:Fallback>
+          <mc:Fallback xmlns="">
             <p:pic>
               <p:nvPicPr>
                 <p:cNvPr id="152" name="Ink 151">
@@ -22420,8 +22805,8 @@
             </p:pic>
           </mc:Fallback>
         </mc:AlternateContent>
-        <mc:AlternateContent xmlns:mc="http://schemas.openxmlformats.org/markup-compatibility/2006">
-          <mc:Choice xmlns:p14="http://schemas.microsoft.com/office/powerpoint/2010/main" Requires="p14">
+        <mc:AlternateContent xmlns:mc="http://schemas.openxmlformats.org/markup-compatibility/2006" xmlns:p14="http://schemas.microsoft.com/office/powerpoint/2010/main">
+          <mc:Choice Requires="p14">
             <p:contentPart p14:bwMode="auto" r:id="rId92">
               <p14:nvContentPartPr>
                 <p14:cNvPr id="153" name="Ink 152">
@@ -22440,7 +22825,7 @@
               </p14:xfrm>
             </p:contentPart>
           </mc:Choice>
-          <mc:Fallback>
+          <mc:Fallback xmlns="">
             <p:pic>
               <p:nvPicPr>
                 <p:cNvPr id="153" name="Ink 152">
@@ -22471,8 +22856,8 @@
             </p:pic>
           </mc:Fallback>
         </mc:AlternateContent>
-        <mc:AlternateContent xmlns:mc="http://schemas.openxmlformats.org/markup-compatibility/2006">
-          <mc:Choice xmlns:p14="http://schemas.microsoft.com/office/powerpoint/2010/main" Requires="p14">
+        <mc:AlternateContent xmlns:mc="http://schemas.openxmlformats.org/markup-compatibility/2006" xmlns:p14="http://schemas.microsoft.com/office/powerpoint/2010/main">
+          <mc:Choice Requires="p14">
             <p:contentPart p14:bwMode="auto" r:id="rId94">
               <p14:nvContentPartPr>
                 <p14:cNvPr id="155" name="Ink 154">
@@ -22491,7 +22876,7 @@
               </p14:xfrm>
             </p:contentPart>
           </mc:Choice>
-          <mc:Fallback>
+          <mc:Fallback xmlns="">
             <p:pic>
               <p:nvPicPr>
                 <p:cNvPr id="155" name="Ink 154">
@@ -22522,8 +22907,8 @@
             </p:pic>
           </mc:Fallback>
         </mc:AlternateContent>
-        <mc:AlternateContent xmlns:mc="http://schemas.openxmlformats.org/markup-compatibility/2006">
-          <mc:Choice xmlns:p14="http://schemas.microsoft.com/office/powerpoint/2010/main" Requires="p14">
+        <mc:AlternateContent xmlns:mc="http://schemas.openxmlformats.org/markup-compatibility/2006" xmlns:p14="http://schemas.microsoft.com/office/powerpoint/2010/main">
+          <mc:Choice Requires="p14">
             <p:contentPart p14:bwMode="auto" r:id="rId96">
               <p14:nvContentPartPr>
                 <p14:cNvPr id="156" name="Ink 155">
@@ -22542,7 +22927,7 @@
               </p14:xfrm>
             </p:contentPart>
           </mc:Choice>
-          <mc:Fallback>
+          <mc:Fallback xmlns="">
             <p:pic>
               <p:nvPicPr>
                 <p:cNvPr id="156" name="Ink 155">
@@ -22573,8 +22958,8 @@
             </p:pic>
           </mc:Fallback>
         </mc:AlternateContent>
-        <mc:AlternateContent xmlns:mc="http://schemas.openxmlformats.org/markup-compatibility/2006">
-          <mc:Choice xmlns:p14="http://schemas.microsoft.com/office/powerpoint/2010/main" Requires="p14">
+        <mc:AlternateContent xmlns:mc="http://schemas.openxmlformats.org/markup-compatibility/2006" xmlns:p14="http://schemas.microsoft.com/office/powerpoint/2010/main">
+          <mc:Choice Requires="p14">
             <p:contentPart p14:bwMode="auto" r:id="rId98">
               <p14:nvContentPartPr>
                 <p14:cNvPr id="157" name="Ink 156">
@@ -22593,7 +22978,7 @@
               </p14:xfrm>
             </p:contentPart>
           </mc:Choice>
-          <mc:Fallback>
+          <mc:Fallback xmlns="">
             <p:pic>
               <p:nvPicPr>
                 <p:cNvPr id="157" name="Ink 156">
@@ -22624,8 +23009,8 @@
             </p:pic>
           </mc:Fallback>
         </mc:AlternateContent>
-        <mc:AlternateContent xmlns:mc="http://schemas.openxmlformats.org/markup-compatibility/2006">
-          <mc:Choice xmlns:p14="http://schemas.microsoft.com/office/powerpoint/2010/main" Requires="p14">
+        <mc:AlternateContent xmlns:mc="http://schemas.openxmlformats.org/markup-compatibility/2006" xmlns:p14="http://schemas.microsoft.com/office/powerpoint/2010/main">
+          <mc:Choice Requires="p14">
             <p:contentPart p14:bwMode="auto" r:id="rId100">
               <p14:nvContentPartPr>
                 <p14:cNvPr id="158" name="Ink 157">
@@ -22644,7 +23029,7 @@
               </p14:xfrm>
             </p:contentPart>
           </mc:Choice>
-          <mc:Fallback>
+          <mc:Fallback xmlns="">
             <p:pic>
               <p:nvPicPr>
                 <p:cNvPr id="158" name="Ink 157">
@@ -22675,8 +23060,8 @@
             </p:pic>
           </mc:Fallback>
         </mc:AlternateContent>
-        <mc:AlternateContent xmlns:mc="http://schemas.openxmlformats.org/markup-compatibility/2006">
-          <mc:Choice xmlns:p14="http://schemas.microsoft.com/office/powerpoint/2010/main" Requires="p14">
+        <mc:AlternateContent xmlns:mc="http://schemas.openxmlformats.org/markup-compatibility/2006" xmlns:p14="http://schemas.microsoft.com/office/powerpoint/2010/main">
+          <mc:Choice Requires="p14">
             <p:contentPart p14:bwMode="auto" r:id="rId102">
               <p14:nvContentPartPr>
                 <p14:cNvPr id="160" name="Ink 159">
@@ -22695,7 +23080,7 @@
               </p14:xfrm>
             </p:contentPart>
           </mc:Choice>
-          <mc:Fallback>
+          <mc:Fallback xmlns="">
             <p:pic>
               <p:nvPicPr>
                 <p:cNvPr id="160" name="Ink 159">
@@ -22747,8 +23132,8 @@
             <a:chExt cx="6580440" cy="4456440"/>
           </a:xfrm>
         </p:grpSpPr>
-        <mc:AlternateContent xmlns:mc="http://schemas.openxmlformats.org/markup-compatibility/2006">
-          <mc:Choice xmlns:p14="http://schemas.microsoft.com/office/powerpoint/2010/main" Requires="p14">
+        <mc:AlternateContent xmlns:mc="http://schemas.openxmlformats.org/markup-compatibility/2006" xmlns:p14="http://schemas.microsoft.com/office/powerpoint/2010/main">
+          <mc:Choice Requires="p14">
             <p:contentPart p14:bwMode="auto" r:id="rId104">
               <p14:nvContentPartPr>
                 <p14:cNvPr id="131" name="Ink 130">
@@ -22767,7 +23152,7 @@
               </p14:xfrm>
             </p:contentPart>
           </mc:Choice>
-          <mc:Fallback>
+          <mc:Fallback xmlns="">
             <p:pic>
               <p:nvPicPr>
                 <p:cNvPr id="131" name="Ink 130">
@@ -22798,8 +23183,8 @@
             </p:pic>
           </mc:Fallback>
         </mc:AlternateContent>
-        <mc:AlternateContent xmlns:mc="http://schemas.openxmlformats.org/markup-compatibility/2006">
-          <mc:Choice xmlns:p14="http://schemas.microsoft.com/office/powerpoint/2010/main" Requires="p14">
+        <mc:AlternateContent xmlns:mc="http://schemas.openxmlformats.org/markup-compatibility/2006" xmlns:p14="http://schemas.microsoft.com/office/powerpoint/2010/main">
+          <mc:Choice Requires="p14">
             <p:contentPart p14:bwMode="auto" r:id="rId106">
               <p14:nvContentPartPr>
                 <p14:cNvPr id="132" name="Ink 131">
@@ -22818,7 +23203,7 @@
               </p14:xfrm>
             </p:contentPart>
           </mc:Choice>
-          <mc:Fallback>
+          <mc:Fallback xmlns="">
             <p:pic>
               <p:nvPicPr>
                 <p:cNvPr id="132" name="Ink 131">
@@ -22849,8 +23234,8 @@
             </p:pic>
           </mc:Fallback>
         </mc:AlternateContent>
-        <mc:AlternateContent xmlns:mc="http://schemas.openxmlformats.org/markup-compatibility/2006">
-          <mc:Choice xmlns:p14="http://schemas.microsoft.com/office/powerpoint/2010/main" Requires="p14">
+        <mc:AlternateContent xmlns:mc="http://schemas.openxmlformats.org/markup-compatibility/2006" xmlns:p14="http://schemas.microsoft.com/office/powerpoint/2010/main">
+          <mc:Choice Requires="p14">
             <p:contentPart p14:bwMode="auto" r:id="rId108">
               <p14:nvContentPartPr>
                 <p14:cNvPr id="133" name="Ink 132">
@@ -22869,7 +23254,7 @@
               </p14:xfrm>
             </p:contentPart>
           </mc:Choice>
-          <mc:Fallback>
+          <mc:Fallback xmlns="">
             <p:pic>
               <p:nvPicPr>
                 <p:cNvPr id="133" name="Ink 132">
@@ -22900,8 +23285,8 @@
             </p:pic>
           </mc:Fallback>
         </mc:AlternateContent>
-        <mc:AlternateContent xmlns:mc="http://schemas.openxmlformats.org/markup-compatibility/2006">
-          <mc:Choice xmlns:p14="http://schemas.microsoft.com/office/powerpoint/2010/main" Requires="p14">
+        <mc:AlternateContent xmlns:mc="http://schemas.openxmlformats.org/markup-compatibility/2006" xmlns:p14="http://schemas.microsoft.com/office/powerpoint/2010/main">
+          <mc:Choice Requires="p14">
             <p:contentPart p14:bwMode="auto" r:id="rId110">
               <p14:nvContentPartPr>
                 <p14:cNvPr id="134" name="Ink 133">
@@ -22920,7 +23305,7 @@
               </p14:xfrm>
             </p:contentPart>
           </mc:Choice>
-          <mc:Fallback>
+          <mc:Fallback xmlns="">
             <p:pic>
               <p:nvPicPr>
                 <p:cNvPr id="134" name="Ink 133">
@@ -22951,8 +23336,8 @@
             </p:pic>
           </mc:Fallback>
         </mc:AlternateContent>
-        <mc:AlternateContent xmlns:mc="http://schemas.openxmlformats.org/markup-compatibility/2006">
-          <mc:Choice xmlns:p14="http://schemas.microsoft.com/office/powerpoint/2010/main" Requires="p14">
+        <mc:AlternateContent xmlns:mc="http://schemas.openxmlformats.org/markup-compatibility/2006" xmlns:p14="http://schemas.microsoft.com/office/powerpoint/2010/main">
+          <mc:Choice Requires="p14">
             <p:contentPart p14:bwMode="auto" r:id="rId112">
               <p14:nvContentPartPr>
                 <p14:cNvPr id="135" name="Ink 134">
@@ -22971,7 +23356,7 @@
               </p14:xfrm>
             </p:contentPart>
           </mc:Choice>
-          <mc:Fallback>
+          <mc:Fallback xmlns="">
             <p:pic>
               <p:nvPicPr>
                 <p:cNvPr id="135" name="Ink 134">
@@ -23002,8 +23387,8 @@
             </p:pic>
           </mc:Fallback>
         </mc:AlternateContent>
-        <mc:AlternateContent xmlns:mc="http://schemas.openxmlformats.org/markup-compatibility/2006">
-          <mc:Choice xmlns:p14="http://schemas.microsoft.com/office/powerpoint/2010/main" Requires="p14">
+        <mc:AlternateContent xmlns:mc="http://schemas.openxmlformats.org/markup-compatibility/2006" xmlns:p14="http://schemas.microsoft.com/office/powerpoint/2010/main">
+          <mc:Choice Requires="p14">
             <p:contentPart p14:bwMode="auto" r:id="rId114">
               <p14:nvContentPartPr>
                 <p14:cNvPr id="136" name="Ink 135">
@@ -23022,7 +23407,7 @@
               </p14:xfrm>
             </p:contentPart>
           </mc:Choice>
-          <mc:Fallback>
+          <mc:Fallback xmlns="">
             <p:pic>
               <p:nvPicPr>
                 <p:cNvPr id="136" name="Ink 135">
@@ -23053,8 +23438,8 @@
             </p:pic>
           </mc:Fallback>
         </mc:AlternateContent>
-        <mc:AlternateContent xmlns:mc="http://schemas.openxmlformats.org/markup-compatibility/2006">
-          <mc:Choice xmlns:p14="http://schemas.microsoft.com/office/powerpoint/2010/main" Requires="p14">
+        <mc:AlternateContent xmlns:mc="http://schemas.openxmlformats.org/markup-compatibility/2006" xmlns:p14="http://schemas.microsoft.com/office/powerpoint/2010/main">
+          <mc:Choice Requires="p14">
             <p:contentPart p14:bwMode="auto" r:id="rId116">
               <p14:nvContentPartPr>
                 <p14:cNvPr id="137" name="Ink 136">
@@ -23073,7 +23458,7 @@
               </p14:xfrm>
             </p:contentPart>
           </mc:Choice>
-          <mc:Fallback>
+          <mc:Fallback xmlns="">
             <p:pic>
               <p:nvPicPr>
                 <p:cNvPr id="137" name="Ink 136">
@@ -23104,8 +23489,8 @@
             </p:pic>
           </mc:Fallback>
         </mc:AlternateContent>
-        <mc:AlternateContent xmlns:mc="http://schemas.openxmlformats.org/markup-compatibility/2006">
-          <mc:Choice xmlns:p14="http://schemas.microsoft.com/office/powerpoint/2010/main" Requires="p14">
+        <mc:AlternateContent xmlns:mc="http://schemas.openxmlformats.org/markup-compatibility/2006" xmlns:p14="http://schemas.microsoft.com/office/powerpoint/2010/main">
+          <mc:Choice Requires="p14">
             <p:contentPart p14:bwMode="auto" r:id="rId118">
               <p14:nvContentPartPr>
                 <p14:cNvPr id="138" name="Ink 137">
@@ -23124,7 +23509,7 @@
               </p14:xfrm>
             </p:contentPart>
           </mc:Choice>
-          <mc:Fallback>
+          <mc:Fallback xmlns="">
             <p:pic>
               <p:nvPicPr>
                 <p:cNvPr id="138" name="Ink 137">
@@ -23155,8 +23540,8 @@
             </p:pic>
           </mc:Fallback>
         </mc:AlternateContent>
-        <mc:AlternateContent xmlns:mc="http://schemas.openxmlformats.org/markup-compatibility/2006">
-          <mc:Choice xmlns:p14="http://schemas.microsoft.com/office/powerpoint/2010/main" Requires="p14">
+        <mc:AlternateContent xmlns:mc="http://schemas.openxmlformats.org/markup-compatibility/2006" xmlns:p14="http://schemas.microsoft.com/office/powerpoint/2010/main">
+          <mc:Choice Requires="p14">
             <p:contentPart p14:bwMode="auto" r:id="rId120">
               <p14:nvContentPartPr>
                 <p14:cNvPr id="139" name="Ink 138">
@@ -23175,7 +23560,7 @@
               </p14:xfrm>
             </p:contentPart>
           </mc:Choice>
-          <mc:Fallback>
+          <mc:Fallback xmlns="">
             <p:pic>
               <p:nvPicPr>
                 <p:cNvPr id="139" name="Ink 138">
@@ -23206,8 +23591,8 @@
             </p:pic>
           </mc:Fallback>
         </mc:AlternateContent>
-        <mc:AlternateContent xmlns:mc="http://schemas.openxmlformats.org/markup-compatibility/2006">
-          <mc:Choice xmlns:p14="http://schemas.microsoft.com/office/powerpoint/2010/main" Requires="p14">
+        <mc:AlternateContent xmlns:mc="http://schemas.openxmlformats.org/markup-compatibility/2006" xmlns:p14="http://schemas.microsoft.com/office/powerpoint/2010/main">
+          <mc:Choice Requires="p14">
             <p:contentPart p14:bwMode="auto" r:id="rId122">
               <p14:nvContentPartPr>
                 <p14:cNvPr id="141" name="Ink 140">
@@ -23226,7 +23611,7 @@
               </p14:xfrm>
             </p:contentPart>
           </mc:Choice>
-          <mc:Fallback>
+          <mc:Fallback xmlns="">
             <p:pic>
               <p:nvPicPr>
                 <p:cNvPr id="141" name="Ink 140">
@@ -23257,8 +23642,8 @@
             </p:pic>
           </mc:Fallback>
         </mc:AlternateContent>
-        <mc:AlternateContent xmlns:mc="http://schemas.openxmlformats.org/markup-compatibility/2006">
-          <mc:Choice xmlns:p14="http://schemas.microsoft.com/office/powerpoint/2010/main" Requires="p14">
+        <mc:AlternateContent xmlns:mc="http://schemas.openxmlformats.org/markup-compatibility/2006" xmlns:p14="http://schemas.microsoft.com/office/powerpoint/2010/main">
+          <mc:Choice Requires="p14">
             <p:contentPart p14:bwMode="auto" r:id="rId124">
               <p14:nvContentPartPr>
                 <p14:cNvPr id="142" name="Ink 141">
@@ -23277,7 +23662,7 @@
               </p14:xfrm>
             </p:contentPart>
           </mc:Choice>
-          <mc:Fallback>
+          <mc:Fallback xmlns="">
             <p:pic>
               <p:nvPicPr>
                 <p:cNvPr id="142" name="Ink 141">
@@ -23308,8 +23693,8 @@
             </p:pic>
           </mc:Fallback>
         </mc:AlternateContent>
-        <mc:AlternateContent xmlns:mc="http://schemas.openxmlformats.org/markup-compatibility/2006">
-          <mc:Choice xmlns:p14="http://schemas.microsoft.com/office/powerpoint/2010/main" Requires="p14">
+        <mc:AlternateContent xmlns:mc="http://schemas.openxmlformats.org/markup-compatibility/2006" xmlns:p14="http://schemas.microsoft.com/office/powerpoint/2010/main">
+          <mc:Choice Requires="p14">
             <p:contentPart p14:bwMode="auto" r:id="rId126">
               <p14:nvContentPartPr>
                 <p14:cNvPr id="143" name="Ink 142">
@@ -23328,7 +23713,7 @@
               </p14:xfrm>
             </p:contentPart>
           </mc:Choice>
-          <mc:Fallback>
+          <mc:Fallback xmlns="">
             <p:pic>
               <p:nvPicPr>
                 <p:cNvPr id="143" name="Ink 142">
@@ -23359,8 +23744,8 @@
             </p:pic>
           </mc:Fallback>
         </mc:AlternateContent>
-        <mc:AlternateContent xmlns:mc="http://schemas.openxmlformats.org/markup-compatibility/2006">
-          <mc:Choice xmlns:p14="http://schemas.microsoft.com/office/powerpoint/2010/main" Requires="p14">
+        <mc:AlternateContent xmlns:mc="http://schemas.openxmlformats.org/markup-compatibility/2006" xmlns:p14="http://schemas.microsoft.com/office/powerpoint/2010/main">
+          <mc:Choice Requires="p14">
             <p:contentPart p14:bwMode="auto" r:id="rId128">
               <p14:nvContentPartPr>
                 <p14:cNvPr id="144" name="Ink 143">
@@ -23379,7 +23764,7 @@
               </p14:xfrm>
             </p:contentPart>
           </mc:Choice>
-          <mc:Fallback>
+          <mc:Fallback xmlns="">
             <p:pic>
               <p:nvPicPr>
                 <p:cNvPr id="144" name="Ink 143">
@@ -23410,8 +23795,8 @@
             </p:pic>
           </mc:Fallback>
         </mc:AlternateContent>
-        <mc:AlternateContent xmlns:mc="http://schemas.openxmlformats.org/markup-compatibility/2006">
-          <mc:Choice xmlns:p14="http://schemas.microsoft.com/office/powerpoint/2010/main" Requires="p14">
+        <mc:AlternateContent xmlns:mc="http://schemas.openxmlformats.org/markup-compatibility/2006" xmlns:p14="http://schemas.microsoft.com/office/powerpoint/2010/main">
+          <mc:Choice Requires="p14">
             <p:contentPart p14:bwMode="auto" r:id="rId130">
               <p14:nvContentPartPr>
                 <p14:cNvPr id="145" name="Ink 144">
@@ -23430,7 +23815,7 @@
               </p14:xfrm>
             </p:contentPart>
           </mc:Choice>
-          <mc:Fallback>
+          <mc:Fallback xmlns="">
             <p:pic>
               <p:nvPicPr>
                 <p:cNvPr id="145" name="Ink 144">
@@ -23461,8 +23846,8 @@
             </p:pic>
           </mc:Fallback>
         </mc:AlternateContent>
-        <mc:AlternateContent xmlns:mc="http://schemas.openxmlformats.org/markup-compatibility/2006">
-          <mc:Choice xmlns:p14="http://schemas.microsoft.com/office/powerpoint/2010/main" Requires="p14">
+        <mc:AlternateContent xmlns:mc="http://schemas.openxmlformats.org/markup-compatibility/2006" xmlns:p14="http://schemas.microsoft.com/office/powerpoint/2010/main">
+          <mc:Choice Requires="p14">
             <p:contentPart p14:bwMode="auto" r:id="rId132">
               <p14:nvContentPartPr>
                 <p14:cNvPr id="162" name="Ink 161">
@@ -23481,7 +23866,7 @@
               </p14:xfrm>
             </p:contentPart>
           </mc:Choice>
-          <mc:Fallback>
+          <mc:Fallback xmlns="">
             <p:pic>
               <p:nvPicPr>
                 <p:cNvPr id="162" name="Ink 161">
@@ -23512,8 +23897,8 @@
             </p:pic>
           </mc:Fallback>
         </mc:AlternateContent>
-        <mc:AlternateContent xmlns:mc="http://schemas.openxmlformats.org/markup-compatibility/2006">
-          <mc:Choice xmlns:p14="http://schemas.microsoft.com/office/powerpoint/2010/main" Requires="p14">
+        <mc:AlternateContent xmlns:mc="http://schemas.openxmlformats.org/markup-compatibility/2006" xmlns:p14="http://schemas.microsoft.com/office/powerpoint/2010/main">
+          <mc:Choice Requires="p14">
             <p:contentPart p14:bwMode="auto" r:id="rId134">
               <p14:nvContentPartPr>
                 <p14:cNvPr id="163" name="Ink 162">
@@ -23532,7 +23917,7 @@
               </p14:xfrm>
             </p:contentPart>
           </mc:Choice>
-          <mc:Fallback>
+          <mc:Fallback xmlns="">
             <p:pic>
               <p:nvPicPr>
                 <p:cNvPr id="163" name="Ink 162">
@@ -23563,8 +23948,8 @@
             </p:pic>
           </mc:Fallback>
         </mc:AlternateContent>
-        <mc:AlternateContent xmlns:mc="http://schemas.openxmlformats.org/markup-compatibility/2006">
-          <mc:Choice xmlns:p14="http://schemas.microsoft.com/office/powerpoint/2010/main" Requires="p14">
+        <mc:AlternateContent xmlns:mc="http://schemas.openxmlformats.org/markup-compatibility/2006" xmlns:p14="http://schemas.microsoft.com/office/powerpoint/2010/main">
+          <mc:Choice Requires="p14">
             <p:contentPart p14:bwMode="auto" r:id="rId136">
               <p14:nvContentPartPr>
                 <p14:cNvPr id="164" name="Ink 163">
@@ -23583,7 +23968,7 @@
               </p14:xfrm>
             </p:contentPart>
           </mc:Choice>
-          <mc:Fallback>
+          <mc:Fallback xmlns="">
             <p:pic>
               <p:nvPicPr>
                 <p:cNvPr id="164" name="Ink 163">
@@ -23614,8 +23999,8 @@
             </p:pic>
           </mc:Fallback>
         </mc:AlternateContent>
-        <mc:AlternateContent xmlns:mc="http://schemas.openxmlformats.org/markup-compatibility/2006">
-          <mc:Choice xmlns:p14="http://schemas.microsoft.com/office/powerpoint/2010/main" Requires="p14">
+        <mc:AlternateContent xmlns:mc="http://schemas.openxmlformats.org/markup-compatibility/2006" xmlns:p14="http://schemas.microsoft.com/office/powerpoint/2010/main">
+          <mc:Choice Requires="p14">
             <p:contentPart p14:bwMode="auto" r:id="rId138">
               <p14:nvContentPartPr>
                 <p14:cNvPr id="165" name="Ink 164">
@@ -23634,7 +24019,7 @@
               </p14:xfrm>
             </p:contentPart>
           </mc:Choice>
-          <mc:Fallback>
+          <mc:Fallback xmlns="">
             <p:pic>
               <p:nvPicPr>
                 <p:cNvPr id="165" name="Ink 164">
@@ -23665,8 +24050,8 @@
             </p:pic>
           </mc:Fallback>
         </mc:AlternateContent>
-        <mc:AlternateContent xmlns:mc="http://schemas.openxmlformats.org/markup-compatibility/2006">
-          <mc:Choice xmlns:p14="http://schemas.microsoft.com/office/powerpoint/2010/main" Requires="p14">
+        <mc:AlternateContent xmlns:mc="http://schemas.openxmlformats.org/markup-compatibility/2006" xmlns:p14="http://schemas.microsoft.com/office/powerpoint/2010/main">
+          <mc:Choice Requires="p14">
             <p:contentPart p14:bwMode="auto" r:id="rId140">
               <p14:nvContentPartPr>
                 <p14:cNvPr id="166" name="Ink 165">
@@ -23685,7 +24070,7 @@
               </p14:xfrm>
             </p:contentPart>
           </mc:Choice>
-          <mc:Fallback>
+          <mc:Fallback xmlns="">
             <p:pic>
               <p:nvPicPr>
                 <p:cNvPr id="166" name="Ink 165">
@@ -23716,8 +24101,8 @@
             </p:pic>
           </mc:Fallback>
         </mc:AlternateContent>
-        <mc:AlternateContent xmlns:mc="http://schemas.openxmlformats.org/markup-compatibility/2006">
-          <mc:Choice xmlns:p14="http://schemas.microsoft.com/office/powerpoint/2010/main" Requires="p14">
+        <mc:AlternateContent xmlns:mc="http://schemas.openxmlformats.org/markup-compatibility/2006" xmlns:p14="http://schemas.microsoft.com/office/powerpoint/2010/main">
+          <mc:Choice Requires="p14">
             <p:contentPart p14:bwMode="auto" r:id="rId142">
               <p14:nvContentPartPr>
                 <p14:cNvPr id="167" name="Ink 166">
@@ -23736,7 +24121,7 @@
               </p14:xfrm>
             </p:contentPart>
           </mc:Choice>
-          <mc:Fallback>
+          <mc:Fallback xmlns="">
             <p:pic>
               <p:nvPicPr>
                 <p:cNvPr id="167" name="Ink 166">
@@ -23767,8 +24152,8 @@
             </p:pic>
           </mc:Fallback>
         </mc:AlternateContent>
-        <mc:AlternateContent xmlns:mc="http://schemas.openxmlformats.org/markup-compatibility/2006">
-          <mc:Choice xmlns:p14="http://schemas.microsoft.com/office/powerpoint/2010/main" Requires="p14">
+        <mc:AlternateContent xmlns:mc="http://schemas.openxmlformats.org/markup-compatibility/2006" xmlns:p14="http://schemas.microsoft.com/office/powerpoint/2010/main">
+          <mc:Choice Requires="p14">
             <p:contentPart p14:bwMode="auto" r:id="rId144">
               <p14:nvContentPartPr>
                 <p14:cNvPr id="168" name="Ink 167">
@@ -23787,7 +24172,7 @@
               </p14:xfrm>
             </p:contentPart>
           </mc:Choice>
-          <mc:Fallback>
+          <mc:Fallback xmlns="">
             <p:pic>
               <p:nvPicPr>
                 <p:cNvPr id="168" name="Ink 167">
@@ -23818,8 +24203,8 @@
             </p:pic>
           </mc:Fallback>
         </mc:AlternateContent>
-        <mc:AlternateContent xmlns:mc="http://schemas.openxmlformats.org/markup-compatibility/2006">
-          <mc:Choice xmlns:p14="http://schemas.microsoft.com/office/powerpoint/2010/main" Requires="p14">
+        <mc:AlternateContent xmlns:mc="http://schemas.openxmlformats.org/markup-compatibility/2006" xmlns:p14="http://schemas.microsoft.com/office/powerpoint/2010/main">
+          <mc:Choice Requires="p14">
             <p:contentPart p14:bwMode="auto" r:id="rId146">
               <p14:nvContentPartPr>
                 <p14:cNvPr id="169" name="Ink 168">
@@ -23838,7 +24223,7 @@
               </p14:xfrm>
             </p:contentPart>
           </mc:Choice>
-          <mc:Fallback>
+          <mc:Fallback xmlns="">
             <p:pic>
               <p:nvPicPr>
                 <p:cNvPr id="169" name="Ink 168">
@@ -23870,8 +24255,8 @@
           </mc:Fallback>
         </mc:AlternateContent>
       </p:grpSp>
-      <mc:AlternateContent xmlns:mc="http://schemas.openxmlformats.org/markup-compatibility/2006">
-        <mc:Choice xmlns:p14="http://schemas.microsoft.com/office/powerpoint/2010/main" Requires="p14">
+      <mc:AlternateContent xmlns:mc="http://schemas.openxmlformats.org/markup-compatibility/2006" xmlns:p14="http://schemas.microsoft.com/office/powerpoint/2010/main">
+        <mc:Choice Requires="p14">
           <p:contentPart p14:bwMode="auto" r:id="rId148">
             <p14:nvContentPartPr>
               <p14:cNvPr id="171" name="Ink 170">
@@ -23890,7 +24275,7 @@
             </p14:xfrm>
           </p:contentPart>
         </mc:Choice>
-        <mc:Fallback>
+        <mc:Fallback xmlns="">
           <p:pic>
             <p:nvPicPr>
               <p:cNvPr id="171" name="Ink 170">
@@ -23921,8 +24306,8 @@
           </p:pic>
         </mc:Fallback>
       </mc:AlternateContent>
-      <mc:AlternateContent xmlns:mc="http://schemas.openxmlformats.org/markup-compatibility/2006">
-        <mc:Choice xmlns:p14="http://schemas.microsoft.com/office/powerpoint/2010/main" Requires="p14">
+      <mc:AlternateContent xmlns:mc="http://schemas.openxmlformats.org/markup-compatibility/2006" xmlns:p14="http://schemas.microsoft.com/office/powerpoint/2010/main">
+        <mc:Choice Requires="p14">
           <p:contentPart p14:bwMode="auto" r:id="rId150">
             <p14:nvContentPartPr>
               <p14:cNvPr id="172" name="Ink 171">
@@ -23941,7 +24326,7 @@
             </p14:xfrm>
           </p:contentPart>
         </mc:Choice>
-        <mc:Fallback>
+        <mc:Fallback xmlns="">
           <p:pic>
             <p:nvPicPr>
               <p:cNvPr id="172" name="Ink 171">
@@ -23972,8 +24357,8 @@
           </p:pic>
         </mc:Fallback>
       </mc:AlternateContent>
-      <mc:AlternateContent xmlns:mc="http://schemas.openxmlformats.org/markup-compatibility/2006">
-        <mc:Choice xmlns:p14="http://schemas.microsoft.com/office/powerpoint/2010/main" Requires="p14">
+      <mc:AlternateContent xmlns:mc="http://schemas.openxmlformats.org/markup-compatibility/2006" xmlns:p14="http://schemas.microsoft.com/office/powerpoint/2010/main">
+        <mc:Choice Requires="p14">
           <p:contentPart p14:bwMode="auto" r:id="rId152">
             <p14:nvContentPartPr>
               <p14:cNvPr id="173" name="Ink 172">
@@ -23992,7 +24377,7 @@
             </p14:xfrm>
           </p:contentPart>
         </mc:Choice>
-        <mc:Fallback>
+        <mc:Fallback xmlns="">
           <p:pic>
             <p:nvPicPr>
               <p:cNvPr id="173" name="Ink 172">
@@ -24023,8 +24408,8 @@
           </p:pic>
         </mc:Fallback>
       </mc:AlternateContent>
-      <mc:AlternateContent xmlns:mc="http://schemas.openxmlformats.org/markup-compatibility/2006">
-        <mc:Choice xmlns:p14="http://schemas.microsoft.com/office/powerpoint/2010/main" Requires="p14">
+      <mc:AlternateContent xmlns:mc="http://schemas.openxmlformats.org/markup-compatibility/2006" xmlns:p14="http://schemas.microsoft.com/office/powerpoint/2010/main">
+        <mc:Choice Requires="p14">
           <p:contentPart p14:bwMode="auto" r:id="rId154">
             <p14:nvContentPartPr>
               <p14:cNvPr id="17" name="Ink 16">
@@ -24043,7 +24428,7 @@
             </p14:xfrm>
           </p:contentPart>
         </mc:Choice>
-        <mc:Fallback>
+        <mc:Fallback xmlns="">
           <p:pic>
             <p:nvPicPr>
               <p:cNvPr id="17" name="Ink 16">
@@ -24074,8 +24459,8 @@
           </p:pic>
         </mc:Fallback>
       </mc:AlternateContent>
-      <mc:AlternateContent xmlns:mc="http://schemas.openxmlformats.org/markup-compatibility/2006">
-        <mc:Choice xmlns:p14="http://schemas.microsoft.com/office/powerpoint/2010/main" Requires="p14">
+      <mc:AlternateContent xmlns:mc="http://schemas.openxmlformats.org/markup-compatibility/2006" xmlns:p14="http://schemas.microsoft.com/office/powerpoint/2010/main">
+        <mc:Choice Requires="p14">
           <p:contentPart p14:bwMode="auto" r:id="rId156">
             <p14:nvContentPartPr>
               <p14:cNvPr id="18" name="Ink 17">
@@ -24094,7 +24479,7 @@
             </p14:xfrm>
           </p:contentPart>
         </mc:Choice>
-        <mc:Fallback>
+        <mc:Fallback xmlns="">
           <p:pic>
             <p:nvPicPr>
               <p:cNvPr id="18" name="Ink 17">
@@ -24125,8 +24510,8 @@
           </p:pic>
         </mc:Fallback>
       </mc:AlternateContent>
-      <mc:AlternateContent xmlns:mc="http://schemas.openxmlformats.org/markup-compatibility/2006">
-        <mc:Choice xmlns:p14="http://schemas.microsoft.com/office/powerpoint/2010/main" Requires="p14">
+      <mc:AlternateContent xmlns:mc="http://schemas.openxmlformats.org/markup-compatibility/2006" xmlns:p14="http://schemas.microsoft.com/office/powerpoint/2010/main">
+        <mc:Choice Requires="p14">
           <p:contentPart p14:bwMode="auto" r:id="rId158">
             <p14:nvContentPartPr>
               <p14:cNvPr id="19" name="Ink 18">
@@ -24145,7 +24530,7 @@
             </p14:xfrm>
           </p:contentPart>
         </mc:Choice>
-        <mc:Fallback>
+        <mc:Fallback xmlns="">
           <p:pic>
             <p:nvPicPr>
               <p:cNvPr id="19" name="Ink 18">
@@ -24196,8 +24581,8 @@
             <a:chExt cx="7496640" cy="4471200"/>
           </a:xfrm>
         </p:grpSpPr>
-        <mc:AlternateContent xmlns:mc="http://schemas.openxmlformats.org/markup-compatibility/2006">
-          <mc:Choice xmlns:p14="http://schemas.microsoft.com/office/powerpoint/2010/main" Requires="p14">
+        <mc:AlternateContent xmlns:mc="http://schemas.openxmlformats.org/markup-compatibility/2006" xmlns:p14="http://schemas.microsoft.com/office/powerpoint/2010/main">
+          <mc:Choice Requires="p14">
             <p:contentPart p14:bwMode="auto" r:id="rId160">
               <p14:nvContentPartPr>
                 <p14:cNvPr id="5" name="Ink 4">
@@ -24216,7 +24601,7 @@
               </p14:xfrm>
             </p:contentPart>
           </mc:Choice>
-          <mc:Fallback>
+          <mc:Fallback xmlns="">
             <p:pic>
               <p:nvPicPr>
                 <p:cNvPr id="5" name="Ink 4">
@@ -24247,8 +24632,8 @@
             </p:pic>
           </mc:Fallback>
         </mc:AlternateContent>
-        <mc:AlternateContent xmlns:mc="http://schemas.openxmlformats.org/markup-compatibility/2006">
-          <mc:Choice xmlns:p14="http://schemas.microsoft.com/office/powerpoint/2010/main" Requires="p14">
+        <mc:AlternateContent xmlns:mc="http://schemas.openxmlformats.org/markup-compatibility/2006" xmlns:p14="http://schemas.microsoft.com/office/powerpoint/2010/main">
+          <mc:Choice Requires="p14">
             <p:contentPart p14:bwMode="auto" r:id="rId162">
               <p14:nvContentPartPr>
                 <p14:cNvPr id="6" name="Ink 5">
@@ -24267,7 +24652,7 @@
               </p14:xfrm>
             </p:contentPart>
           </mc:Choice>
-          <mc:Fallback>
+          <mc:Fallback xmlns="">
             <p:pic>
               <p:nvPicPr>
                 <p:cNvPr id="6" name="Ink 5">
@@ -24298,8 +24683,8 @@
             </p:pic>
           </mc:Fallback>
         </mc:AlternateContent>
-        <mc:AlternateContent xmlns:mc="http://schemas.openxmlformats.org/markup-compatibility/2006">
-          <mc:Choice xmlns:p14="http://schemas.microsoft.com/office/powerpoint/2010/main" Requires="p14">
+        <mc:AlternateContent xmlns:mc="http://schemas.openxmlformats.org/markup-compatibility/2006" xmlns:p14="http://schemas.microsoft.com/office/powerpoint/2010/main">
+          <mc:Choice Requires="p14">
             <p:contentPart p14:bwMode="auto" r:id="rId164">
               <p14:nvContentPartPr>
                 <p14:cNvPr id="28" name="Ink 27">
@@ -24318,7 +24703,7 @@
               </p14:xfrm>
             </p:contentPart>
           </mc:Choice>
-          <mc:Fallback>
+          <mc:Fallback xmlns="">
             <p:pic>
               <p:nvPicPr>
                 <p:cNvPr id="28" name="Ink 27">
@@ -24349,8 +24734,8 @@
             </p:pic>
           </mc:Fallback>
         </mc:AlternateContent>
-        <mc:AlternateContent xmlns:mc="http://schemas.openxmlformats.org/markup-compatibility/2006">
-          <mc:Choice xmlns:p14="http://schemas.microsoft.com/office/powerpoint/2010/main" Requires="p14">
+        <mc:AlternateContent xmlns:mc="http://schemas.openxmlformats.org/markup-compatibility/2006" xmlns:p14="http://schemas.microsoft.com/office/powerpoint/2010/main">
+          <mc:Choice Requires="p14">
             <p:contentPart p14:bwMode="auto" r:id="rId166">
               <p14:nvContentPartPr>
                 <p14:cNvPr id="29" name="Ink 28">
@@ -24369,7 +24754,7 @@
               </p14:xfrm>
             </p:contentPart>
           </mc:Choice>
-          <mc:Fallback>
+          <mc:Fallback xmlns="">
             <p:pic>
               <p:nvPicPr>
                 <p:cNvPr id="29" name="Ink 28">
@@ -24400,8 +24785,8 @@
             </p:pic>
           </mc:Fallback>
         </mc:AlternateContent>
-        <mc:AlternateContent xmlns:mc="http://schemas.openxmlformats.org/markup-compatibility/2006">
-          <mc:Choice xmlns:p14="http://schemas.microsoft.com/office/powerpoint/2010/main" Requires="p14">
+        <mc:AlternateContent xmlns:mc="http://schemas.openxmlformats.org/markup-compatibility/2006" xmlns:p14="http://schemas.microsoft.com/office/powerpoint/2010/main">
+          <mc:Choice Requires="p14">
             <p:contentPart p14:bwMode="auto" r:id="rId168">
               <p14:nvContentPartPr>
                 <p14:cNvPr id="30" name="Ink 29">
@@ -24420,7 +24805,7 @@
               </p14:xfrm>
             </p:contentPart>
           </mc:Choice>
-          <mc:Fallback>
+          <mc:Fallback xmlns="">
             <p:pic>
               <p:nvPicPr>
                 <p:cNvPr id="30" name="Ink 29">
@@ -24451,8 +24836,8 @@
             </p:pic>
           </mc:Fallback>
         </mc:AlternateContent>
-        <mc:AlternateContent xmlns:mc="http://schemas.openxmlformats.org/markup-compatibility/2006">
-          <mc:Choice xmlns:p14="http://schemas.microsoft.com/office/powerpoint/2010/main" Requires="p14">
+        <mc:AlternateContent xmlns:mc="http://schemas.openxmlformats.org/markup-compatibility/2006" xmlns:p14="http://schemas.microsoft.com/office/powerpoint/2010/main">
+          <mc:Choice Requires="p14">
             <p:contentPart p14:bwMode="auto" r:id="rId170">
               <p14:nvContentPartPr>
                 <p14:cNvPr id="31" name="Ink 30">
@@ -24471,7 +24856,7 @@
               </p14:xfrm>
             </p:contentPart>
           </mc:Choice>
-          <mc:Fallback>
+          <mc:Fallback xmlns="">
             <p:pic>
               <p:nvPicPr>
                 <p:cNvPr id="31" name="Ink 30">
@@ -24502,8 +24887,8 @@
             </p:pic>
           </mc:Fallback>
         </mc:AlternateContent>
-        <mc:AlternateContent xmlns:mc="http://schemas.openxmlformats.org/markup-compatibility/2006">
-          <mc:Choice xmlns:p14="http://schemas.microsoft.com/office/powerpoint/2010/main" Requires="p14">
+        <mc:AlternateContent xmlns:mc="http://schemas.openxmlformats.org/markup-compatibility/2006" xmlns:p14="http://schemas.microsoft.com/office/powerpoint/2010/main">
+          <mc:Choice Requires="p14">
             <p:contentPart p14:bwMode="auto" r:id="rId172">
               <p14:nvContentPartPr>
                 <p14:cNvPr id="33" name="Ink 32">
@@ -24522,7 +24907,7 @@
               </p14:xfrm>
             </p:contentPart>
           </mc:Choice>
-          <mc:Fallback>
+          <mc:Fallback xmlns="">
             <p:pic>
               <p:nvPicPr>
                 <p:cNvPr id="33" name="Ink 32">
@@ -24553,8 +24938,8 @@
             </p:pic>
           </mc:Fallback>
         </mc:AlternateContent>
-        <mc:AlternateContent xmlns:mc="http://schemas.openxmlformats.org/markup-compatibility/2006">
-          <mc:Choice xmlns:p14="http://schemas.microsoft.com/office/powerpoint/2010/main" Requires="p14">
+        <mc:AlternateContent xmlns:mc="http://schemas.openxmlformats.org/markup-compatibility/2006" xmlns:p14="http://schemas.microsoft.com/office/powerpoint/2010/main">
+          <mc:Choice Requires="p14">
             <p:contentPart p14:bwMode="auto" r:id="rId174">
               <p14:nvContentPartPr>
                 <p14:cNvPr id="34" name="Ink 33">
@@ -24573,7 +24958,7 @@
               </p14:xfrm>
             </p:contentPart>
           </mc:Choice>
-          <mc:Fallback>
+          <mc:Fallback xmlns="">
             <p:pic>
               <p:nvPicPr>
                 <p:cNvPr id="34" name="Ink 33">
@@ -24604,8 +24989,8 @@
             </p:pic>
           </mc:Fallback>
         </mc:AlternateContent>
-        <mc:AlternateContent xmlns:mc="http://schemas.openxmlformats.org/markup-compatibility/2006">
-          <mc:Choice xmlns:p14="http://schemas.microsoft.com/office/powerpoint/2010/main" Requires="p14">
+        <mc:AlternateContent xmlns:mc="http://schemas.openxmlformats.org/markup-compatibility/2006" xmlns:p14="http://schemas.microsoft.com/office/powerpoint/2010/main">
+          <mc:Choice Requires="p14">
             <p:contentPart p14:bwMode="auto" r:id="rId176">
               <p14:nvContentPartPr>
                 <p14:cNvPr id="35" name="Ink 34">
@@ -24624,7 +25009,7 @@
               </p14:xfrm>
             </p:contentPart>
           </mc:Choice>
-          <mc:Fallback>
+          <mc:Fallback xmlns="">
             <p:pic>
               <p:nvPicPr>
                 <p:cNvPr id="35" name="Ink 34">
@@ -24655,8 +25040,8 @@
             </p:pic>
           </mc:Fallback>
         </mc:AlternateContent>
-        <mc:AlternateContent xmlns:mc="http://schemas.openxmlformats.org/markup-compatibility/2006">
-          <mc:Choice xmlns:p14="http://schemas.microsoft.com/office/powerpoint/2010/main" Requires="p14">
+        <mc:AlternateContent xmlns:mc="http://schemas.openxmlformats.org/markup-compatibility/2006" xmlns:p14="http://schemas.microsoft.com/office/powerpoint/2010/main">
+          <mc:Choice Requires="p14">
             <p:contentPart p14:bwMode="auto" r:id="rId178">
               <p14:nvContentPartPr>
                 <p14:cNvPr id="36" name="Ink 35">
@@ -24675,7 +25060,7 @@
               </p14:xfrm>
             </p:contentPart>
           </mc:Choice>
-          <mc:Fallback>
+          <mc:Fallback xmlns="">
             <p:pic>
               <p:nvPicPr>
                 <p:cNvPr id="36" name="Ink 35">
@@ -24706,8 +25091,8 @@
             </p:pic>
           </mc:Fallback>
         </mc:AlternateContent>
-        <mc:AlternateContent xmlns:mc="http://schemas.openxmlformats.org/markup-compatibility/2006">
-          <mc:Choice xmlns:p14="http://schemas.microsoft.com/office/powerpoint/2010/main" Requires="p14">
+        <mc:AlternateContent xmlns:mc="http://schemas.openxmlformats.org/markup-compatibility/2006" xmlns:p14="http://schemas.microsoft.com/office/powerpoint/2010/main">
+          <mc:Choice Requires="p14">
             <p:contentPart p14:bwMode="auto" r:id="rId180">
               <p14:nvContentPartPr>
                 <p14:cNvPr id="37" name="Ink 36">
@@ -24726,7 +25111,7 @@
               </p14:xfrm>
             </p:contentPart>
           </mc:Choice>
-          <mc:Fallback>
+          <mc:Fallback xmlns="">
             <p:pic>
               <p:nvPicPr>
                 <p:cNvPr id="37" name="Ink 36">
@@ -24757,8 +25142,8 @@
             </p:pic>
           </mc:Fallback>
         </mc:AlternateContent>
-        <mc:AlternateContent xmlns:mc="http://schemas.openxmlformats.org/markup-compatibility/2006">
-          <mc:Choice xmlns:p14="http://schemas.microsoft.com/office/powerpoint/2010/main" Requires="p14">
+        <mc:AlternateContent xmlns:mc="http://schemas.openxmlformats.org/markup-compatibility/2006" xmlns:p14="http://schemas.microsoft.com/office/powerpoint/2010/main">
+          <mc:Choice Requires="p14">
             <p:contentPart p14:bwMode="auto" r:id="rId182">
               <p14:nvContentPartPr>
                 <p14:cNvPr id="38" name="Ink 37">
@@ -24777,7 +25162,7 @@
               </p14:xfrm>
             </p:contentPart>
           </mc:Choice>
-          <mc:Fallback>
+          <mc:Fallback xmlns="">
             <p:pic>
               <p:nvPicPr>
                 <p:cNvPr id="38" name="Ink 37">
@@ -24808,8 +25193,8 @@
             </p:pic>
           </mc:Fallback>
         </mc:AlternateContent>
-        <mc:AlternateContent xmlns:mc="http://schemas.openxmlformats.org/markup-compatibility/2006">
-          <mc:Choice xmlns:p14="http://schemas.microsoft.com/office/powerpoint/2010/main" Requires="p14">
+        <mc:AlternateContent xmlns:mc="http://schemas.openxmlformats.org/markup-compatibility/2006" xmlns:p14="http://schemas.microsoft.com/office/powerpoint/2010/main">
+          <mc:Choice Requires="p14">
             <p:contentPart p14:bwMode="auto" r:id="rId184">
               <p14:nvContentPartPr>
                 <p14:cNvPr id="39" name="Ink 38">
@@ -24828,7 +25213,7 @@
               </p14:xfrm>
             </p:contentPart>
           </mc:Choice>
-          <mc:Fallback>
+          <mc:Fallback xmlns="">
             <p:pic>
               <p:nvPicPr>
                 <p:cNvPr id="39" name="Ink 38">
@@ -24859,8 +25244,8 @@
             </p:pic>
           </mc:Fallback>
         </mc:AlternateContent>
-        <mc:AlternateContent xmlns:mc="http://schemas.openxmlformats.org/markup-compatibility/2006">
-          <mc:Choice xmlns:p14="http://schemas.microsoft.com/office/powerpoint/2010/main" Requires="p14">
+        <mc:AlternateContent xmlns:mc="http://schemas.openxmlformats.org/markup-compatibility/2006" xmlns:p14="http://schemas.microsoft.com/office/powerpoint/2010/main">
+          <mc:Choice Requires="p14">
             <p:contentPart p14:bwMode="auto" r:id="rId186">
               <p14:nvContentPartPr>
                 <p14:cNvPr id="40" name="Ink 39">
@@ -24879,7 +25264,7 @@
               </p14:xfrm>
             </p:contentPart>
           </mc:Choice>
-          <mc:Fallback>
+          <mc:Fallback xmlns="">
             <p:pic>
               <p:nvPicPr>
                 <p:cNvPr id="40" name="Ink 39">
@@ -24910,8 +25295,8 @@
             </p:pic>
           </mc:Fallback>
         </mc:AlternateContent>
-        <mc:AlternateContent xmlns:mc="http://schemas.openxmlformats.org/markup-compatibility/2006">
-          <mc:Choice xmlns:p14="http://schemas.microsoft.com/office/powerpoint/2010/main" Requires="p14">
+        <mc:AlternateContent xmlns:mc="http://schemas.openxmlformats.org/markup-compatibility/2006" xmlns:p14="http://schemas.microsoft.com/office/powerpoint/2010/main">
+          <mc:Choice Requires="p14">
             <p:contentPart p14:bwMode="auto" r:id="rId188">
               <p14:nvContentPartPr>
                 <p14:cNvPr id="57" name="Ink 56">
@@ -24930,7 +25315,7 @@
               </p14:xfrm>
             </p:contentPart>
           </mc:Choice>
-          <mc:Fallback>
+          <mc:Fallback xmlns="">
             <p:pic>
               <p:nvPicPr>
                 <p:cNvPr id="57" name="Ink 56">
@@ -24961,8 +25346,8 @@
             </p:pic>
           </mc:Fallback>
         </mc:AlternateContent>
-        <mc:AlternateContent xmlns:mc="http://schemas.openxmlformats.org/markup-compatibility/2006">
-          <mc:Choice xmlns:p14="http://schemas.microsoft.com/office/powerpoint/2010/main" Requires="p14">
+        <mc:AlternateContent xmlns:mc="http://schemas.openxmlformats.org/markup-compatibility/2006" xmlns:p14="http://schemas.microsoft.com/office/powerpoint/2010/main">
+          <mc:Choice Requires="p14">
             <p:contentPart p14:bwMode="auto" r:id="rId190">
               <p14:nvContentPartPr>
                 <p14:cNvPr id="58" name="Ink 57">
@@ -24981,7 +25366,7 @@
               </p14:xfrm>
             </p:contentPart>
           </mc:Choice>
-          <mc:Fallback>
+          <mc:Fallback xmlns="">
             <p:pic>
               <p:nvPicPr>
                 <p:cNvPr id="58" name="Ink 57">
@@ -25012,8 +25397,8 @@
             </p:pic>
           </mc:Fallback>
         </mc:AlternateContent>
-        <mc:AlternateContent xmlns:mc="http://schemas.openxmlformats.org/markup-compatibility/2006">
-          <mc:Choice xmlns:p14="http://schemas.microsoft.com/office/powerpoint/2010/main" Requires="p14">
+        <mc:AlternateContent xmlns:mc="http://schemas.openxmlformats.org/markup-compatibility/2006" xmlns:p14="http://schemas.microsoft.com/office/powerpoint/2010/main">
+          <mc:Choice Requires="p14">
             <p:contentPart p14:bwMode="auto" r:id="rId192">
               <p14:nvContentPartPr>
                 <p14:cNvPr id="68" name="Ink 67">
@@ -25032,7 +25417,7 @@
               </p14:xfrm>
             </p:contentPart>
           </mc:Choice>
-          <mc:Fallback>
+          <mc:Fallback xmlns="">
             <p:pic>
               <p:nvPicPr>
                 <p:cNvPr id="68" name="Ink 67">
@@ -25063,8 +25448,8 @@
             </p:pic>
           </mc:Fallback>
         </mc:AlternateContent>
-        <mc:AlternateContent xmlns:mc="http://schemas.openxmlformats.org/markup-compatibility/2006">
-          <mc:Choice xmlns:p14="http://schemas.microsoft.com/office/powerpoint/2010/main" Requires="p14">
+        <mc:AlternateContent xmlns:mc="http://schemas.openxmlformats.org/markup-compatibility/2006" xmlns:p14="http://schemas.microsoft.com/office/powerpoint/2010/main">
+          <mc:Choice Requires="p14">
             <p:contentPart p14:bwMode="auto" r:id="rId194">
               <p14:nvContentPartPr>
                 <p14:cNvPr id="69" name="Ink 68">
@@ -25083,7 +25468,7 @@
               </p14:xfrm>
             </p:contentPart>
           </mc:Choice>
-          <mc:Fallback>
+          <mc:Fallback xmlns="">
             <p:pic>
               <p:nvPicPr>
                 <p:cNvPr id="69" name="Ink 68">
@@ -25114,8 +25499,8 @@
             </p:pic>
           </mc:Fallback>
         </mc:AlternateContent>
-        <mc:AlternateContent xmlns:mc="http://schemas.openxmlformats.org/markup-compatibility/2006">
-          <mc:Choice xmlns:p14="http://schemas.microsoft.com/office/powerpoint/2010/main" Requires="p14">
+        <mc:AlternateContent xmlns:mc="http://schemas.openxmlformats.org/markup-compatibility/2006" xmlns:p14="http://schemas.microsoft.com/office/powerpoint/2010/main">
+          <mc:Choice Requires="p14">
             <p:contentPart p14:bwMode="auto" r:id="rId196">
               <p14:nvContentPartPr>
                 <p14:cNvPr id="42" name="Ink 41">
@@ -25134,7 +25519,7 @@
               </p14:xfrm>
             </p:contentPart>
           </mc:Choice>
-          <mc:Fallback>
+          <mc:Fallback xmlns="">
             <p:pic>
               <p:nvPicPr>
                 <p:cNvPr id="42" name="Ink 41">
@@ -25165,8 +25550,8 @@
             </p:pic>
           </mc:Fallback>
         </mc:AlternateContent>
-        <mc:AlternateContent xmlns:mc="http://schemas.openxmlformats.org/markup-compatibility/2006">
-          <mc:Choice xmlns:p14="http://schemas.microsoft.com/office/powerpoint/2010/main" Requires="p14">
+        <mc:AlternateContent xmlns:mc="http://schemas.openxmlformats.org/markup-compatibility/2006" xmlns:p14="http://schemas.microsoft.com/office/powerpoint/2010/main">
+          <mc:Choice Requires="p14">
             <p:contentPart p14:bwMode="auto" r:id="rId198">
               <p14:nvContentPartPr>
                 <p14:cNvPr id="43" name="Ink 42">
@@ -25185,7 +25570,7 @@
               </p14:xfrm>
             </p:contentPart>
           </mc:Choice>
-          <mc:Fallback>
+          <mc:Fallback xmlns="">
             <p:pic>
               <p:nvPicPr>
                 <p:cNvPr id="43" name="Ink 42">
@@ -25216,8 +25601,8 @@
             </p:pic>
           </mc:Fallback>
         </mc:AlternateContent>
-        <mc:AlternateContent xmlns:mc="http://schemas.openxmlformats.org/markup-compatibility/2006">
-          <mc:Choice xmlns:p14="http://schemas.microsoft.com/office/powerpoint/2010/main" Requires="p14">
+        <mc:AlternateContent xmlns:mc="http://schemas.openxmlformats.org/markup-compatibility/2006" xmlns:p14="http://schemas.microsoft.com/office/powerpoint/2010/main">
+          <mc:Choice Requires="p14">
             <p:contentPart p14:bwMode="auto" r:id="rId200">
               <p14:nvContentPartPr>
                 <p14:cNvPr id="44" name="Ink 43">
@@ -25236,7 +25621,7 @@
               </p14:xfrm>
             </p:contentPart>
           </mc:Choice>
-          <mc:Fallback>
+          <mc:Fallback xmlns="">
             <p:pic>
               <p:nvPicPr>
                 <p:cNvPr id="44" name="Ink 43">
@@ -25267,8 +25652,8 @@
             </p:pic>
           </mc:Fallback>
         </mc:AlternateContent>
-        <mc:AlternateContent xmlns:mc="http://schemas.openxmlformats.org/markup-compatibility/2006">
-          <mc:Choice xmlns:p14="http://schemas.microsoft.com/office/powerpoint/2010/main" Requires="p14">
+        <mc:AlternateContent xmlns:mc="http://schemas.openxmlformats.org/markup-compatibility/2006" xmlns:p14="http://schemas.microsoft.com/office/powerpoint/2010/main">
+          <mc:Choice Requires="p14">
             <p:contentPart p14:bwMode="auto" r:id="rId202">
               <p14:nvContentPartPr>
                 <p14:cNvPr id="45" name="Ink 44">
@@ -25287,7 +25672,7 @@
               </p14:xfrm>
             </p:contentPart>
           </mc:Choice>
-          <mc:Fallback>
+          <mc:Fallback xmlns="">
             <p:pic>
               <p:nvPicPr>
                 <p:cNvPr id="45" name="Ink 44">
@@ -25318,8 +25703,8 @@
             </p:pic>
           </mc:Fallback>
         </mc:AlternateContent>
-        <mc:AlternateContent xmlns:mc="http://schemas.openxmlformats.org/markup-compatibility/2006">
-          <mc:Choice xmlns:p14="http://schemas.microsoft.com/office/powerpoint/2010/main" Requires="p14">
+        <mc:AlternateContent xmlns:mc="http://schemas.openxmlformats.org/markup-compatibility/2006" xmlns:p14="http://schemas.microsoft.com/office/powerpoint/2010/main">
+          <mc:Choice Requires="p14">
             <p:contentPart p14:bwMode="auto" r:id="rId204">
               <p14:nvContentPartPr>
                 <p14:cNvPr id="46" name="Ink 45">
@@ -25338,7 +25723,7 @@
               </p14:xfrm>
             </p:contentPart>
           </mc:Choice>
-          <mc:Fallback>
+          <mc:Fallback xmlns="">
             <p:pic>
               <p:nvPicPr>
                 <p:cNvPr id="46" name="Ink 45">
@@ -25369,8 +25754,8 @@
             </p:pic>
           </mc:Fallback>
         </mc:AlternateContent>
-        <mc:AlternateContent xmlns:mc="http://schemas.openxmlformats.org/markup-compatibility/2006">
-          <mc:Choice xmlns:p14="http://schemas.microsoft.com/office/powerpoint/2010/main" Requires="p14">
+        <mc:AlternateContent xmlns:mc="http://schemas.openxmlformats.org/markup-compatibility/2006" xmlns:p14="http://schemas.microsoft.com/office/powerpoint/2010/main">
+          <mc:Choice Requires="p14">
             <p:contentPart p14:bwMode="auto" r:id="rId206">
               <p14:nvContentPartPr>
                 <p14:cNvPr id="47" name="Ink 46">
@@ -25389,7 +25774,7 @@
               </p14:xfrm>
             </p:contentPart>
           </mc:Choice>
-          <mc:Fallback>
+          <mc:Fallback xmlns="">
             <p:pic>
               <p:nvPicPr>
                 <p:cNvPr id="47" name="Ink 46">
@@ -25420,8 +25805,8 @@
             </p:pic>
           </mc:Fallback>
         </mc:AlternateContent>
-        <mc:AlternateContent xmlns:mc="http://schemas.openxmlformats.org/markup-compatibility/2006">
-          <mc:Choice xmlns:p14="http://schemas.microsoft.com/office/powerpoint/2010/main" Requires="p14">
+        <mc:AlternateContent xmlns:mc="http://schemas.openxmlformats.org/markup-compatibility/2006" xmlns:p14="http://schemas.microsoft.com/office/powerpoint/2010/main">
+          <mc:Choice Requires="p14">
             <p:contentPart p14:bwMode="auto" r:id="rId208">
               <p14:nvContentPartPr>
                 <p14:cNvPr id="48" name="Ink 47">
@@ -25440,7 +25825,7 @@
               </p14:xfrm>
             </p:contentPart>
           </mc:Choice>
-          <mc:Fallback>
+          <mc:Fallback xmlns="">
             <p:pic>
               <p:nvPicPr>
                 <p:cNvPr id="48" name="Ink 47">
@@ -25471,8 +25856,8 @@
             </p:pic>
           </mc:Fallback>
         </mc:AlternateContent>
-        <mc:AlternateContent xmlns:mc="http://schemas.openxmlformats.org/markup-compatibility/2006">
-          <mc:Choice xmlns:p14="http://schemas.microsoft.com/office/powerpoint/2010/main" Requires="p14">
+        <mc:AlternateContent xmlns:mc="http://schemas.openxmlformats.org/markup-compatibility/2006" xmlns:p14="http://schemas.microsoft.com/office/powerpoint/2010/main">
+          <mc:Choice Requires="p14">
             <p:contentPart p14:bwMode="auto" r:id="rId210">
               <p14:nvContentPartPr>
                 <p14:cNvPr id="59" name="Ink 58">
@@ -25491,7 +25876,7 @@
               </p14:xfrm>
             </p:contentPart>
           </mc:Choice>
-          <mc:Fallback>
+          <mc:Fallback xmlns="">
             <p:pic>
               <p:nvPicPr>
                 <p:cNvPr id="59" name="Ink 58">
@@ -25522,8 +25907,8 @@
             </p:pic>
           </mc:Fallback>
         </mc:AlternateContent>
-        <mc:AlternateContent xmlns:mc="http://schemas.openxmlformats.org/markup-compatibility/2006">
-          <mc:Choice xmlns:p14="http://schemas.microsoft.com/office/powerpoint/2010/main" Requires="p14">
+        <mc:AlternateContent xmlns:mc="http://schemas.openxmlformats.org/markup-compatibility/2006" xmlns:p14="http://schemas.microsoft.com/office/powerpoint/2010/main">
+          <mc:Choice Requires="p14">
             <p:contentPart p14:bwMode="auto" r:id="rId212">
               <p14:nvContentPartPr>
                 <p14:cNvPr id="60" name="Ink 59">
@@ -25542,7 +25927,7 @@
               </p14:xfrm>
             </p:contentPart>
           </mc:Choice>
-          <mc:Fallback>
+          <mc:Fallback xmlns="">
             <p:pic>
               <p:nvPicPr>
                 <p:cNvPr id="60" name="Ink 59">
@@ -25573,8 +25958,8 @@
             </p:pic>
           </mc:Fallback>
         </mc:AlternateContent>
-        <mc:AlternateContent xmlns:mc="http://schemas.openxmlformats.org/markup-compatibility/2006">
-          <mc:Choice xmlns:p14="http://schemas.microsoft.com/office/powerpoint/2010/main" Requires="p14">
+        <mc:AlternateContent xmlns:mc="http://schemas.openxmlformats.org/markup-compatibility/2006" xmlns:p14="http://schemas.microsoft.com/office/powerpoint/2010/main">
+          <mc:Choice Requires="p14">
             <p:contentPart p14:bwMode="auto" r:id="rId214">
               <p14:nvContentPartPr>
                 <p14:cNvPr id="61" name="Ink 60">
@@ -25593,7 +25978,7 @@
               </p14:xfrm>
             </p:contentPart>
           </mc:Choice>
-          <mc:Fallback>
+          <mc:Fallback xmlns="">
             <p:pic>
               <p:nvPicPr>
                 <p:cNvPr id="61" name="Ink 60">
@@ -25624,8 +26009,8 @@
             </p:pic>
           </mc:Fallback>
         </mc:AlternateContent>
-        <mc:AlternateContent xmlns:mc="http://schemas.openxmlformats.org/markup-compatibility/2006">
-          <mc:Choice xmlns:p14="http://schemas.microsoft.com/office/powerpoint/2010/main" Requires="p14">
+        <mc:AlternateContent xmlns:mc="http://schemas.openxmlformats.org/markup-compatibility/2006" xmlns:p14="http://schemas.microsoft.com/office/powerpoint/2010/main">
+          <mc:Choice Requires="p14">
             <p:contentPart p14:bwMode="auto" r:id="rId216">
               <p14:nvContentPartPr>
                 <p14:cNvPr id="62" name="Ink 61">
@@ -25644,7 +26029,7 @@
               </p14:xfrm>
             </p:contentPart>
           </mc:Choice>
-          <mc:Fallback>
+          <mc:Fallback xmlns="">
             <p:pic>
               <p:nvPicPr>
                 <p:cNvPr id="62" name="Ink 61">
@@ -25675,8 +26060,8 @@
             </p:pic>
           </mc:Fallback>
         </mc:AlternateContent>
-        <mc:AlternateContent xmlns:mc="http://schemas.openxmlformats.org/markup-compatibility/2006">
-          <mc:Choice xmlns:p14="http://schemas.microsoft.com/office/powerpoint/2010/main" Requires="p14">
+        <mc:AlternateContent xmlns:mc="http://schemas.openxmlformats.org/markup-compatibility/2006" xmlns:p14="http://schemas.microsoft.com/office/powerpoint/2010/main">
+          <mc:Choice Requires="p14">
             <p:contentPart p14:bwMode="auto" r:id="rId218">
               <p14:nvContentPartPr>
                 <p14:cNvPr id="63" name="Ink 62">
@@ -25695,7 +26080,7 @@
               </p14:xfrm>
             </p:contentPart>
           </mc:Choice>
-          <mc:Fallback>
+          <mc:Fallback xmlns="">
             <p:pic>
               <p:nvPicPr>
                 <p:cNvPr id="63" name="Ink 62">
@@ -25726,8 +26111,8 @@
             </p:pic>
           </mc:Fallback>
         </mc:AlternateContent>
-        <mc:AlternateContent xmlns:mc="http://schemas.openxmlformats.org/markup-compatibility/2006">
-          <mc:Choice xmlns:p14="http://schemas.microsoft.com/office/powerpoint/2010/main" Requires="p14">
+        <mc:AlternateContent xmlns:mc="http://schemas.openxmlformats.org/markup-compatibility/2006" xmlns:p14="http://schemas.microsoft.com/office/powerpoint/2010/main">
+          <mc:Choice Requires="p14">
             <p:contentPart p14:bwMode="auto" r:id="rId220">
               <p14:nvContentPartPr>
                 <p14:cNvPr id="64" name="Ink 63">
@@ -25746,7 +26131,7 @@
               </p14:xfrm>
             </p:contentPart>
           </mc:Choice>
-          <mc:Fallback>
+          <mc:Fallback xmlns="">
             <p:pic>
               <p:nvPicPr>
                 <p:cNvPr id="64" name="Ink 63">
@@ -25777,8 +26162,8 @@
             </p:pic>
           </mc:Fallback>
         </mc:AlternateContent>
-        <mc:AlternateContent xmlns:mc="http://schemas.openxmlformats.org/markup-compatibility/2006">
-          <mc:Choice xmlns:p14="http://schemas.microsoft.com/office/powerpoint/2010/main" Requires="p14">
+        <mc:AlternateContent xmlns:mc="http://schemas.openxmlformats.org/markup-compatibility/2006" xmlns:p14="http://schemas.microsoft.com/office/powerpoint/2010/main">
+          <mc:Choice Requires="p14">
             <p:contentPart p14:bwMode="auto" r:id="rId222">
               <p14:nvContentPartPr>
                 <p14:cNvPr id="65" name="Ink 64">
@@ -25797,7 +26182,7 @@
               </p14:xfrm>
             </p:contentPart>
           </mc:Choice>
-          <mc:Fallback>
+          <mc:Fallback xmlns="">
             <p:pic>
               <p:nvPicPr>
                 <p:cNvPr id="65" name="Ink 64">
@@ -25828,8 +26213,8 @@
             </p:pic>
           </mc:Fallback>
         </mc:AlternateContent>
-        <mc:AlternateContent xmlns:mc="http://schemas.openxmlformats.org/markup-compatibility/2006">
-          <mc:Choice xmlns:p14="http://schemas.microsoft.com/office/powerpoint/2010/main" Requires="p14">
+        <mc:AlternateContent xmlns:mc="http://schemas.openxmlformats.org/markup-compatibility/2006" xmlns:p14="http://schemas.microsoft.com/office/powerpoint/2010/main">
+          <mc:Choice Requires="p14">
             <p:contentPart p14:bwMode="auto" r:id="rId224">
               <p14:nvContentPartPr>
                 <p14:cNvPr id="66" name="Ink 65">
@@ -25848,7 +26233,7 @@
               </p14:xfrm>
             </p:contentPart>
           </mc:Choice>
-          <mc:Fallback>
+          <mc:Fallback xmlns="">
             <p:pic>
               <p:nvPicPr>
                 <p:cNvPr id="66" name="Ink 65">
@@ -25879,8 +26264,8 @@
             </p:pic>
           </mc:Fallback>
         </mc:AlternateContent>
-        <mc:AlternateContent xmlns:mc="http://schemas.openxmlformats.org/markup-compatibility/2006">
-          <mc:Choice xmlns:p14="http://schemas.microsoft.com/office/powerpoint/2010/main" Requires="p14">
+        <mc:AlternateContent xmlns:mc="http://schemas.openxmlformats.org/markup-compatibility/2006" xmlns:p14="http://schemas.microsoft.com/office/powerpoint/2010/main">
+          <mc:Choice Requires="p14">
             <p:contentPart p14:bwMode="auto" r:id="rId226">
               <p14:nvContentPartPr>
                 <p14:cNvPr id="67" name="Ink 66">
@@ -25899,7 +26284,7 @@
               </p14:xfrm>
             </p:contentPart>
           </mc:Choice>
-          <mc:Fallback>
+          <mc:Fallback xmlns="">
             <p:pic>
               <p:nvPicPr>
                 <p:cNvPr id="67" name="Ink 66">
@@ -25930,8 +26315,8 @@
             </p:pic>
           </mc:Fallback>
         </mc:AlternateContent>
-        <mc:AlternateContent xmlns:mc="http://schemas.openxmlformats.org/markup-compatibility/2006">
-          <mc:Choice xmlns:p14="http://schemas.microsoft.com/office/powerpoint/2010/main" Requires="p14">
+        <mc:AlternateContent xmlns:mc="http://schemas.openxmlformats.org/markup-compatibility/2006" xmlns:p14="http://schemas.microsoft.com/office/powerpoint/2010/main">
+          <mc:Choice Requires="p14">
             <p:contentPart p14:bwMode="auto" r:id="rId228">
               <p14:nvContentPartPr>
                 <p14:cNvPr id="72" name="Ink 71">
@@ -25950,7 +26335,7 @@
               </p14:xfrm>
             </p:contentPart>
           </mc:Choice>
-          <mc:Fallback>
+          <mc:Fallback xmlns="">
             <p:pic>
               <p:nvPicPr>
                 <p:cNvPr id="72" name="Ink 71">
@@ -25981,8 +26366,8 @@
             </p:pic>
           </mc:Fallback>
         </mc:AlternateContent>
-        <mc:AlternateContent xmlns:mc="http://schemas.openxmlformats.org/markup-compatibility/2006">
-          <mc:Choice xmlns:p14="http://schemas.microsoft.com/office/powerpoint/2010/main" Requires="p14">
+        <mc:AlternateContent xmlns:mc="http://schemas.openxmlformats.org/markup-compatibility/2006" xmlns:p14="http://schemas.microsoft.com/office/powerpoint/2010/main">
+          <mc:Choice Requires="p14">
             <p:contentPart p14:bwMode="auto" r:id="rId230">
               <p14:nvContentPartPr>
                 <p14:cNvPr id="74" name="Ink 73">
@@ -26001,7 +26386,7 @@
               </p14:xfrm>
             </p:contentPart>
           </mc:Choice>
-          <mc:Fallback>
+          <mc:Fallback xmlns="">
             <p:pic>
               <p:nvPicPr>
                 <p:cNvPr id="74" name="Ink 73">
@@ -26032,8 +26417,8 @@
             </p:pic>
           </mc:Fallback>
         </mc:AlternateContent>
-        <mc:AlternateContent xmlns:mc="http://schemas.openxmlformats.org/markup-compatibility/2006">
-          <mc:Choice xmlns:p14="http://schemas.microsoft.com/office/powerpoint/2010/main" Requires="p14">
+        <mc:AlternateContent xmlns:mc="http://schemas.openxmlformats.org/markup-compatibility/2006" xmlns:p14="http://schemas.microsoft.com/office/powerpoint/2010/main">
+          <mc:Choice Requires="p14">
             <p:contentPart p14:bwMode="auto" r:id="rId232">
               <p14:nvContentPartPr>
                 <p14:cNvPr id="75" name="Ink 74">
@@ -26052,7 +26437,7 @@
               </p14:xfrm>
             </p:contentPart>
           </mc:Choice>
-          <mc:Fallback>
+          <mc:Fallback xmlns="">
             <p:pic>
               <p:nvPicPr>
                 <p:cNvPr id="75" name="Ink 74">
@@ -26083,8 +26468,8 @@
             </p:pic>
           </mc:Fallback>
         </mc:AlternateContent>
-        <mc:AlternateContent xmlns:mc="http://schemas.openxmlformats.org/markup-compatibility/2006">
-          <mc:Choice xmlns:p14="http://schemas.microsoft.com/office/powerpoint/2010/main" Requires="p14">
+        <mc:AlternateContent xmlns:mc="http://schemas.openxmlformats.org/markup-compatibility/2006" xmlns:p14="http://schemas.microsoft.com/office/powerpoint/2010/main">
+          <mc:Choice Requires="p14">
             <p:contentPart p14:bwMode="auto" r:id="rId233">
               <p14:nvContentPartPr>
                 <p14:cNvPr id="76" name="Ink 75">
@@ -26103,7 +26488,7 @@
               </p14:xfrm>
             </p:contentPart>
           </mc:Choice>
-          <mc:Fallback>
+          <mc:Fallback xmlns="">
             <p:pic>
               <p:nvPicPr>
                 <p:cNvPr id="76" name="Ink 75">
@@ -26134,8 +26519,8 @@
             </p:pic>
           </mc:Fallback>
         </mc:AlternateContent>
-        <mc:AlternateContent xmlns:mc="http://schemas.openxmlformats.org/markup-compatibility/2006">
-          <mc:Choice xmlns:p14="http://schemas.microsoft.com/office/powerpoint/2010/main" Requires="p14">
+        <mc:AlternateContent xmlns:mc="http://schemas.openxmlformats.org/markup-compatibility/2006" xmlns:p14="http://schemas.microsoft.com/office/powerpoint/2010/main">
+          <mc:Choice Requires="p14">
             <p:contentPart p14:bwMode="auto" r:id="rId235">
               <p14:nvContentPartPr>
                 <p14:cNvPr id="73" name="Ink 72">
@@ -26154,7 +26539,7 @@
               </p14:xfrm>
             </p:contentPart>
           </mc:Choice>
-          <mc:Fallback>
+          <mc:Fallback xmlns="">
             <p:pic>
               <p:nvPicPr>
                 <p:cNvPr id="73" name="Ink 72">
@@ -26185,8 +26570,8 @@
             </p:pic>
           </mc:Fallback>
         </mc:AlternateContent>
-        <mc:AlternateContent xmlns:mc="http://schemas.openxmlformats.org/markup-compatibility/2006">
-          <mc:Choice xmlns:p14="http://schemas.microsoft.com/office/powerpoint/2010/main" Requires="p14">
+        <mc:AlternateContent xmlns:mc="http://schemas.openxmlformats.org/markup-compatibility/2006" xmlns:p14="http://schemas.microsoft.com/office/powerpoint/2010/main">
+          <mc:Choice Requires="p14">
             <p:contentPart p14:bwMode="auto" r:id="rId237">
               <p14:nvContentPartPr>
                 <p14:cNvPr id="77" name="Ink 76">
@@ -26205,7 +26590,7 @@
               </p14:xfrm>
             </p:contentPart>
           </mc:Choice>
-          <mc:Fallback>
+          <mc:Fallback xmlns="">
             <p:pic>
               <p:nvPicPr>
                 <p:cNvPr id="77" name="Ink 76">
@@ -26236,8 +26621,8 @@
             </p:pic>
           </mc:Fallback>
         </mc:AlternateContent>
-        <mc:AlternateContent xmlns:mc="http://schemas.openxmlformats.org/markup-compatibility/2006">
-          <mc:Choice xmlns:p14="http://schemas.microsoft.com/office/powerpoint/2010/main" Requires="p14">
+        <mc:AlternateContent xmlns:mc="http://schemas.openxmlformats.org/markup-compatibility/2006" xmlns:p14="http://schemas.microsoft.com/office/powerpoint/2010/main">
+          <mc:Choice Requires="p14">
             <p:contentPart p14:bwMode="auto" r:id="rId239">
               <p14:nvContentPartPr>
                 <p14:cNvPr id="78" name="Ink 77">
@@ -26256,7 +26641,7 @@
               </p14:xfrm>
             </p:contentPart>
           </mc:Choice>
-          <mc:Fallback>
+          <mc:Fallback xmlns="">
             <p:pic>
               <p:nvPicPr>
                 <p:cNvPr id="78" name="Ink 77">
@@ -26287,8 +26672,8 @@
             </p:pic>
           </mc:Fallback>
         </mc:AlternateContent>
-        <mc:AlternateContent xmlns:mc="http://schemas.openxmlformats.org/markup-compatibility/2006">
-          <mc:Choice xmlns:p14="http://schemas.microsoft.com/office/powerpoint/2010/main" Requires="p14">
+        <mc:AlternateContent xmlns:mc="http://schemas.openxmlformats.org/markup-compatibility/2006" xmlns:p14="http://schemas.microsoft.com/office/powerpoint/2010/main">
+          <mc:Choice Requires="p14">
             <p:contentPart p14:bwMode="auto" r:id="rId240">
               <p14:nvContentPartPr>
                 <p14:cNvPr id="79" name="Ink 78">
@@ -26307,7 +26692,7 @@
               </p14:xfrm>
             </p:contentPart>
           </mc:Choice>
-          <mc:Fallback>
+          <mc:Fallback xmlns="">
             <p:pic>
               <p:nvPicPr>
                 <p:cNvPr id="79" name="Ink 78">
@@ -26338,8 +26723,8 @@
             </p:pic>
           </mc:Fallback>
         </mc:AlternateContent>
-        <mc:AlternateContent xmlns:mc="http://schemas.openxmlformats.org/markup-compatibility/2006">
-          <mc:Choice xmlns:p14="http://schemas.microsoft.com/office/powerpoint/2010/main" Requires="p14">
+        <mc:AlternateContent xmlns:mc="http://schemas.openxmlformats.org/markup-compatibility/2006" xmlns:p14="http://schemas.microsoft.com/office/powerpoint/2010/main">
+          <mc:Choice Requires="p14">
             <p:contentPart p14:bwMode="auto" r:id="rId242">
               <p14:nvContentPartPr>
                 <p14:cNvPr id="80" name="Ink 79">
@@ -26358,7 +26743,7 @@
               </p14:xfrm>
             </p:contentPart>
           </mc:Choice>
-          <mc:Fallback>
+          <mc:Fallback xmlns="">
             <p:pic>
               <p:nvPicPr>
                 <p:cNvPr id="80" name="Ink 79">
@@ -26389,8 +26774,8 @@
             </p:pic>
           </mc:Fallback>
         </mc:AlternateContent>
-        <mc:AlternateContent xmlns:mc="http://schemas.openxmlformats.org/markup-compatibility/2006">
-          <mc:Choice xmlns:p14="http://schemas.microsoft.com/office/powerpoint/2010/main" Requires="p14">
+        <mc:AlternateContent xmlns:mc="http://schemas.openxmlformats.org/markup-compatibility/2006" xmlns:p14="http://schemas.microsoft.com/office/powerpoint/2010/main">
+          <mc:Choice Requires="p14">
             <p:contentPart p14:bwMode="auto" r:id="rId244">
               <p14:nvContentPartPr>
                 <p14:cNvPr id="81" name="Ink 80">
@@ -26409,7 +26794,7 @@
               </p14:xfrm>
             </p:contentPart>
           </mc:Choice>
-          <mc:Fallback>
+          <mc:Fallback xmlns="">
             <p:pic>
               <p:nvPicPr>
                 <p:cNvPr id="81" name="Ink 80">
@@ -26440,8 +26825,8 @@
             </p:pic>
           </mc:Fallback>
         </mc:AlternateContent>
-        <mc:AlternateContent xmlns:mc="http://schemas.openxmlformats.org/markup-compatibility/2006">
-          <mc:Choice xmlns:p14="http://schemas.microsoft.com/office/powerpoint/2010/main" Requires="p14">
+        <mc:AlternateContent xmlns:mc="http://schemas.openxmlformats.org/markup-compatibility/2006" xmlns:p14="http://schemas.microsoft.com/office/powerpoint/2010/main">
+          <mc:Choice Requires="p14">
             <p:contentPart p14:bwMode="auto" r:id="rId246">
               <p14:nvContentPartPr>
                 <p14:cNvPr id="84" name="Ink 83">
@@ -26460,7 +26845,7 @@
               </p14:xfrm>
             </p:contentPart>
           </mc:Choice>
-          <mc:Fallback>
+          <mc:Fallback xmlns="">
             <p:pic>
               <p:nvPicPr>
                 <p:cNvPr id="84" name="Ink 83">
@@ -26491,8 +26876,8 @@
             </p:pic>
           </mc:Fallback>
         </mc:AlternateContent>
-        <mc:AlternateContent xmlns:mc="http://schemas.openxmlformats.org/markup-compatibility/2006">
-          <mc:Choice xmlns:p14="http://schemas.microsoft.com/office/powerpoint/2010/main" Requires="p14">
+        <mc:AlternateContent xmlns:mc="http://schemas.openxmlformats.org/markup-compatibility/2006" xmlns:p14="http://schemas.microsoft.com/office/powerpoint/2010/main">
+          <mc:Choice Requires="p14">
             <p:contentPart p14:bwMode="auto" r:id="rId248">
               <p14:nvContentPartPr>
                 <p14:cNvPr id="85" name="Ink 84">
@@ -26511,7 +26896,7 @@
               </p14:xfrm>
             </p:contentPart>
           </mc:Choice>
-          <mc:Fallback>
+          <mc:Fallback xmlns="">
             <p:pic>
               <p:nvPicPr>
                 <p:cNvPr id="85" name="Ink 84">
@@ -26542,8 +26927,8 @@
             </p:pic>
           </mc:Fallback>
         </mc:AlternateContent>
-        <mc:AlternateContent xmlns:mc="http://schemas.openxmlformats.org/markup-compatibility/2006">
-          <mc:Choice xmlns:p14="http://schemas.microsoft.com/office/powerpoint/2010/main" Requires="p14">
+        <mc:AlternateContent xmlns:mc="http://schemas.openxmlformats.org/markup-compatibility/2006" xmlns:p14="http://schemas.microsoft.com/office/powerpoint/2010/main">
+          <mc:Choice Requires="p14">
             <p:contentPart p14:bwMode="auto" r:id="rId250">
               <p14:nvContentPartPr>
                 <p14:cNvPr id="86" name="Ink 85">
@@ -26562,7 +26947,7 @@
               </p14:xfrm>
             </p:contentPart>
           </mc:Choice>
-          <mc:Fallback>
+          <mc:Fallback xmlns="">
             <p:pic>
               <p:nvPicPr>
                 <p:cNvPr id="86" name="Ink 85">
@@ -26593,8 +26978,8 @@
             </p:pic>
           </mc:Fallback>
         </mc:AlternateContent>
-        <mc:AlternateContent xmlns:mc="http://schemas.openxmlformats.org/markup-compatibility/2006">
-          <mc:Choice xmlns:p14="http://schemas.microsoft.com/office/powerpoint/2010/main" Requires="p14">
+        <mc:AlternateContent xmlns:mc="http://schemas.openxmlformats.org/markup-compatibility/2006" xmlns:p14="http://schemas.microsoft.com/office/powerpoint/2010/main">
+          <mc:Choice Requires="p14">
             <p:contentPart p14:bwMode="auto" r:id="rId252">
               <p14:nvContentPartPr>
                 <p14:cNvPr id="87" name="Ink 86">
@@ -26613,7 +26998,7 @@
               </p14:xfrm>
             </p:contentPart>
           </mc:Choice>
-          <mc:Fallback>
+          <mc:Fallback xmlns="">
             <p:pic>
               <p:nvPicPr>
                 <p:cNvPr id="87" name="Ink 86">
@@ -26644,8 +27029,8 @@
             </p:pic>
           </mc:Fallback>
         </mc:AlternateContent>
-        <mc:AlternateContent xmlns:mc="http://schemas.openxmlformats.org/markup-compatibility/2006">
-          <mc:Choice xmlns:p14="http://schemas.microsoft.com/office/powerpoint/2010/main" Requires="p14">
+        <mc:AlternateContent xmlns:mc="http://schemas.openxmlformats.org/markup-compatibility/2006" xmlns:p14="http://schemas.microsoft.com/office/powerpoint/2010/main">
+          <mc:Choice Requires="p14">
             <p:contentPart p14:bwMode="auto" r:id="rId254">
               <p14:nvContentPartPr>
                 <p14:cNvPr id="88" name="Ink 87">
@@ -26664,7 +27049,7 @@
               </p14:xfrm>
             </p:contentPart>
           </mc:Choice>
-          <mc:Fallback>
+          <mc:Fallback xmlns="">
             <p:pic>
               <p:nvPicPr>
                 <p:cNvPr id="88" name="Ink 87">
@@ -26695,8 +27080,8 @@
             </p:pic>
           </mc:Fallback>
         </mc:AlternateContent>
-        <mc:AlternateContent xmlns:mc="http://schemas.openxmlformats.org/markup-compatibility/2006">
-          <mc:Choice xmlns:p14="http://schemas.microsoft.com/office/powerpoint/2010/main" Requires="p14">
+        <mc:AlternateContent xmlns:mc="http://schemas.openxmlformats.org/markup-compatibility/2006" xmlns:p14="http://schemas.microsoft.com/office/powerpoint/2010/main">
+          <mc:Choice Requires="p14">
             <p:contentPart p14:bwMode="auto" r:id="rId256">
               <p14:nvContentPartPr>
                 <p14:cNvPr id="89" name="Ink 88">
@@ -26715,7 +27100,7 @@
               </p14:xfrm>
             </p:contentPart>
           </mc:Choice>
-          <mc:Fallback>
+          <mc:Fallback xmlns="">
             <p:pic>
               <p:nvPicPr>
                 <p:cNvPr id="89" name="Ink 88">
@@ -26746,8 +27131,8 @@
             </p:pic>
           </mc:Fallback>
         </mc:AlternateContent>
-        <mc:AlternateContent xmlns:mc="http://schemas.openxmlformats.org/markup-compatibility/2006">
-          <mc:Choice xmlns:p14="http://schemas.microsoft.com/office/powerpoint/2010/main" Requires="p14">
+        <mc:AlternateContent xmlns:mc="http://schemas.openxmlformats.org/markup-compatibility/2006" xmlns:p14="http://schemas.microsoft.com/office/powerpoint/2010/main">
+          <mc:Choice Requires="p14">
             <p:contentPart p14:bwMode="auto" r:id="rId258">
               <p14:nvContentPartPr>
                 <p14:cNvPr id="90" name="Ink 89">
@@ -26766,7 +27151,7 @@
               </p14:xfrm>
             </p:contentPart>
           </mc:Choice>
-          <mc:Fallback>
+          <mc:Fallback xmlns="">
             <p:pic>
               <p:nvPicPr>
                 <p:cNvPr id="90" name="Ink 89">
@@ -26797,8 +27182,8 @@
             </p:pic>
           </mc:Fallback>
         </mc:AlternateContent>
-        <mc:AlternateContent xmlns:mc="http://schemas.openxmlformats.org/markup-compatibility/2006">
-          <mc:Choice xmlns:p14="http://schemas.microsoft.com/office/powerpoint/2010/main" Requires="p14">
+        <mc:AlternateContent xmlns:mc="http://schemas.openxmlformats.org/markup-compatibility/2006" xmlns:p14="http://schemas.microsoft.com/office/powerpoint/2010/main">
+          <mc:Choice Requires="p14">
             <p:contentPart p14:bwMode="auto" r:id="rId260">
               <p14:nvContentPartPr>
                 <p14:cNvPr id="94" name="Ink 93">
@@ -26817,7 +27202,7 @@
               </p14:xfrm>
             </p:contentPart>
           </mc:Choice>
-          <mc:Fallback>
+          <mc:Fallback xmlns="">
             <p:pic>
               <p:nvPicPr>
                 <p:cNvPr id="94" name="Ink 93">
@@ -26848,8 +27233,8 @@
             </p:pic>
           </mc:Fallback>
         </mc:AlternateContent>
-        <mc:AlternateContent xmlns:mc="http://schemas.openxmlformats.org/markup-compatibility/2006">
-          <mc:Choice xmlns:p14="http://schemas.microsoft.com/office/powerpoint/2010/main" Requires="p14">
+        <mc:AlternateContent xmlns:mc="http://schemas.openxmlformats.org/markup-compatibility/2006" xmlns:p14="http://schemas.microsoft.com/office/powerpoint/2010/main">
+          <mc:Choice Requires="p14">
             <p:contentPart p14:bwMode="auto" r:id="rId262">
               <p14:nvContentPartPr>
                 <p14:cNvPr id="95" name="Ink 94">
@@ -26868,7 +27253,7 @@
               </p14:xfrm>
             </p:contentPart>
           </mc:Choice>
-          <mc:Fallback>
+          <mc:Fallback xmlns="">
             <p:pic>
               <p:nvPicPr>
                 <p:cNvPr id="95" name="Ink 94">
@@ -26899,8 +27284,8 @@
             </p:pic>
           </mc:Fallback>
         </mc:AlternateContent>
-        <mc:AlternateContent xmlns:mc="http://schemas.openxmlformats.org/markup-compatibility/2006">
-          <mc:Choice xmlns:p14="http://schemas.microsoft.com/office/powerpoint/2010/main" Requires="p14">
+        <mc:AlternateContent xmlns:mc="http://schemas.openxmlformats.org/markup-compatibility/2006" xmlns:p14="http://schemas.microsoft.com/office/powerpoint/2010/main">
+          <mc:Choice Requires="p14">
             <p:contentPart p14:bwMode="auto" r:id="rId264">
               <p14:nvContentPartPr>
                 <p14:cNvPr id="96" name="Ink 95">
@@ -26919,7 +27304,7 @@
               </p14:xfrm>
             </p:contentPart>
           </mc:Choice>
-          <mc:Fallback>
+          <mc:Fallback xmlns="">
             <p:pic>
               <p:nvPicPr>
                 <p:cNvPr id="96" name="Ink 95">
@@ -26950,8 +27335,8 @@
             </p:pic>
           </mc:Fallback>
         </mc:AlternateContent>
-        <mc:AlternateContent xmlns:mc="http://schemas.openxmlformats.org/markup-compatibility/2006">
-          <mc:Choice xmlns:p14="http://schemas.microsoft.com/office/powerpoint/2010/main" Requires="p14">
+        <mc:AlternateContent xmlns:mc="http://schemas.openxmlformats.org/markup-compatibility/2006" xmlns:p14="http://schemas.microsoft.com/office/powerpoint/2010/main">
+          <mc:Choice Requires="p14">
             <p:contentPart p14:bwMode="auto" r:id="rId266">
               <p14:nvContentPartPr>
                 <p14:cNvPr id="97" name="Ink 96">
@@ -26970,7 +27355,7 @@
               </p14:xfrm>
             </p:contentPart>
           </mc:Choice>
-          <mc:Fallback>
+          <mc:Fallback xmlns="">
             <p:pic>
               <p:nvPicPr>
                 <p:cNvPr id="97" name="Ink 96">
@@ -27001,8 +27386,8 @@
             </p:pic>
           </mc:Fallback>
         </mc:AlternateContent>
-        <mc:AlternateContent xmlns:mc="http://schemas.openxmlformats.org/markup-compatibility/2006">
-          <mc:Choice xmlns:p14="http://schemas.microsoft.com/office/powerpoint/2010/main" Requires="p14">
+        <mc:AlternateContent xmlns:mc="http://schemas.openxmlformats.org/markup-compatibility/2006" xmlns:p14="http://schemas.microsoft.com/office/powerpoint/2010/main">
+          <mc:Choice Requires="p14">
             <p:contentPart p14:bwMode="auto" r:id="rId268">
               <p14:nvContentPartPr>
                 <p14:cNvPr id="98" name="Ink 97">
@@ -27021,7 +27406,7 @@
               </p14:xfrm>
             </p:contentPart>
           </mc:Choice>
-          <mc:Fallback>
+          <mc:Fallback xmlns="">
             <p:pic>
               <p:nvPicPr>
                 <p:cNvPr id="98" name="Ink 97">
@@ -27052,8 +27437,8 @@
             </p:pic>
           </mc:Fallback>
         </mc:AlternateContent>
-        <mc:AlternateContent xmlns:mc="http://schemas.openxmlformats.org/markup-compatibility/2006">
-          <mc:Choice xmlns:p14="http://schemas.microsoft.com/office/powerpoint/2010/main" Requires="p14">
+        <mc:AlternateContent xmlns:mc="http://schemas.openxmlformats.org/markup-compatibility/2006" xmlns:p14="http://schemas.microsoft.com/office/powerpoint/2010/main">
+          <mc:Choice Requires="p14">
             <p:contentPart p14:bwMode="auto" r:id="rId270">
               <p14:nvContentPartPr>
                 <p14:cNvPr id="99" name="Ink 98">
@@ -27072,7 +27457,7 @@
               </p14:xfrm>
             </p:contentPart>
           </mc:Choice>
-          <mc:Fallback>
+          <mc:Fallback xmlns="">
             <p:pic>
               <p:nvPicPr>
                 <p:cNvPr id="99" name="Ink 98">
@@ -27103,8 +27488,8 @@
             </p:pic>
           </mc:Fallback>
         </mc:AlternateContent>
-        <mc:AlternateContent xmlns:mc="http://schemas.openxmlformats.org/markup-compatibility/2006">
-          <mc:Choice xmlns:p14="http://schemas.microsoft.com/office/powerpoint/2010/main" Requires="p14">
+        <mc:AlternateContent xmlns:mc="http://schemas.openxmlformats.org/markup-compatibility/2006" xmlns:p14="http://schemas.microsoft.com/office/powerpoint/2010/main">
+          <mc:Choice Requires="p14">
             <p:contentPart p14:bwMode="auto" r:id="rId272">
               <p14:nvContentPartPr>
                 <p14:cNvPr id="100" name="Ink 99">
@@ -27123,7 +27508,7 @@
               </p14:xfrm>
             </p:contentPart>
           </mc:Choice>
-          <mc:Fallback>
+          <mc:Fallback xmlns="">
             <p:pic>
               <p:nvPicPr>
                 <p:cNvPr id="100" name="Ink 99">
@@ -27154,8 +27539,8 @@
             </p:pic>
           </mc:Fallback>
         </mc:AlternateContent>
-        <mc:AlternateContent xmlns:mc="http://schemas.openxmlformats.org/markup-compatibility/2006">
-          <mc:Choice xmlns:p14="http://schemas.microsoft.com/office/powerpoint/2010/main" Requires="p14">
+        <mc:AlternateContent xmlns:mc="http://schemas.openxmlformats.org/markup-compatibility/2006" xmlns:p14="http://schemas.microsoft.com/office/powerpoint/2010/main">
+          <mc:Choice Requires="p14">
             <p:contentPart p14:bwMode="auto" r:id="rId274">
               <p14:nvContentPartPr>
                 <p14:cNvPr id="101" name="Ink 100">
@@ -27174,7 +27559,7 @@
               </p14:xfrm>
             </p:contentPart>
           </mc:Choice>
-          <mc:Fallback>
+          <mc:Fallback xmlns="">
             <p:pic>
               <p:nvPicPr>
                 <p:cNvPr id="101" name="Ink 100">
@@ -27205,8 +27590,8 @@
             </p:pic>
           </mc:Fallback>
         </mc:AlternateContent>
-        <mc:AlternateContent xmlns:mc="http://schemas.openxmlformats.org/markup-compatibility/2006">
-          <mc:Choice xmlns:p14="http://schemas.microsoft.com/office/powerpoint/2010/main" Requires="p14">
+        <mc:AlternateContent xmlns:mc="http://schemas.openxmlformats.org/markup-compatibility/2006" xmlns:p14="http://schemas.microsoft.com/office/powerpoint/2010/main">
+          <mc:Choice Requires="p14">
             <p:contentPart p14:bwMode="auto" r:id="rId276">
               <p14:nvContentPartPr>
                 <p14:cNvPr id="174" name="Ink 173">
@@ -27225,7 +27610,7 @@
               </p14:xfrm>
             </p:contentPart>
           </mc:Choice>
-          <mc:Fallback>
+          <mc:Fallback xmlns="">
             <p:pic>
               <p:nvPicPr>
                 <p:cNvPr id="174" name="Ink 173">
@@ -27256,8 +27641,8 @@
             </p:pic>
           </mc:Fallback>
         </mc:AlternateContent>
-        <mc:AlternateContent xmlns:mc="http://schemas.openxmlformats.org/markup-compatibility/2006">
-          <mc:Choice xmlns:p14="http://schemas.microsoft.com/office/powerpoint/2010/main" Requires="p14">
+        <mc:AlternateContent xmlns:mc="http://schemas.openxmlformats.org/markup-compatibility/2006" xmlns:p14="http://schemas.microsoft.com/office/powerpoint/2010/main">
+          <mc:Choice Requires="p14">
             <p:contentPart p14:bwMode="auto" r:id="rId278">
               <p14:nvContentPartPr>
                 <p14:cNvPr id="175" name="Ink 174">
@@ -27276,7 +27661,7 @@
               </p14:xfrm>
             </p:contentPart>
           </mc:Choice>
-          <mc:Fallback>
+          <mc:Fallback xmlns="">
             <p:pic>
               <p:nvPicPr>
                 <p:cNvPr id="175" name="Ink 174">
@@ -27307,8 +27692,8 @@
             </p:pic>
           </mc:Fallback>
         </mc:AlternateContent>
-        <mc:AlternateContent xmlns:mc="http://schemas.openxmlformats.org/markup-compatibility/2006">
-          <mc:Choice xmlns:p14="http://schemas.microsoft.com/office/powerpoint/2010/main" Requires="p14">
+        <mc:AlternateContent xmlns:mc="http://schemas.openxmlformats.org/markup-compatibility/2006" xmlns:p14="http://schemas.microsoft.com/office/powerpoint/2010/main">
+          <mc:Choice Requires="p14">
             <p:contentPart p14:bwMode="auto" r:id="rId280">
               <p14:nvContentPartPr>
                 <p14:cNvPr id="176" name="Ink 175">
@@ -27327,7 +27712,7 @@
               </p14:xfrm>
             </p:contentPart>
           </mc:Choice>
-          <mc:Fallback>
+          <mc:Fallback xmlns="">
             <p:pic>
               <p:nvPicPr>
                 <p:cNvPr id="176" name="Ink 175">
@@ -27358,8 +27743,8 @@
             </p:pic>
           </mc:Fallback>
         </mc:AlternateContent>
-        <mc:AlternateContent xmlns:mc="http://schemas.openxmlformats.org/markup-compatibility/2006">
-          <mc:Choice xmlns:p14="http://schemas.microsoft.com/office/powerpoint/2010/main" Requires="p14">
+        <mc:AlternateContent xmlns:mc="http://schemas.openxmlformats.org/markup-compatibility/2006" xmlns:p14="http://schemas.microsoft.com/office/powerpoint/2010/main">
+          <mc:Choice Requires="p14">
             <p:contentPart p14:bwMode="auto" r:id="rId282">
               <p14:nvContentPartPr>
                 <p14:cNvPr id="177" name="Ink 176">
@@ -27378,7 +27763,7 @@
               </p14:xfrm>
             </p:contentPart>
           </mc:Choice>
-          <mc:Fallback>
+          <mc:Fallback xmlns="">
             <p:pic>
               <p:nvPicPr>
                 <p:cNvPr id="177" name="Ink 176">
@@ -27409,8 +27794,8 @@
             </p:pic>
           </mc:Fallback>
         </mc:AlternateContent>
-        <mc:AlternateContent xmlns:mc="http://schemas.openxmlformats.org/markup-compatibility/2006">
-          <mc:Choice xmlns:p14="http://schemas.microsoft.com/office/powerpoint/2010/main" Requires="p14">
+        <mc:AlternateContent xmlns:mc="http://schemas.openxmlformats.org/markup-compatibility/2006" xmlns:p14="http://schemas.microsoft.com/office/powerpoint/2010/main">
+          <mc:Choice Requires="p14">
             <p:contentPart p14:bwMode="auto" r:id="rId284">
               <p14:nvContentPartPr>
                 <p14:cNvPr id="178" name="Ink 177">
@@ -27429,7 +27814,7 @@
               </p14:xfrm>
             </p:contentPart>
           </mc:Choice>
-          <mc:Fallback>
+          <mc:Fallback xmlns="">
             <p:pic>
               <p:nvPicPr>
                 <p:cNvPr id="178" name="Ink 177">
@@ -27460,8 +27845,8 @@
             </p:pic>
           </mc:Fallback>
         </mc:AlternateContent>
-        <mc:AlternateContent xmlns:mc="http://schemas.openxmlformats.org/markup-compatibility/2006">
-          <mc:Choice xmlns:p14="http://schemas.microsoft.com/office/powerpoint/2010/main" Requires="p14">
+        <mc:AlternateContent xmlns:mc="http://schemas.openxmlformats.org/markup-compatibility/2006" xmlns:p14="http://schemas.microsoft.com/office/powerpoint/2010/main">
+          <mc:Choice Requires="p14">
             <p:contentPart p14:bwMode="auto" r:id="rId286">
               <p14:nvContentPartPr>
                 <p14:cNvPr id="180" name="Ink 179">
@@ -27480,7 +27865,7 @@
               </p14:xfrm>
             </p:contentPart>
           </mc:Choice>
-          <mc:Fallback>
+          <mc:Fallback xmlns="">
             <p:pic>
               <p:nvPicPr>
                 <p:cNvPr id="180" name="Ink 179">
@@ -27511,8 +27896,8 @@
             </p:pic>
           </mc:Fallback>
         </mc:AlternateContent>
-        <mc:AlternateContent xmlns:mc="http://schemas.openxmlformats.org/markup-compatibility/2006">
-          <mc:Choice xmlns:p14="http://schemas.microsoft.com/office/powerpoint/2010/main" Requires="p14">
+        <mc:AlternateContent xmlns:mc="http://schemas.openxmlformats.org/markup-compatibility/2006" xmlns:p14="http://schemas.microsoft.com/office/powerpoint/2010/main">
+          <mc:Choice Requires="p14">
             <p:contentPart p14:bwMode="auto" r:id="rId288">
               <p14:nvContentPartPr>
                 <p14:cNvPr id="181" name="Ink 180">
@@ -27531,7 +27916,7 @@
               </p14:xfrm>
             </p:contentPart>
           </mc:Choice>
-          <mc:Fallback>
+          <mc:Fallback xmlns="">
             <p:pic>
               <p:nvPicPr>
                 <p:cNvPr id="181" name="Ink 180">
@@ -27562,8 +27947,8 @@
             </p:pic>
           </mc:Fallback>
         </mc:AlternateContent>
-        <mc:AlternateContent xmlns:mc="http://schemas.openxmlformats.org/markup-compatibility/2006">
-          <mc:Choice xmlns:p14="http://schemas.microsoft.com/office/powerpoint/2010/main" Requires="p14">
+        <mc:AlternateContent xmlns:mc="http://schemas.openxmlformats.org/markup-compatibility/2006" xmlns:p14="http://schemas.microsoft.com/office/powerpoint/2010/main">
+          <mc:Choice Requires="p14">
             <p:contentPart p14:bwMode="auto" r:id="rId290">
               <p14:nvContentPartPr>
                 <p14:cNvPr id="182" name="Ink 181">
@@ -27582,7 +27967,7 @@
               </p14:xfrm>
             </p:contentPart>
           </mc:Choice>
-          <mc:Fallback>
+          <mc:Fallback xmlns="">
             <p:pic>
               <p:nvPicPr>
                 <p:cNvPr id="182" name="Ink 181">
@@ -27613,8 +27998,8 @@
             </p:pic>
           </mc:Fallback>
         </mc:AlternateContent>
-        <mc:AlternateContent xmlns:mc="http://schemas.openxmlformats.org/markup-compatibility/2006">
-          <mc:Choice xmlns:p14="http://schemas.microsoft.com/office/powerpoint/2010/main" Requires="p14">
+        <mc:AlternateContent xmlns:mc="http://schemas.openxmlformats.org/markup-compatibility/2006" xmlns:p14="http://schemas.microsoft.com/office/powerpoint/2010/main">
+          <mc:Choice Requires="p14">
             <p:contentPart p14:bwMode="auto" r:id="rId292">
               <p14:nvContentPartPr>
                 <p14:cNvPr id="183" name="Ink 182">
@@ -27633,7 +28018,7 @@
               </p14:xfrm>
             </p:contentPart>
           </mc:Choice>
-          <mc:Fallback>
+          <mc:Fallback xmlns="">
             <p:pic>
               <p:nvPicPr>
                 <p:cNvPr id="183" name="Ink 182">
@@ -27664,8 +28049,8 @@
             </p:pic>
           </mc:Fallback>
         </mc:AlternateContent>
-        <mc:AlternateContent xmlns:mc="http://schemas.openxmlformats.org/markup-compatibility/2006">
-          <mc:Choice xmlns:p14="http://schemas.microsoft.com/office/powerpoint/2010/main" Requires="p14">
+        <mc:AlternateContent xmlns:mc="http://schemas.openxmlformats.org/markup-compatibility/2006" xmlns:p14="http://schemas.microsoft.com/office/powerpoint/2010/main">
+          <mc:Choice Requires="p14">
             <p:contentPart p14:bwMode="auto" r:id="rId294">
               <p14:nvContentPartPr>
                 <p14:cNvPr id="184" name="Ink 183">
@@ -27684,7 +28069,7 @@
               </p14:xfrm>
             </p:contentPart>
           </mc:Choice>
-          <mc:Fallback>
+          <mc:Fallback xmlns="">
             <p:pic>
               <p:nvPicPr>
                 <p:cNvPr id="184" name="Ink 183">
@@ -27715,8 +28100,8 @@
             </p:pic>
           </mc:Fallback>
         </mc:AlternateContent>
-        <mc:AlternateContent xmlns:mc="http://schemas.openxmlformats.org/markup-compatibility/2006">
-          <mc:Choice xmlns:p14="http://schemas.microsoft.com/office/powerpoint/2010/main" Requires="p14">
+        <mc:AlternateContent xmlns:mc="http://schemas.openxmlformats.org/markup-compatibility/2006" xmlns:p14="http://schemas.microsoft.com/office/powerpoint/2010/main">
+          <mc:Choice Requires="p14">
             <p:contentPart p14:bwMode="auto" r:id="rId296">
               <p14:nvContentPartPr>
                 <p14:cNvPr id="185" name="Ink 184">
@@ -27735,7 +28120,7 @@
               </p14:xfrm>
             </p:contentPart>
           </mc:Choice>
-          <mc:Fallback>
+          <mc:Fallback xmlns="">
             <p:pic>
               <p:nvPicPr>
                 <p:cNvPr id="185" name="Ink 184">
@@ -27766,8 +28151,8 @@
             </p:pic>
           </mc:Fallback>
         </mc:AlternateContent>
-        <mc:AlternateContent xmlns:mc="http://schemas.openxmlformats.org/markup-compatibility/2006">
-          <mc:Choice xmlns:p14="http://schemas.microsoft.com/office/powerpoint/2010/main" Requires="p14">
+        <mc:AlternateContent xmlns:mc="http://schemas.openxmlformats.org/markup-compatibility/2006" xmlns:p14="http://schemas.microsoft.com/office/powerpoint/2010/main">
+          <mc:Choice Requires="p14">
             <p:contentPart p14:bwMode="auto" r:id="rId298">
               <p14:nvContentPartPr>
                 <p14:cNvPr id="186" name="Ink 185">
@@ -27786,7 +28171,7 @@
               </p14:xfrm>
             </p:contentPart>
           </mc:Choice>
-          <mc:Fallback>
+          <mc:Fallback xmlns="">
             <p:pic>
               <p:nvPicPr>
                 <p:cNvPr id="186" name="Ink 185">
@@ -27817,8 +28202,8 @@
             </p:pic>
           </mc:Fallback>
         </mc:AlternateContent>
-        <mc:AlternateContent xmlns:mc="http://schemas.openxmlformats.org/markup-compatibility/2006">
-          <mc:Choice xmlns:p14="http://schemas.microsoft.com/office/powerpoint/2010/main" Requires="p14">
+        <mc:AlternateContent xmlns:mc="http://schemas.openxmlformats.org/markup-compatibility/2006" xmlns:p14="http://schemas.microsoft.com/office/powerpoint/2010/main">
+          <mc:Choice Requires="p14">
             <p:contentPart p14:bwMode="auto" r:id="rId300">
               <p14:nvContentPartPr>
                 <p14:cNvPr id="187" name="Ink 186">
@@ -27837,7 +28222,7 @@
               </p14:xfrm>
             </p:contentPart>
           </mc:Choice>
-          <mc:Fallback>
+          <mc:Fallback xmlns="">
             <p:pic>
               <p:nvPicPr>
                 <p:cNvPr id="187" name="Ink 186">
@@ -27868,8 +28253,8 @@
             </p:pic>
           </mc:Fallback>
         </mc:AlternateContent>
-        <mc:AlternateContent xmlns:mc="http://schemas.openxmlformats.org/markup-compatibility/2006">
-          <mc:Choice xmlns:p14="http://schemas.microsoft.com/office/powerpoint/2010/main" Requires="p14">
+        <mc:AlternateContent xmlns:mc="http://schemas.openxmlformats.org/markup-compatibility/2006" xmlns:p14="http://schemas.microsoft.com/office/powerpoint/2010/main">
+          <mc:Choice Requires="p14">
             <p:contentPart p14:bwMode="auto" r:id="rId302">
               <p14:nvContentPartPr>
                 <p14:cNvPr id="188" name="Ink 187">
@@ -27888,7 +28273,7 @@
               </p14:xfrm>
             </p:contentPart>
           </mc:Choice>
-          <mc:Fallback>
+          <mc:Fallback xmlns="">
             <p:pic>
               <p:nvPicPr>
                 <p:cNvPr id="188" name="Ink 187">
@@ -27919,8 +28304,8 @@
             </p:pic>
           </mc:Fallback>
         </mc:AlternateContent>
-        <mc:AlternateContent xmlns:mc="http://schemas.openxmlformats.org/markup-compatibility/2006">
-          <mc:Choice xmlns:p14="http://schemas.microsoft.com/office/powerpoint/2010/main" Requires="p14">
+        <mc:AlternateContent xmlns:mc="http://schemas.openxmlformats.org/markup-compatibility/2006" xmlns:p14="http://schemas.microsoft.com/office/powerpoint/2010/main">
+          <mc:Choice Requires="p14">
             <p:contentPart p14:bwMode="auto" r:id="rId304">
               <p14:nvContentPartPr>
                 <p14:cNvPr id="189" name="Ink 188">
@@ -27939,7 +28324,7 @@
               </p14:xfrm>
             </p:contentPart>
           </mc:Choice>
-          <mc:Fallback>
+          <mc:Fallback xmlns="">
             <p:pic>
               <p:nvPicPr>
                 <p:cNvPr id="189" name="Ink 188">
@@ -27970,8 +28355,8 @@
             </p:pic>
           </mc:Fallback>
         </mc:AlternateContent>
-        <mc:AlternateContent xmlns:mc="http://schemas.openxmlformats.org/markup-compatibility/2006">
-          <mc:Choice xmlns:p14="http://schemas.microsoft.com/office/powerpoint/2010/main" Requires="p14">
+        <mc:AlternateContent xmlns:mc="http://schemas.openxmlformats.org/markup-compatibility/2006" xmlns:p14="http://schemas.microsoft.com/office/powerpoint/2010/main">
+          <mc:Choice Requires="p14">
             <p:contentPart p14:bwMode="auto" r:id="rId306">
               <p14:nvContentPartPr>
                 <p14:cNvPr id="190" name="Ink 189">
@@ -27990,7 +28375,7 @@
               </p14:xfrm>
             </p:contentPart>
           </mc:Choice>
-          <mc:Fallback>
+          <mc:Fallback xmlns="">
             <p:pic>
               <p:nvPicPr>
                 <p:cNvPr id="190" name="Ink 189">
@@ -28021,8 +28406,8 @@
             </p:pic>
           </mc:Fallback>
         </mc:AlternateContent>
-        <mc:AlternateContent xmlns:mc="http://schemas.openxmlformats.org/markup-compatibility/2006">
-          <mc:Choice xmlns:p14="http://schemas.microsoft.com/office/powerpoint/2010/main" Requires="p14">
+        <mc:AlternateContent xmlns:mc="http://schemas.openxmlformats.org/markup-compatibility/2006" xmlns:p14="http://schemas.microsoft.com/office/powerpoint/2010/main">
+          <mc:Choice Requires="p14">
             <p:contentPart p14:bwMode="auto" r:id="rId308">
               <p14:nvContentPartPr>
                 <p14:cNvPr id="191" name="Ink 190">
@@ -28041,7 +28426,7 @@
               </p14:xfrm>
             </p:contentPart>
           </mc:Choice>
-          <mc:Fallback>
+          <mc:Fallback xmlns="">
             <p:pic>
               <p:nvPicPr>
                 <p:cNvPr id="191" name="Ink 190">
@@ -28072,8 +28457,8 @@
             </p:pic>
           </mc:Fallback>
         </mc:AlternateContent>
-        <mc:AlternateContent xmlns:mc="http://schemas.openxmlformats.org/markup-compatibility/2006">
-          <mc:Choice xmlns:p14="http://schemas.microsoft.com/office/powerpoint/2010/main" Requires="p14">
+        <mc:AlternateContent xmlns:mc="http://schemas.openxmlformats.org/markup-compatibility/2006" xmlns:p14="http://schemas.microsoft.com/office/powerpoint/2010/main">
+          <mc:Choice Requires="p14">
             <p:contentPart p14:bwMode="auto" r:id="rId310">
               <p14:nvContentPartPr>
                 <p14:cNvPr id="192" name="Ink 191">
@@ -28092,7 +28477,7 @@
               </p14:xfrm>
             </p:contentPart>
           </mc:Choice>
-          <mc:Fallback>
+          <mc:Fallback xmlns="">
             <p:pic>
               <p:nvPicPr>
                 <p:cNvPr id="192" name="Ink 191">
@@ -28123,8 +28508,8 @@
             </p:pic>
           </mc:Fallback>
         </mc:AlternateContent>
-        <mc:AlternateContent xmlns:mc="http://schemas.openxmlformats.org/markup-compatibility/2006">
-          <mc:Choice xmlns:p14="http://schemas.microsoft.com/office/powerpoint/2010/main" Requires="p14">
+        <mc:AlternateContent xmlns:mc="http://schemas.openxmlformats.org/markup-compatibility/2006" xmlns:p14="http://schemas.microsoft.com/office/powerpoint/2010/main">
+          <mc:Choice Requires="p14">
             <p:contentPart p14:bwMode="auto" r:id="rId312">
               <p14:nvContentPartPr>
                 <p14:cNvPr id="193" name="Ink 192">
@@ -28143,7 +28528,7 @@
               </p14:xfrm>
             </p:contentPart>
           </mc:Choice>
-          <mc:Fallback>
+          <mc:Fallback xmlns="">
             <p:pic>
               <p:nvPicPr>
                 <p:cNvPr id="193" name="Ink 192">
@@ -28174,8 +28559,8 @@
             </p:pic>
           </mc:Fallback>
         </mc:AlternateContent>
-        <mc:AlternateContent xmlns:mc="http://schemas.openxmlformats.org/markup-compatibility/2006">
-          <mc:Choice xmlns:p14="http://schemas.microsoft.com/office/powerpoint/2010/main" Requires="p14">
+        <mc:AlternateContent xmlns:mc="http://schemas.openxmlformats.org/markup-compatibility/2006" xmlns:p14="http://schemas.microsoft.com/office/powerpoint/2010/main">
+          <mc:Choice Requires="p14">
             <p:contentPart p14:bwMode="auto" r:id="rId314">
               <p14:nvContentPartPr>
                 <p14:cNvPr id="194" name="Ink 193">
@@ -28194,7 +28579,7 @@
               </p14:xfrm>
             </p:contentPart>
           </mc:Choice>
-          <mc:Fallback>
+          <mc:Fallback xmlns="">
             <p:pic>
               <p:nvPicPr>
                 <p:cNvPr id="194" name="Ink 193">
@@ -28225,8 +28610,8 @@
             </p:pic>
           </mc:Fallback>
         </mc:AlternateContent>
-        <mc:AlternateContent xmlns:mc="http://schemas.openxmlformats.org/markup-compatibility/2006">
-          <mc:Choice xmlns:p14="http://schemas.microsoft.com/office/powerpoint/2010/main" Requires="p14">
+        <mc:AlternateContent xmlns:mc="http://schemas.openxmlformats.org/markup-compatibility/2006" xmlns:p14="http://schemas.microsoft.com/office/powerpoint/2010/main">
+          <mc:Choice Requires="p14">
             <p:contentPart p14:bwMode="auto" r:id="rId316">
               <p14:nvContentPartPr>
                 <p14:cNvPr id="195" name="Ink 194">
@@ -28245,7 +28630,7 @@
               </p14:xfrm>
             </p:contentPart>
           </mc:Choice>
-          <mc:Fallback>
+          <mc:Fallback xmlns="">
             <p:pic>
               <p:nvPicPr>
                 <p:cNvPr id="195" name="Ink 194">
@@ -28276,8 +28661,8 @@
             </p:pic>
           </mc:Fallback>
         </mc:AlternateContent>
-        <mc:AlternateContent xmlns:mc="http://schemas.openxmlformats.org/markup-compatibility/2006">
-          <mc:Choice xmlns:p14="http://schemas.microsoft.com/office/powerpoint/2010/main" Requires="p14">
+        <mc:AlternateContent xmlns:mc="http://schemas.openxmlformats.org/markup-compatibility/2006" xmlns:p14="http://schemas.microsoft.com/office/powerpoint/2010/main">
+          <mc:Choice Requires="p14">
             <p:contentPart p14:bwMode="auto" r:id="rId318">
               <p14:nvContentPartPr>
                 <p14:cNvPr id="196" name="Ink 195">
@@ -28296,7 +28681,7 @@
               </p14:xfrm>
             </p:contentPart>
           </mc:Choice>
-          <mc:Fallback>
+          <mc:Fallback xmlns="">
             <p:pic>
               <p:nvPicPr>
                 <p:cNvPr id="196" name="Ink 195">
@@ -28327,8 +28712,8 @@
             </p:pic>
           </mc:Fallback>
         </mc:AlternateContent>
-        <mc:AlternateContent xmlns:mc="http://schemas.openxmlformats.org/markup-compatibility/2006">
-          <mc:Choice xmlns:p14="http://schemas.microsoft.com/office/powerpoint/2010/main" Requires="p14">
+        <mc:AlternateContent xmlns:mc="http://schemas.openxmlformats.org/markup-compatibility/2006" xmlns:p14="http://schemas.microsoft.com/office/powerpoint/2010/main">
+          <mc:Choice Requires="p14">
             <p:contentPart p14:bwMode="auto" r:id="rId320">
               <p14:nvContentPartPr>
                 <p14:cNvPr id="197" name="Ink 196">
@@ -28347,7 +28732,7 @@
               </p14:xfrm>
             </p:contentPart>
           </mc:Choice>
-          <mc:Fallback>
+          <mc:Fallback xmlns="">
             <p:pic>
               <p:nvPicPr>
                 <p:cNvPr id="197" name="Ink 196">
@@ -28379,8 +28764,8 @@
           </mc:Fallback>
         </mc:AlternateContent>
       </p:grpSp>
-      <mc:AlternateContent xmlns:mc="http://schemas.openxmlformats.org/markup-compatibility/2006">
-        <mc:Choice xmlns:p14="http://schemas.microsoft.com/office/powerpoint/2010/main" Requires="p14">
+      <mc:AlternateContent xmlns:mc="http://schemas.openxmlformats.org/markup-compatibility/2006" xmlns:p14="http://schemas.microsoft.com/office/powerpoint/2010/main">
+        <mc:Choice Requires="p14">
           <p:contentPart p14:bwMode="auto" r:id="rId322">
             <p14:nvContentPartPr>
               <p14:cNvPr id="207" name="Ink 206">
@@ -28399,7 +28784,7 @@
             </p14:xfrm>
           </p:contentPart>
         </mc:Choice>
-        <mc:Fallback>
+        <mc:Fallback xmlns="">
           <p:pic>
             <p:nvPicPr>
               <p:cNvPr id="207" name="Ink 206">
@@ -28430,8 +28815,8 @@
           </p:pic>
         </mc:Fallback>
       </mc:AlternateContent>
-      <mc:AlternateContent xmlns:mc="http://schemas.openxmlformats.org/markup-compatibility/2006">
-        <mc:Choice xmlns:p14="http://schemas.microsoft.com/office/powerpoint/2010/main" Requires="p14">
+      <mc:AlternateContent xmlns:mc="http://schemas.openxmlformats.org/markup-compatibility/2006" xmlns:p14="http://schemas.microsoft.com/office/powerpoint/2010/main">
+        <mc:Choice Requires="p14">
           <p:contentPart p14:bwMode="auto" r:id="rId324">
             <p14:nvContentPartPr>
               <p14:cNvPr id="199" name="Ink 198">
@@ -28450,7 +28835,7 @@
             </p14:xfrm>
           </p:contentPart>
         </mc:Choice>
-        <mc:Fallback>
+        <mc:Fallback xmlns="">
           <p:pic>
             <p:nvPicPr>
               <p:cNvPr id="199" name="Ink 198">
@@ -28481,8 +28866,8 @@
           </p:pic>
         </mc:Fallback>
       </mc:AlternateContent>
-      <mc:AlternateContent xmlns:mc="http://schemas.openxmlformats.org/markup-compatibility/2006">
-        <mc:Choice xmlns:p14="http://schemas.microsoft.com/office/powerpoint/2010/main" Requires="p14">
+      <mc:AlternateContent xmlns:mc="http://schemas.openxmlformats.org/markup-compatibility/2006" xmlns:p14="http://schemas.microsoft.com/office/powerpoint/2010/main">
+        <mc:Choice Requires="p14">
           <p:contentPart p14:bwMode="auto" r:id="rId326">
             <p14:nvContentPartPr>
               <p14:cNvPr id="200" name="Ink 199">
@@ -28501,7 +28886,7 @@
             </p14:xfrm>
           </p:contentPart>
         </mc:Choice>
-        <mc:Fallback>
+        <mc:Fallback xmlns="">
           <p:pic>
             <p:nvPicPr>
               <p:cNvPr id="200" name="Ink 199">
@@ -28532,8 +28917,8 @@
           </p:pic>
         </mc:Fallback>
       </mc:AlternateContent>
-      <mc:AlternateContent xmlns:mc="http://schemas.openxmlformats.org/markup-compatibility/2006">
-        <mc:Choice xmlns:p14="http://schemas.microsoft.com/office/powerpoint/2010/main" Requires="p14">
+      <mc:AlternateContent xmlns:mc="http://schemas.openxmlformats.org/markup-compatibility/2006" xmlns:p14="http://schemas.microsoft.com/office/powerpoint/2010/main">
+        <mc:Choice Requires="p14">
           <p:contentPart p14:bwMode="auto" r:id="rId328">
             <p14:nvContentPartPr>
               <p14:cNvPr id="201" name="Ink 200">
@@ -28552,7 +28937,7 @@
             </p14:xfrm>
           </p:contentPart>
         </mc:Choice>
-        <mc:Fallback>
+        <mc:Fallback xmlns="">
           <p:pic>
             <p:nvPicPr>
               <p:cNvPr id="201" name="Ink 200">
@@ -28583,8 +28968,8 @@
           </p:pic>
         </mc:Fallback>
       </mc:AlternateContent>
-      <mc:AlternateContent xmlns:mc="http://schemas.openxmlformats.org/markup-compatibility/2006">
-        <mc:Choice xmlns:p14="http://schemas.microsoft.com/office/powerpoint/2010/main" Requires="p14">
+      <mc:AlternateContent xmlns:mc="http://schemas.openxmlformats.org/markup-compatibility/2006" xmlns:p14="http://schemas.microsoft.com/office/powerpoint/2010/main">
+        <mc:Choice Requires="p14">
           <p:contentPart p14:bwMode="auto" r:id="rId330">
             <p14:nvContentPartPr>
               <p14:cNvPr id="203" name="Ink 202">
@@ -28603,7 +28988,7 @@
             </p14:xfrm>
           </p:contentPart>
         </mc:Choice>
-        <mc:Fallback>
+        <mc:Fallback xmlns="">
           <p:pic>
             <p:nvPicPr>
               <p:cNvPr id="203" name="Ink 202">
@@ -28634,8 +29019,8 @@
           </p:pic>
         </mc:Fallback>
       </mc:AlternateContent>
-      <mc:AlternateContent xmlns:mc="http://schemas.openxmlformats.org/markup-compatibility/2006">
-        <mc:Choice xmlns:p14="http://schemas.microsoft.com/office/powerpoint/2010/main" Requires="p14">
+      <mc:AlternateContent xmlns:mc="http://schemas.openxmlformats.org/markup-compatibility/2006" xmlns:p14="http://schemas.microsoft.com/office/powerpoint/2010/main">
+        <mc:Choice Requires="p14">
           <p:contentPart p14:bwMode="auto" r:id="rId332">
             <p14:nvContentPartPr>
               <p14:cNvPr id="204" name="Ink 203">
@@ -28654,7 +29039,7 @@
             </p14:xfrm>
           </p:contentPart>
         </mc:Choice>
-        <mc:Fallback>
+        <mc:Fallback xmlns="">
           <p:pic>
             <p:nvPicPr>
               <p:cNvPr id="204" name="Ink 203">
@@ -28685,8 +29070,8 @@
           </p:pic>
         </mc:Fallback>
       </mc:AlternateContent>
-      <mc:AlternateContent xmlns:mc="http://schemas.openxmlformats.org/markup-compatibility/2006">
-        <mc:Choice xmlns:p14="http://schemas.microsoft.com/office/powerpoint/2010/main" Requires="p14">
+      <mc:AlternateContent xmlns:mc="http://schemas.openxmlformats.org/markup-compatibility/2006" xmlns:p14="http://schemas.microsoft.com/office/powerpoint/2010/main">
+        <mc:Choice Requires="p14">
           <p:contentPart p14:bwMode="auto" r:id="rId334">
             <p14:nvContentPartPr>
               <p14:cNvPr id="205" name="Ink 204">
@@ -28705,7 +29090,7 @@
             </p14:xfrm>
           </p:contentPart>
         </mc:Choice>
-        <mc:Fallback>
+        <mc:Fallback xmlns="">
           <p:pic>
             <p:nvPicPr>
               <p:cNvPr id="205" name="Ink 204">
@@ -28736,8 +29121,8 @@
           </p:pic>
         </mc:Fallback>
       </mc:AlternateContent>
-      <mc:AlternateContent xmlns:mc="http://schemas.openxmlformats.org/markup-compatibility/2006">
-        <mc:Choice xmlns:p14="http://schemas.microsoft.com/office/powerpoint/2010/main" Requires="p14">
+      <mc:AlternateContent xmlns:mc="http://schemas.openxmlformats.org/markup-compatibility/2006" xmlns:p14="http://schemas.microsoft.com/office/powerpoint/2010/main">
+        <mc:Choice Requires="p14">
           <p:contentPart p14:bwMode="auto" r:id="rId336">
             <p14:nvContentPartPr>
               <p14:cNvPr id="217" name="Ink 216">
@@ -28756,7 +29141,7 @@
             </p14:xfrm>
           </p:contentPart>
         </mc:Choice>
-        <mc:Fallback>
+        <mc:Fallback xmlns="">
           <p:pic>
             <p:nvPicPr>
               <p:cNvPr id="217" name="Ink 216">
@@ -28787,8 +29172,8 @@
           </p:pic>
         </mc:Fallback>
       </mc:AlternateContent>
-      <mc:AlternateContent xmlns:mc="http://schemas.openxmlformats.org/markup-compatibility/2006">
-        <mc:Choice xmlns:p14="http://schemas.microsoft.com/office/powerpoint/2010/main" Requires="p14">
+      <mc:AlternateContent xmlns:mc="http://schemas.openxmlformats.org/markup-compatibility/2006" xmlns:p14="http://schemas.microsoft.com/office/powerpoint/2010/main">
+        <mc:Choice Requires="p14">
           <p:contentPart p14:bwMode="auto" r:id="rId338">
             <p14:nvContentPartPr>
               <p14:cNvPr id="218" name="Ink 217">
@@ -28807,7 +29192,7 @@
             </p14:xfrm>
           </p:contentPart>
         </mc:Choice>
-        <mc:Fallback>
+        <mc:Fallback xmlns="">
           <p:pic>
             <p:nvPicPr>
               <p:cNvPr id="218" name="Ink 217">
@@ -28838,8 +29223,8 @@
           </p:pic>
         </mc:Fallback>
       </mc:AlternateContent>
-      <mc:AlternateContent xmlns:mc="http://schemas.openxmlformats.org/markup-compatibility/2006">
-        <mc:Choice xmlns:p14="http://schemas.microsoft.com/office/powerpoint/2010/main" Requires="p14">
+      <mc:AlternateContent xmlns:mc="http://schemas.openxmlformats.org/markup-compatibility/2006" xmlns:p14="http://schemas.microsoft.com/office/powerpoint/2010/main">
+        <mc:Choice Requires="p14">
           <p:contentPart p14:bwMode="auto" r:id="rId340">
             <p14:nvContentPartPr>
               <p14:cNvPr id="219" name="Ink 218">
@@ -28858,7 +29243,7 @@
             </p14:xfrm>
           </p:contentPart>
         </mc:Choice>
-        <mc:Fallback>
+        <mc:Fallback xmlns="">
           <p:pic>
             <p:nvPicPr>
               <p:cNvPr id="219" name="Ink 218">
@@ -28889,8 +29274,8 @@
           </p:pic>
         </mc:Fallback>
       </mc:AlternateContent>
-      <mc:AlternateContent xmlns:mc="http://schemas.openxmlformats.org/markup-compatibility/2006">
-        <mc:Choice xmlns:p14="http://schemas.microsoft.com/office/powerpoint/2010/main" Requires="p14">
+      <mc:AlternateContent xmlns:mc="http://schemas.openxmlformats.org/markup-compatibility/2006" xmlns:p14="http://schemas.microsoft.com/office/powerpoint/2010/main">
+        <mc:Choice Requires="p14">
           <p:contentPart p14:bwMode="auto" r:id="rId342">
             <p14:nvContentPartPr>
               <p14:cNvPr id="220" name="Ink 219">
@@ -28909,7 +29294,7 @@
             </p14:xfrm>
           </p:contentPart>
         </mc:Choice>
-        <mc:Fallback>
+        <mc:Fallback xmlns="">
           <p:pic>
             <p:nvPicPr>
               <p:cNvPr id="220" name="Ink 219">
@@ -28940,8 +29325,8 @@
           </p:pic>
         </mc:Fallback>
       </mc:AlternateContent>
-      <mc:AlternateContent xmlns:mc="http://schemas.openxmlformats.org/markup-compatibility/2006">
-        <mc:Choice xmlns:p14="http://schemas.microsoft.com/office/powerpoint/2010/main" Requires="p14">
+      <mc:AlternateContent xmlns:mc="http://schemas.openxmlformats.org/markup-compatibility/2006" xmlns:p14="http://schemas.microsoft.com/office/powerpoint/2010/main">
+        <mc:Choice Requires="p14">
           <p:contentPart p14:bwMode="auto" r:id="rId344">
             <p14:nvContentPartPr>
               <p14:cNvPr id="221" name="Ink 220">
@@ -28960,7 +29345,7 @@
             </p14:xfrm>
           </p:contentPart>
         </mc:Choice>
-        <mc:Fallback>
+        <mc:Fallback xmlns="">
           <p:pic>
             <p:nvPicPr>
               <p:cNvPr id="221" name="Ink 220">
@@ -28991,8 +29376,8 @@
           </p:pic>
         </mc:Fallback>
       </mc:AlternateContent>
-      <mc:AlternateContent xmlns:mc="http://schemas.openxmlformats.org/markup-compatibility/2006">
-        <mc:Choice xmlns:p14="http://schemas.microsoft.com/office/powerpoint/2010/main" Requires="p14">
+      <mc:AlternateContent xmlns:mc="http://schemas.openxmlformats.org/markup-compatibility/2006" xmlns:p14="http://schemas.microsoft.com/office/powerpoint/2010/main">
+        <mc:Choice Requires="p14">
           <p:contentPart p14:bwMode="auto" r:id="rId346">
             <p14:nvContentPartPr>
               <p14:cNvPr id="222" name="Ink 221">
@@ -29011,7 +29396,7 @@
             </p14:xfrm>
           </p:contentPart>
         </mc:Choice>
-        <mc:Fallback>
+        <mc:Fallback xmlns="">
           <p:pic>
             <p:nvPicPr>
               <p:cNvPr id="222" name="Ink 221">
@@ -29042,8 +29427,8 @@
           </p:pic>
         </mc:Fallback>
       </mc:AlternateContent>
-      <mc:AlternateContent xmlns:mc="http://schemas.openxmlformats.org/markup-compatibility/2006">
-        <mc:Choice xmlns:p14="http://schemas.microsoft.com/office/powerpoint/2010/main" Requires="p14">
+      <mc:AlternateContent xmlns:mc="http://schemas.openxmlformats.org/markup-compatibility/2006" xmlns:p14="http://schemas.microsoft.com/office/powerpoint/2010/main">
+        <mc:Choice Requires="p14">
           <p:contentPart p14:bwMode="auto" r:id="rId348">
             <p14:nvContentPartPr>
               <p14:cNvPr id="223" name="Ink 222">
@@ -29062,7 +29447,7 @@
             </p14:xfrm>
           </p:contentPart>
         </mc:Choice>
-        <mc:Fallback>
+        <mc:Fallback xmlns="">
           <p:pic>
             <p:nvPicPr>
               <p:cNvPr id="223" name="Ink 222">
@@ -29093,8 +29478,8 @@
           </p:pic>
         </mc:Fallback>
       </mc:AlternateContent>
-      <mc:AlternateContent xmlns:mc="http://schemas.openxmlformats.org/markup-compatibility/2006">
-        <mc:Choice xmlns:p14="http://schemas.microsoft.com/office/powerpoint/2010/main" Requires="p14">
+      <mc:AlternateContent xmlns:mc="http://schemas.openxmlformats.org/markup-compatibility/2006" xmlns:p14="http://schemas.microsoft.com/office/powerpoint/2010/main">
+        <mc:Choice Requires="p14">
           <p:contentPart p14:bwMode="auto" r:id="rId350">
             <p14:nvContentPartPr>
               <p14:cNvPr id="224" name="Ink 223">
@@ -29113,7 +29498,7 @@
             </p14:xfrm>
           </p:contentPart>
         </mc:Choice>
-        <mc:Fallback>
+        <mc:Fallback xmlns="">
           <p:pic>
             <p:nvPicPr>
               <p:cNvPr id="224" name="Ink 223">
@@ -29144,8 +29529,8 @@
           </p:pic>
         </mc:Fallback>
       </mc:AlternateContent>
-      <mc:AlternateContent xmlns:mc="http://schemas.openxmlformats.org/markup-compatibility/2006">
-        <mc:Choice xmlns:p14="http://schemas.microsoft.com/office/powerpoint/2010/main" Requires="p14">
+      <mc:AlternateContent xmlns:mc="http://schemas.openxmlformats.org/markup-compatibility/2006" xmlns:p14="http://schemas.microsoft.com/office/powerpoint/2010/main">
+        <mc:Choice Requires="p14">
           <p:contentPart p14:bwMode="auto" r:id="rId352">
             <p14:nvContentPartPr>
               <p14:cNvPr id="225" name="Ink 224">
@@ -29164,7 +29549,7 @@
             </p14:xfrm>
           </p:contentPart>
         </mc:Choice>
-        <mc:Fallback>
+        <mc:Fallback xmlns="">
           <p:pic>
             <p:nvPicPr>
               <p:cNvPr id="225" name="Ink 224">
@@ -29195,8 +29580,8 @@
           </p:pic>
         </mc:Fallback>
       </mc:AlternateContent>
-      <mc:AlternateContent xmlns:mc="http://schemas.openxmlformats.org/markup-compatibility/2006">
-        <mc:Choice xmlns:p14="http://schemas.microsoft.com/office/powerpoint/2010/main" Requires="p14">
+      <mc:AlternateContent xmlns:mc="http://schemas.openxmlformats.org/markup-compatibility/2006" xmlns:p14="http://schemas.microsoft.com/office/powerpoint/2010/main">
+        <mc:Choice Requires="p14">
           <p:contentPart p14:bwMode="auto" r:id="rId354">
             <p14:nvContentPartPr>
               <p14:cNvPr id="226" name="Ink 225">
@@ -29215,7 +29600,7 @@
             </p14:xfrm>
           </p:contentPart>
         </mc:Choice>
-        <mc:Fallback>
+        <mc:Fallback xmlns="">
           <p:pic>
             <p:nvPicPr>
               <p:cNvPr id="226" name="Ink 225">
@@ -29266,8 +29651,8 @@
             <a:chExt cx="3519720" cy="3179880"/>
           </a:xfrm>
         </p:grpSpPr>
-        <mc:AlternateContent xmlns:mc="http://schemas.openxmlformats.org/markup-compatibility/2006">
-          <mc:Choice xmlns:p14="http://schemas.microsoft.com/office/powerpoint/2010/main" Requires="p14">
+        <mc:AlternateContent xmlns:mc="http://schemas.openxmlformats.org/markup-compatibility/2006" xmlns:p14="http://schemas.microsoft.com/office/powerpoint/2010/main">
+          <mc:Choice Requires="p14">
             <p:contentPart p14:bwMode="auto" r:id="rId356">
               <p14:nvContentPartPr>
                 <p14:cNvPr id="209" name="Ink 208">
@@ -29286,7 +29671,7 @@
               </p14:xfrm>
             </p:contentPart>
           </mc:Choice>
-          <mc:Fallback>
+          <mc:Fallback xmlns="">
             <p:pic>
               <p:nvPicPr>
                 <p:cNvPr id="209" name="Ink 208">
@@ -29317,8 +29702,8 @@
             </p:pic>
           </mc:Fallback>
         </mc:AlternateContent>
-        <mc:AlternateContent xmlns:mc="http://schemas.openxmlformats.org/markup-compatibility/2006">
-          <mc:Choice xmlns:p14="http://schemas.microsoft.com/office/powerpoint/2010/main" Requires="p14">
+        <mc:AlternateContent xmlns:mc="http://schemas.openxmlformats.org/markup-compatibility/2006" xmlns:p14="http://schemas.microsoft.com/office/powerpoint/2010/main">
+          <mc:Choice Requires="p14">
             <p:contentPart p14:bwMode="auto" r:id="rId358">
               <p14:nvContentPartPr>
                 <p14:cNvPr id="210" name="Ink 209">
@@ -29337,7 +29722,7 @@
               </p14:xfrm>
             </p:contentPart>
           </mc:Choice>
-          <mc:Fallback>
+          <mc:Fallback xmlns="">
             <p:pic>
               <p:nvPicPr>
                 <p:cNvPr id="210" name="Ink 209">
@@ -29368,8 +29753,8 @@
             </p:pic>
           </mc:Fallback>
         </mc:AlternateContent>
-        <mc:AlternateContent xmlns:mc="http://schemas.openxmlformats.org/markup-compatibility/2006">
-          <mc:Choice xmlns:p14="http://schemas.microsoft.com/office/powerpoint/2010/main" Requires="p14">
+        <mc:AlternateContent xmlns:mc="http://schemas.openxmlformats.org/markup-compatibility/2006" xmlns:p14="http://schemas.microsoft.com/office/powerpoint/2010/main">
+          <mc:Choice Requires="p14">
             <p:contentPart p14:bwMode="auto" r:id="rId360">
               <p14:nvContentPartPr>
                 <p14:cNvPr id="211" name="Ink 210">
@@ -29388,7 +29773,7 @@
               </p14:xfrm>
             </p:contentPart>
           </mc:Choice>
-          <mc:Fallback>
+          <mc:Fallback xmlns="">
             <p:pic>
               <p:nvPicPr>
                 <p:cNvPr id="211" name="Ink 210">
@@ -29419,8 +29804,8 @@
             </p:pic>
           </mc:Fallback>
         </mc:AlternateContent>
-        <mc:AlternateContent xmlns:mc="http://schemas.openxmlformats.org/markup-compatibility/2006">
-          <mc:Choice xmlns:p14="http://schemas.microsoft.com/office/powerpoint/2010/main" Requires="p14">
+        <mc:AlternateContent xmlns:mc="http://schemas.openxmlformats.org/markup-compatibility/2006" xmlns:p14="http://schemas.microsoft.com/office/powerpoint/2010/main">
+          <mc:Choice Requires="p14">
             <p:contentPart p14:bwMode="auto" r:id="rId362">
               <p14:nvContentPartPr>
                 <p14:cNvPr id="212" name="Ink 211">
@@ -29439,7 +29824,7 @@
               </p14:xfrm>
             </p:contentPart>
           </mc:Choice>
-          <mc:Fallback>
+          <mc:Fallback xmlns="">
             <p:pic>
               <p:nvPicPr>
                 <p:cNvPr id="212" name="Ink 211">
@@ -29470,8 +29855,8 @@
             </p:pic>
           </mc:Fallback>
         </mc:AlternateContent>
-        <mc:AlternateContent xmlns:mc="http://schemas.openxmlformats.org/markup-compatibility/2006">
-          <mc:Choice xmlns:p14="http://schemas.microsoft.com/office/powerpoint/2010/main" Requires="p14">
+        <mc:AlternateContent xmlns:mc="http://schemas.openxmlformats.org/markup-compatibility/2006" xmlns:p14="http://schemas.microsoft.com/office/powerpoint/2010/main">
+          <mc:Choice Requires="p14">
             <p:contentPart p14:bwMode="auto" r:id="rId364">
               <p14:nvContentPartPr>
                 <p14:cNvPr id="213" name="Ink 212">
@@ -29490,7 +29875,7 @@
               </p14:xfrm>
             </p:contentPart>
           </mc:Choice>
-          <mc:Fallback>
+          <mc:Fallback xmlns="">
             <p:pic>
               <p:nvPicPr>
                 <p:cNvPr id="213" name="Ink 212">
@@ -29521,8 +29906,8 @@
             </p:pic>
           </mc:Fallback>
         </mc:AlternateContent>
-        <mc:AlternateContent xmlns:mc="http://schemas.openxmlformats.org/markup-compatibility/2006">
-          <mc:Choice xmlns:p14="http://schemas.microsoft.com/office/powerpoint/2010/main" Requires="p14">
+        <mc:AlternateContent xmlns:mc="http://schemas.openxmlformats.org/markup-compatibility/2006" xmlns:p14="http://schemas.microsoft.com/office/powerpoint/2010/main">
+          <mc:Choice Requires="p14">
             <p:contentPart p14:bwMode="auto" r:id="rId366">
               <p14:nvContentPartPr>
                 <p14:cNvPr id="214" name="Ink 213">
@@ -29541,7 +29926,7 @@
               </p14:xfrm>
             </p:contentPart>
           </mc:Choice>
-          <mc:Fallback>
+          <mc:Fallback xmlns="">
             <p:pic>
               <p:nvPicPr>
                 <p:cNvPr id="214" name="Ink 213">
@@ -29572,8 +29957,8 @@
             </p:pic>
           </mc:Fallback>
         </mc:AlternateContent>
-        <mc:AlternateContent xmlns:mc="http://schemas.openxmlformats.org/markup-compatibility/2006">
-          <mc:Choice xmlns:p14="http://schemas.microsoft.com/office/powerpoint/2010/main" Requires="p14">
+        <mc:AlternateContent xmlns:mc="http://schemas.openxmlformats.org/markup-compatibility/2006" xmlns:p14="http://schemas.microsoft.com/office/powerpoint/2010/main">
+          <mc:Choice Requires="p14">
             <p:contentPart p14:bwMode="auto" r:id="rId368">
               <p14:nvContentPartPr>
                 <p14:cNvPr id="215" name="Ink 214">
@@ -29592,7 +29977,7 @@
               </p14:xfrm>
             </p:contentPart>
           </mc:Choice>
-          <mc:Fallback>
+          <mc:Fallback xmlns="">
             <p:pic>
               <p:nvPicPr>
                 <p:cNvPr id="215" name="Ink 214">
@@ -29623,8 +30008,8 @@
             </p:pic>
           </mc:Fallback>
         </mc:AlternateContent>
-        <mc:AlternateContent xmlns:mc="http://schemas.openxmlformats.org/markup-compatibility/2006">
-          <mc:Choice xmlns:p14="http://schemas.microsoft.com/office/powerpoint/2010/main" Requires="p14">
+        <mc:AlternateContent xmlns:mc="http://schemas.openxmlformats.org/markup-compatibility/2006" xmlns:p14="http://schemas.microsoft.com/office/powerpoint/2010/main">
+          <mc:Choice Requires="p14">
             <p:contentPart p14:bwMode="auto" r:id="rId370">
               <p14:nvContentPartPr>
                 <p14:cNvPr id="228" name="Ink 227">
@@ -29643,7 +30028,7 @@
               </p14:xfrm>
             </p:contentPart>
           </mc:Choice>
-          <mc:Fallback>
+          <mc:Fallback xmlns="">
             <p:pic>
               <p:nvPicPr>
                 <p:cNvPr id="228" name="Ink 227">
@@ -29674,8 +30059,8 @@
             </p:pic>
           </mc:Fallback>
         </mc:AlternateContent>
-        <mc:AlternateContent xmlns:mc="http://schemas.openxmlformats.org/markup-compatibility/2006">
-          <mc:Choice xmlns:p14="http://schemas.microsoft.com/office/powerpoint/2010/main" Requires="p14">
+        <mc:AlternateContent xmlns:mc="http://schemas.openxmlformats.org/markup-compatibility/2006" xmlns:p14="http://schemas.microsoft.com/office/powerpoint/2010/main">
+          <mc:Choice Requires="p14">
             <p:contentPart p14:bwMode="auto" r:id="rId372">
               <p14:nvContentPartPr>
                 <p14:cNvPr id="229" name="Ink 228">
@@ -29694,7 +30079,7 @@
               </p14:xfrm>
             </p:contentPart>
           </mc:Choice>
-          <mc:Fallback>
+          <mc:Fallback xmlns="">
             <p:pic>
               <p:nvPicPr>
                 <p:cNvPr id="229" name="Ink 228">
@@ -29725,8 +30110,8 @@
             </p:pic>
           </mc:Fallback>
         </mc:AlternateContent>
-        <mc:AlternateContent xmlns:mc="http://schemas.openxmlformats.org/markup-compatibility/2006">
-          <mc:Choice xmlns:p14="http://schemas.microsoft.com/office/powerpoint/2010/main" Requires="p14">
+        <mc:AlternateContent xmlns:mc="http://schemas.openxmlformats.org/markup-compatibility/2006" xmlns:p14="http://schemas.microsoft.com/office/powerpoint/2010/main">
+          <mc:Choice Requires="p14">
             <p:contentPart p14:bwMode="auto" r:id="rId374">
               <p14:nvContentPartPr>
                 <p14:cNvPr id="230" name="Ink 229">
@@ -29745,7 +30130,7 @@
               </p14:xfrm>
             </p:contentPart>
           </mc:Choice>
-          <mc:Fallback>
+          <mc:Fallback xmlns="">
             <p:pic>
               <p:nvPicPr>
                 <p:cNvPr id="230" name="Ink 229">
@@ -29776,8 +30161,8 @@
             </p:pic>
           </mc:Fallback>
         </mc:AlternateContent>
-        <mc:AlternateContent xmlns:mc="http://schemas.openxmlformats.org/markup-compatibility/2006">
-          <mc:Choice xmlns:p14="http://schemas.microsoft.com/office/powerpoint/2010/main" Requires="p14">
+        <mc:AlternateContent xmlns:mc="http://schemas.openxmlformats.org/markup-compatibility/2006" xmlns:p14="http://schemas.microsoft.com/office/powerpoint/2010/main">
+          <mc:Choice Requires="p14">
             <p:contentPart p14:bwMode="auto" r:id="rId376">
               <p14:nvContentPartPr>
                 <p14:cNvPr id="231" name="Ink 230">
@@ -29796,7 +30181,7 @@
               </p14:xfrm>
             </p:contentPart>
           </mc:Choice>
-          <mc:Fallback>
+          <mc:Fallback xmlns="">
             <p:pic>
               <p:nvPicPr>
                 <p:cNvPr id="231" name="Ink 230">
@@ -29827,8 +30212,8 @@
             </p:pic>
           </mc:Fallback>
         </mc:AlternateContent>
-        <mc:AlternateContent xmlns:mc="http://schemas.openxmlformats.org/markup-compatibility/2006">
-          <mc:Choice xmlns:p14="http://schemas.microsoft.com/office/powerpoint/2010/main" Requires="p14">
+        <mc:AlternateContent xmlns:mc="http://schemas.openxmlformats.org/markup-compatibility/2006" xmlns:p14="http://schemas.microsoft.com/office/powerpoint/2010/main">
+          <mc:Choice Requires="p14">
             <p:contentPart p14:bwMode="auto" r:id="rId378">
               <p14:nvContentPartPr>
                 <p14:cNvPr id="233" name="Ink 232">
@@ -29847,7 +30232,7 @@
               </p14:xfrm>
             </p:contentPart>
           </mc:Choice>
-          <mc:Fallback>
+          <mc:Fallback xmlns="">
             <p:pic>
               <p:nvPicPr>
                 <p:cNvPr id="233" name="Ink 232">
@@ -29878,8 +30263,8 @@
             </p:pic>
           </mc:Fallback>
         </mc:AlternateContent>
-        <mc:AlternateContent xmlns:mc="http://schemas.openxmlformats.org/markup-compatibility/2006">
-          <mc:Choice xmlns:p14="http://schemas.microsoft.com/office/powerpoint/2010/main" Requires="p14">
+        <mc:AlternateContent xmlns:mc="http://schemas.openxmlformats.org/markup-compatibility/2006" xmlns:p14="http://schemas.microsoft.com/office/powerpoint/2010/main">
+          <mc:Choice Requires="p14">
             <p:contentPart p14:bwMode="auto" r:id="rId380">
               <p14:nvContentPartPr>
                 <p14:cNvPr id="234" name="Ink 233">
@@ -29898,7 +30283,7 @@
               </p14:xfrm>
             </p:contentPart>
           </mc:Choice>
-          <mc:Fallback>
+          <mc:Fallback xmlns="">
             <p:pic>
               <p:nvPicPr>
                 <p:cNvPr id="234" name="Ink 233">
@@ -29929,8 +30314,8 @@
             </p:pic>
           </mc:Fallback>
         </mc:AlternateContent>
-        <mc:AlternateContent xmlns:mc="http://schemas.openxmlformats.org/markup-compatibility/2006">
-          <mc:Choice xmlns:p14="http://schemas.microsoft.com/office/powerpoint/2010/main" Requires="p14">
+        <mc:AlternateContent xmlns:mc="http://schemas.openxmlformats.org/markup-compatibility/2006" xmlns:p14="http://schemas.microsoft.com/office/powerpoint/2010/main">
+          <mc:Choice Requires="p14">
             <p:contentPart p14:bwMode="auto" r:id="rId382">
               <p14:nvContentPartPr>
                 <p14:cNvPr id="235" name="Ink 234">
@@ -29949,7 +30334,7 @@
               </p14:xfrm>
             </p:contentPart>
           </mc:Choice>
-          <mc:Fallback>
+          <mc:Fallback xmlns="">
             <p:pic>
               <p:nvPicPr>
                 <p:cNvPr id="235" name="Ink 234">
@@ -29980,8 +30365,8 @@
             </p:pic>
           </mc:Fallback>
         </mc:AlternateContent>
-        <mc:AlternateContent xmlns:mc="http://schemas.openxmlformats.org/markup-compatibility/2006">
-          <mc:Choice xmlns:p14="http://schemas.microsoft.com/office/powerpoint/2010/main" Requires="p14">
+        <mc:AlternateContent xmlns:mc="http://schemas.openxmlformats.org/markup-compatibility/2006" xmlns:p14="http://schemas.microsoft.com/office/powerpoint/2010/main">
+          <mc:Choice Requires="p14">
             <p:contentPart p14:bwMode="auto" r:id="rId384">
               <p14:nvContentPartPr>
                 <p14:cNvPr id="237" name="Ink 236">
@@ -30000,7 +30385,7 @@
               </p14:xfrm>
             </p:contentPart>
           </mc:Choice>
-          <mc:Fallback>
+          <mc:Fallback xmlns="">
             <p:pic>
               <p:nvPicPr>
                 <p:cNvPr id="237" name="Ink 236">
@@ -30031,8 +30416,8 @@
             </p:pic>
           </mc:Fallback>
         </mc:AlternateContent>
-        <mc:AlternateContent xmlns:mc="http://schemas.openxmlformats.org/markup-compatibility/2006">
-          <mc:Choice xmlns:p14="http://schemas.microsoft.com/office/powerpoint/2010/main" Requires="p14">
+        <mc:AlternateContent xmlns:mc="http://schemas.openxmlformats.org/markup-compatibility/2006" xmlns:p14="http://schemas.microsoft.com/office/powerpoint/2010/main">
+          <mc:Choice Requires="p14">
             <p:contentPart p14:bwMode="auto" r:id="rId386">
               <p14:nvContentPartPr>
                 <p14:cNvPr id="238" name="Ink 237">
@@ -30051,7 +30436,7 @@
               </p14:xfrm>
             </p:contentPart>
           </mc:Choice>
-          <mc:Fallback>
+          <mc:Fallback xmlns="">
             <p:pic>
               <p:nvPicPr>
                 <p:cNvPr id="238" name="Ink 237">
@@ -30082,8 +30467,8 @@
             </p:pic>
           </mc:Fallback>
         </mc:AlternateContent>
-        <mc:AlternateContent xmlns:mc="http://schemas.openxmlformats.org/markup-compatibility/2006">
-          <mc:Choice xmlns:p14="http://schemas.microsoft.com/office/powerpoint/2010/main" Requires="p14">
+        <mc:AlternateContent xmlns:mc="http://schemas.openxmlformats.org/markup-compatibility/2006" xmlns:p14="http://schemas.microsoft.com/office/powerpoint/2010/main">
+          <mc:Choice Requires="p14">
             <p:contentPart p14:bwMode="auto" r:id="rId388">
               <p14:nvContentPartPr>
                 <p14:cNvPr id="239" name="Ink 238">
@@ -30102,7 +30487,7 @@
               </p14:xfrm>
             </p:contentPart>
           </mc:Choice>
-          <mc:Fallback>
+          <mc:Fallback xmlns="">
             <p:pic>
               <p:nvPicPr>
                 <p:cNvPr id="239" name="Ink 238">
@@ -30133,8 +30518,8 @@
             </p:pic>
           </mc:Fallback>
         </mc:AlternateContent>
-        <mc:AlternateContent xmlns:mc="http://schemas.openxmlformats.org/markup-compatibility/2006">
-          <mc:Choice xmlns:p14="http://schemas.microsoft.com/office/powerpoint/2010/main" Requires="p14">
+        <mc:AlternateContent xmlns:mc="http://schemas.openxmlformats.org/markup-compatibility/2006" xmlns:p14="http://schemas.microsoft.com/office/powerpoint/2010/main">
+          <mc:Choice Requires="p14">
             <p:contentPart p14:bwMode="auto" r:id="rId390">
               <p14:nvContentPartPr>
                 <p14:cNvPr id="241" name="Ink 240">
@@ -30153,7 +30538,7 @@
               </p14:xfrm>
             </p:contentPart>
           </mc:Choice>
-          <mc:Fallback>
+          <mc:Fallback xmlns="">
             <p:pic>
               <p:nvPicPr>
                 <p:cNvPr id="241" name="Ink 240">
@@ -30184,8 +30569,8 @@
             </p:pic>
           </mc:Fallback>
         </mc:AlternateContent>
-        <mc:AlternateContent xmlns:mc="http://schemas.openxmlformats.org/markup-compatibility/2006">
-          <mc:Choice xmlns:p14="http://schemas.microsoft.com/office/powerpoint/2010/main" Requires="p14">
+        <mc:AlternateContent xmlns:mc="http://schemas.openxmlformats.org/markup-compatibility/2006" xmlns:p14="http://schemas.microsoft.com/office/powerpoint/2010/main">
+          <mc:Choice Requires="p14">
             <p:contentPart p14:bwMode="auto" r:id="rId392">
               <p14:nvContentPartPr>
                 <p14:cNvPr id="243" name="Ink 242">
@@ -30204,7 +30589,7 @@
               </p14:xfrm>
             </p:contentPart>
           </mc:Choice>
-          <mc:Fallback>
+          <mc:Fallback xmlns="">
             <p:pic>
               <p:nvPicPr>
                 <p:cNvPr id="243" name="Ink 242">
@@ -30235,8 +30620,8 @@
             </p:pic>
           </mc:Fallback>
         </mc:AlternateContent>
-        <mc:AlternateContent xmlns:mc="http://schemas.openxmlformats.org/markup-compatibility/2006">
-          <mc:Choice xmlns:p14="http://schemas.microsoft.com/office/powerpoint/2010/main" Requires="p14">
+        <mc:AlternateContent xmlns:mc="http://schemas.openxmlformats.org/markup-compatibility/2006" xmlns:p14="http://schemas.microsoft.com/office/powerpoint/2010/main">
+          <mc:Choice Requires="p14">
             <p:contentPart p14:bwMode="auto" r:id="rId394">
               <p14:nvContentPartPr>
                 <p14:cNvPr id="244" name="Ink 243">
@@ -30255,7 +30640,7 @@
               </p14:xfrm>
             </p:contentPart>
           </mc:Choice>
-          <mc:Fallback>
+          <mc:Fallback xmlns="">
             <p:pic>
               <p:nvPicPr>
                 <p:cNvPr id="244" name="Ink 243">
@@ -30286,8 +30671,8 @@
             </p:pic>
           </mc:Fallback>
         </mc:AlternateContent>
-        <mc:AlternateContent xmlns:mc="http://schemas.openxmlformats.org/markup-compatibility/2006">
-          <mc:Choice xmlns:p14="http://schemas.microsoft.com/office/powerpoint/2010/main" Requires="p14">
+        <mc:AlternateContent xmlns:mc="http://schemas.openxmlformats.org/markup-compatibility/2006" xmlns:p14="http://schemas.microsoft.com/office/powerpoint/2010/main">
+          <mc:Choice Requires="p14">
             <p:contentPart p14:bwMode="auto" r:id="rId396">
               <p14:nvContentPartPr>
                 <p14:cNvPr id="246" name="Ink 245">
@@ -30306,7 +30691,7 @@
               </p14:xfrm>
             </p:contentPart>
           </mc:Choice>
-          <mc:Fallback>
+          <mc:Fallback xmlns="">
             <p:pic>
               <p:nvPicPr>
                 <p:cNvPr id="246" name="Ink 245">
@@ -30337,8 +30722,8 @@
             </p:pic>
           </mc:Fallback>
         </mc:AlternateContent>
-        <mc:AlternateContent xmlns:mc="http://schemas.openxmlformats.org/markup-compatibility/2006">
-          <mc:Choice xmlns:p14="http://schemas.microsoft.com/office/powerpoint/2010/main" Requires="p14">
+        <mc:AlternateContent xmlns:mc="http://schemas.openxmlformats.org/markup-compatibility/2006" xmlns:p14="http://schemas.microsoft.com/office/powerpoint/2010/main">
+          <mc:Choice Requires="p14">
             <p:contentPart p14:bwMode="auto" r:id="rId398">
               <p14:nvContentPartPr>
                 <p14:cNvPr id="247" name="Ink 246">
@@ -30357,7 +30742,7 @@
               </p14:xfrm>
             </p:contentPart>
           </mc:Choice>
-          <mc:Fallback>
+          <mc:Fallback xmlns="">
             <p:pic>
               <p:nvPicPr>
                 <p:cNvPr id="247" name="Ink 246">
@@ -30388,8 +30773,8 @@
             </p:pic>
           </mc:Fallback>
         </mc:AlternateContent>
-        <mc:AlternateContent xmlns:mc="http://schemas.openxmlformats.org/markup-compatibility/2006">
-          <mc:Choice xmlns:p14="http://schemas.microsoft.com/office/powerpoint/2010/main" Requires="p14">
+        <mc:AlternateContent xmlns:mc="http://schemas.openxmlformats.org/markup-compatibility/2006" xmlns:p14="http://schemas.microsoft.com/office/powerpoint/2010/main">
+          <mc:Choice Requires="p14">
             <p:contentPart p14:bwMode="auto" r:id="rId400">
               <p14:nvContentPartPr>
                 <p14:cNvPr id="248" name="Ink 247">
@@ -30408,7 +30793,7 @@
               </p14:xfrm>
             </p:contentPart>
           </mc:Choice>
-          <mc:Fallback>
+          <mc:Fallback xmlns="">
             <p:pic>
               <p:nvPicPr>
                 <p:cNvPr id="248" name="Ink 247">
@@ -30439,8 +30824,8 @@
             </p:pic>
           </mc:Fallback>
         </mc:AlternateContent>
-        <mc:AlternateContent xmlns:mc="http://schemas.openxmlformats.org/markup-compatibility/2006">
-          <mc:Choice xmlns:p14="http://schemas.microsoft.com/office/powerpoint/2010/main" Requires="p14">
+        <mc:AlternateContent xmlns:mc="http://schemas.openxmlformats.org/markup-compatibility/2006" xmlns:p14="http://schemas.microsoft.com/office/powerpoint/2010/main">
+          <mc:Choice Requires="p14">
             <p:contentPart p14:bwMode="auto" r:id="rId402">
               <p14:nvContentPartPr>
                 <p14:cNvPr id="249" name="Ink 248">
@@ -30459,7 +30844,7 @@
               </p14:xfrm>
             </p:contentPart>
           </mc:Choice>
-          <mc:Fallback>
+          <mc:Fallback xmlns="">
             <p:pic>
               <p:nvPicPr>
                 <p:cNvPr id="249" name="Ink 248">
@@ -30490,8 +30875,8 @@
             </p:pic>
           </mc:Fallback>
         </mc:AlternateContent>
-        <mc:AlternateContent xmlns:mc="http://schemas.openxmlformats.org/markup-compatibility/2006">
-          <mc:Choice xmlns:p14="http://schemas.microsoft.com/office/powerpoint/2010/main" Requires="p14">
+        <mc:AlternateContent xmlns:mc="http://schemas.openxmlformats.org/markup-compatibility/2006" xmlns:p14="http://schemas.microsoft.com/office/powerpoint/2010/main">
+          <mc:Choice Requires="p14">
             <p:contentPart p14:bwMode="auto" r:id="rId404">
               <p14:nvContentPartPr>
                 <p14:cNvPr id="250" name="Ink 249">
@@ -30510,7 +30895,7 @@
               </p14:xfrm>
             </p:contentPart>
           </mc:Choice>
-          <mc:Fallback>
+          <mc:Fallback xmlns="">
             <p:pic>
               <p:nvPicPr>
                 <p:cNvPr id="250" name="Ink 249">
@@ -30541,8 +30926,8 @@
             </p:pic>
           </mc:Fallback>
         </mc:AlternateContent>
-        <mc:AlternateContent xmlns:mc="http://schemas.openxmlformats.org/markup-compatibility/2006">
-          <mc:Choice xmlns:p14="http://schemas.microsoft.com/office/powerpoint/2010/main" Requires="p14">
+        <mc:AlternateContent xmlns:mc="http://schemas.openxmlformats.org/markup-compatibility/2006" xmlns:p14="http://schemas.microsoft.com/office/powerpoint/2010/main">
+          <mc:Choice Requires="p14">
             <p:contentPart p14:bwMode="auto" r:id="rId406">
               <p14:nvContentPartPr>
                 <p14:cNvPr id="251" name="Ink 250">
@@ -30561,7 +30946,7 @@
               </p14:xfrm>
             </p:contentPart>
           </mc:Choice>
-          <mc:Fallback>
+          <mc:Fallback xmlns="">
             <p:pic>
               <p:nvPicPr>
                 <p:cNvPr id="251" name="Ink 250">
@@ -30592,8 +30977,8 @@
             </p:pic>
           </mc:Fallback>
         </mc:AlternateContent>
-        <mc:AlternateContent xmlns:mc="http://schemas.openxmlformats.org/markup-compatibility/2006">
-          <mc:Choice xmlns:p14="http://schemas.microsoft.com/office/powerpoint/2010/main" Requires="p14">
+        <mc:AlternateContent xmlns:mc="http://schemas.openxmlformats.org/markup-compatibility/2006" xmlns:p14="http://schemas.microsoft.com/office/powerpoint/2010/main">
+          <mc:Choice Requires="p14">
             <p:contentPart p14:bwMode="auto" r:id="rId408">
               <p14:nvContentPartPr>
                 <p14:cNvPr id="253" name="Ink 252">
@@ -30612,7 +30997,7 @@
               </p14:xfrm>
             </p:contentPart>
           </mc:Choice>
-          <mc:Fallback>
+          <mc:Fallback xmlns="">
             <p:pic>
               <p:nvPicPr>
                 <p:cNvPr id="253" name="Ink 252">
@@ -30643,8 +31028,8 @@
             </p:pic>
           </mc:Fallback>
         </mc:AlternateContent>
-        <mc:AlternateContent xmlns:mc="http://schemas.openxmlformats.org/markup-compatibility/2006">
-          <mc:Choice xmlns:p14="http://schemas.microsoft.com/office/powerpoint/2010/main" Requires="p14">
+        <mc:AlternateContent xmlns:mc="http://schemas.openxmlformats.org/markup-compatibility/2006" xmlns:p14="http://schemas.microsoft.com/office/powerpoint/2010/main">
+          <mc:Choice Requires="p14">
             <p:contentPart p14:bwMode="auto" r:id="rId410">
               <p14:nvContentPartPr>
                 <p14:cNvPr id="254" name="Ink 253">
@@ -30663,7 +31048,7 @@
               </p14:xfrm>
             </p:contentPart>
           </mc:Choice>
-          <mc:Fallback>
+          <mc:Fallback xmlns="">
             <p:pic>
               <p:nvPicPr>
                 <p:cNvPr id="254" name="Ink 253">
@@ -30694,8 +31079,8 @@
             </p:pic>
           </mc:Fallback>
         </mc:AlternateContent>
-        <mc:AlternateContent xmlns:mc="http://schemas.openxmlformats.org/markup-compatibility/2006">
-          <mc:Choice xmlns:p14="http://schemas.microsoft.com/office/powerpoint/2010/main" Requires="p14">
+        <mc:AlternateContent xmlns:mc="http://schemas.openxmlformats.org/markup-compatibility/2006" xmlns:p14="http://schemas.microsoft.com/office/powerpoint/2010/main">
+          <mc:Choice Requires="p14">
             <p:contentPart p14:bwMode="auto" r:id="rId412">
               <p14:nvContentPartPr>
                 <p14:cNvPr id="256" name="Ink 255">
@@ -30714,7 +31099,7 @@
               </p14:xfrm>
             </p:contentPart>
           </mc:Choice>
-          <mc:Fallback>
+          <mc:Fallback xmlns="">
             <p:pic>
               <p:nvPicPr>
                 <p:cNvPr id="256" name="Ink 255">
@@ -30745,8 +31130,8 @@
             </p:pic>
           </mc:Fallback>
         </mc:AlternateContent>
-        <mc:AlternateContent xmlns:mc="http://schemas.openxmlformats.org/markup-compatibility/2006">
-          <mc:Choice xmlns:p14="http://schemas.microsoft.com/office/powerpoint/2010/main" Requires="p14">
+        <mc:AlternateContent xmlns:mc="http://schemas.openxmlformats.org/markup-compatibility/2006" xmlns:p14="http://schemas.microsoft.com/office/powerpoint/2010/main">
+          <mc:Choice Requires="p14">
             <p:contentPart p14:bwMode="auto" r:id="rId414">
               <p14:nvContentPartPr>
                 <p14:cNvPr id="257" name="Ink 256">
@@ -30765,7 +31150,7 @@
               </p14:xfrm>
             </p:contentPart>
           </mc:Choice>
-          <mc:Fallback>
+          <mc:Fallback xmlns="">
             <p:pic>
               <p:nvPicPr>
                 <p:cNvPr id="257" name="Ink 256">
@@ -30796,8 +31181,8 @@
             </p:pic>
           </mc:Fallback>
         </mc:AlternateContent>
-        <mc:AlternateContent xmlns:mc="http://schemas.openxmlformats.org/markup-compatibility/2006">
-          <mc:Choice xmlns:p14="http://schemas.microsoft.com/office/powerpoint/2010/main" Requires="p14">
+        <mc:AlternateContent xmlns:mc="http://schemas.openxmlformats.org/markup-compatibility/2006" xmlns:p14="http://schemas.microsoft.com/office/powerpoint/2010/main">
+          <mc:Choice Requires="p14">
             <p:contentPart p14:bwMode="auto" r:id="rId416">
               <p14:nvContentPartPr>
                 <p14:cNvPr id="258" name="Ink 257">
@@ -30816,7 +31201,7 @@
               </p14:xfrm>
             </p:contentPart>
           </mc:Choice>
-          <mc:Fallback>
+          <mc:Fallback xmlns="">
             <p:pic>
               <p:nvPicPr>
                 <p:cNvPr id="258" name="Ink 257">
@@ -30847,8 +31232,8 @@
             </p:pic>
           </mc:Fallback>
         </mc:AlternateContent>
-        <mc:AlternateContent xmlns:mc="http://schemas.openxmlformats.org/markup-compatibility/2006">
-          <mc:Choice xmlns:p14="http://schemas.microsoft.com/office/powerpoint/2010/main" Requires="p14">
+        <mc:AlternateContent xmlns:mc="http://schemas.openxmlformats.org/markup-compatibility/2006" xmlns:p14="http://schemas.microsoft.com/office/powerpoint/2010/main">
+          <mc:Choice Requires="p14">
             <p:contentPart p14:bwMode="auto" r:id="rId418">
               <p14:nvContentPartPr>
                 <p14:cNvPr id="259" name="Ink 258">
@@ -30867,7 +31252,7 @@
               </p14:xfrm>
             </p:contentPart>
           </mc:Choice>
-          <mc:Fallback>
+          <mc:Fallback xmlns="">
             <p:pic>
               <p:nvPicPr>
                 <p:cNvPr id="259" name="Ink 258">
@@ -30898,8 +31283,8 @@
             </p:pic>
           </mc:Fallback>
         </mc:AlternateContent>
-        <mc:AlternateContent xmlns:mc="http://schemas.openxmlformats.org/markup-compatibility/2006">
-          <mc:Choice xmlns:p14="http://schemas.microsoft.com/office/powerpoint/2010/main" Requires="p14">
+        <mc:AlternateContent xmlns:mc="http://schemas.openxmlformats.org/markup-compatibility/2006" xmlns:p14="http://schemas.microsoft.com/office/powerpoint/2010/main">
+          <mc:Choice Requires="p14">
             <p:contentPart p14:bwMode="auto" r:id="rId420">
               <p14:nvContentPartPr>
                 <p14:cNvPr id="260" name="Ink 259">
@@ -30918,7 +31303,7 @@
               </p14:xfrm>
             </p:contentPart>
           </mc:Choice>
-          <mc:Fallback>
+          <mc:Fallback xmlns="">
             <p:pic>
               <p:nvPicPr>
                 <p:cNvPr id="260" name="Ink 259">
@@ -30949,8 +31334,8 @@
             </p:pic>
           </mc:Fallback>
         </mc:AlternateContent>
-        <mc:AlternateContent xmlns:mc="http://schemas.openxmlformats.org/markup-compatibility/2006">
-          <mc:Choice xmlns:p14="http://schemas.microsoft.com/office/powerpoint/2010/main" Requires="p14">
+        <mc:AlternateContent xmlns:mc="http://schemas.openxmlformats.org/markup-compatibility/2006" xmlns:p14="http://schemas.microsoft.com/office/powerpoint/2010/main">
+          <mc:Choice Requires="p14">
             <p:contentPart p14:bwMode="auto" r:id="rId422">
               <p14:nvContentPartPr>
                 <p14:cNvPr id="261" name="Ink 260">
@@ -30969,7 +31354,7 @@
               </p14:xfrm>
             </p:contentPart>
           </mc:Choice>
-          <mc:Fallback>
+          <mc:Fallback xmlns="">
             <p:pic>
               <p:nvPicPr>
                 <p:cNvPr id="261" name="Ink 260">
@@ -31000,8 +31385,8 @@
             </p:pic>
           </mc:Fallback>
         </mc:AlternateContent>
-        <mc:AlternateContent xmlns:mc="http://schemas.openxmlformats.org/markup-compatibility/2006">
-          <mc:Choice xmlns:p14="http://schemas.microsoft.com/office/powerpoint/2010/main" Requires="p14">
+        <mc:AlternateContent xmlns:mc="http://schemas.openxmlformats.org/markup-compatibility/2006" xmlns:p14="http://schemas.microsoft.com/office/powerpoint/2010/main">
+          <mc:Choice Requires="p14">
             <p:contentPart p14:bwMode="auto" r:id="rId424">
               <p14:nvContentPartPr>
                 <p14:cNvPr id="262" name="Ink 261">
@@ -31020,7 +31405,7 @@
               </p14:xfrm>
             </p:contentPart>
           </mc:Choice>
-          <mc:Fallback>
+          <mc:Fallback xmlns="">
             <p:pic>
               <p:nvPicPr>
                 <p:cNvPr id="262" name="Ink 261">
@@ -31065,7 +31450,7 @@
 </p:sld>
 </file>
 
-<file path=ppt/slides/slide6.xml><?xml version="1.0" encoding="utf-8"?>
+<file path=ppt/slides/slide7.xml><?xml version="1.0" encoding="utf-8"?>
 <p:sld xmlns:a="http://schemas.openxmlformats.org/drawingml/2006/main" xmlns:r="http://schemas.openxmlformats.org/officeDocument/2006/relationships" xmlns:p="http://schemas.openxmlformats.org/presentationml/2006/main">
   <p:cSld>
     <p:spTree>
